--- a/Design Patterns/Template Design Pattern.pptx
+++ b/Design Patterns/Template Design Pattern.pptx
@@ -5,15 +5,16 @@
     <p:sldMasterId id="2147483648" r:id="rId1"/>
   </p:sldMasterIdLst>
   <p:notesMasterIdLst>
-    <p:notesMasterId r:id="rId8"/>
+    <p:notesMasterId r:id="rId9"/>
   </p:notesMasterIdLst>
   <p:sldIdLst>
     <p:sldId id="256" r:id="rId2"/>
     <p:sldId id="257" r:id="rId3"/>
     <p:sldId id="259" r:id="rId4"/>
     <p:sldId id="260" r:id="rId5"/>
-    <p:sldId id="261" r:id="rId6"/>
-    <p:sldId id="258" r:id="rId7"/>
+    <p:sldId id="262" r:id="rId6"/>
+    <p:sldId id="261" r:id="rId7"/>
+    <p:sldId id="258" r:id="rId8"/>
   </p:sldIdLst>
   <p:sldSz cx="12192000" cy="6858000"/>
   <p:notesSz cx="6858000" cy="9144000"/>
@@ -771,59 +772,11 @@
             </a:pPr>
             <a:r>
               <a:rPr lang="en-US" dirty="0"/>
-              <a:t>Abstraction and Implementation</a:t>
-            </a:r>
-          </a:p>
-          <a:p>
-            <a:pPr marL="171450" indent="-171450">
-              <a:buFontTx/>
-              <a:buChar char="-"/>
-            </a:pPr>
-            <a:r>
-              <a:rPr lang="en-US" dirty="0"/>
-              <a:t>No, this is the main benefit of the Bridge Design Pattern.</a:t>
-            </a:r>
-          </a:p>
-          <a:p>
-            <a:pPr marL="171450" indent="-171450">
-              <a:buFontTx/>
-              <a:buChar char="-"/>
-            </a:pPr>
-            <a:r>
-              <a:rPr lang="en-US" sz="1200" b="0" i="0" kern="1200" dirty="0">
-                <a:solidFill>
-                  <a:schemeClr val="tx1"/>
-                </a:solidFill>
-                <a:effectLst/>
-                <a:latin typeface="+mn-lt"/>
-                <a:ea typeface="+mn-ea"/>
-                <a:cs typeface="+mn-cs"/>
-              </a:rPr>
-              <a:t>The Abstraction</a:t>
+              <a:t>Abstraction and </a:t>
             </a:r>
             <a:r>
-              <a:rPr lang="en-US" sz="1200" b="1" i="0" kern="1200" dirty="0">
-                <a:solidFill>
-                  <a:schemeClr val="tx1"/>
-                </a:solidFill>
-                <a:effectLst/>
-                <a:latin typeface="+mn-lt"/>
-                <a:ea typeface="+mn-ea"/>
-                <a:cs typeface="+mn-cs"/>
-              </a:rPr>
-              <a:t> </a:t>
-            </a:r>
-            <a:r>
-              <a:rPr lang="en-US" sz="1200" b="0" i="0" kern="1200" dirty="0">
-                <a:solidFill>
-                  <a:schemeClr val="tx1"/>
-                </a:solidFill>
-                <a:effectLst/>
-                <a:latin typeface="+mn-lt"/>
-                <a:ea typeface="+mn-ea"/>
-                <a:cs typeface="+mn-cs"/>
-              </a:rPr>
-              <a:t>provides high-level control logic and relies on the implementation object to do the actual low-level work.</a:t>
+              <a:rPr lang="en-US" dirty="0" smtClean="0"/>
+              <a:t>Implementation</a:t>
             </a:r>
             <a:endParaRPr lang="en-US" dirty="0"/>
           </a:p>
@@ -846,7 +799,7 @@
           <a:p>
             <a:fld id="{0187D12A-64D4-4043-8A6B-E859BF4A2B12}" type="slidenum">
               <a:rPr lang="en-US" smtClean="0"/>
-              <a:t>5</a:t>
+              <a:t>6</a:t>
             </a:fld>
             <a:endParaRPr lang="en-US"/>
           </a:p>
@@ -930,7 +883,7 @@
           <a:p>
             <a:fld id="{0187D12A-64D4-4043-8A6B-E859BF4A2B12}" type="slidenum">
               <a:rPr lang="en-US" smtClean="0"/>
-              <a:t>6</a:t>
+              <a:t>7</a:t>
             </a:fld>
             <a:endParaRPr lang="en-US"/>
           </a:p>
@@ -1006,7 +959,7 @@
           <a:noFill/>
           <a:extLst>
             <a:ext uri="{909E8E84-426E-40dd-AFC4-6F175D3DCCD1}">
-              <a14:hiddenFill xmlns:a14="http://schemas.microsoft.com/office/drawing/2010/main" xmlns="">
+              <a14:hiddenFill xmlns="" xmlns:a14="http://schemas.microsoft.com/office/drawing/2010/main">
                 <a:solidFill>
                   <a:srgbClr val="FFFFFF"/>
                 </a:solidFill>
@@ -1065,7 +1018,7 @@
             </a:ln>
             <a:extLst>
               <a:ext uri="{91240B29-F687-4f45-9708-019B960494DF}">
-                <a14:hiddenLine xmlns:a14="http://schemas.microsoft.com/office/drawing/2010/main" xmlns="" w="9525">
+                <a14:hiddenLine xmlns="" xmlns:a14="http://schemas.microsoft.com/office/drawing/2010/main" w="9525">
                   <a:solidFill>
                     <a:srgbClr val="000000"/>
                   </a:solidFill>
@@ -1155,7 +1108,7 @@
             </a:ln>
             <a:extLst>
               <a:ext uri="{91240B29-F687-4f45-9708-019B960494DF}">
-                <a14:hiddenLine xmlns:a14="http://schemas.microsoft.com/office/drawing/2010/main" xmlns="" w="9525">
+                <a14:hiddenLine xmlns="" xmlns:a14="http://schemas.microsoft.com/office/drawing/2010/main" w="9525">
                   <a:solidFill>
                     <a:srgbClr val="000000"/>
                   </a:solidFill>
@@ -1245,7 +1198,7 @@
             </a:ln>
             <a:extLst>
               <a:ext uri="{91240B29-F687-4f45-9708-019B960494DF}">
-                <a14:hiddenLine xmlns:a14="http://schemas.microsoft.com/office/drawing/2010/main" xmlns="" w="9525">
+                <a14:hiddenLine xmlns="" xmlns:a14="http://schemas.microsoft.com/office/drawing/2010/main" w="9525">
                   <a:solidFill>
                     <a:srgbClr val="000000"/>
                   </a:solidFill>
@@ -1279,7 +1232,7 @@
             </a:ln>
             <a:extLst>
               <a:ext uri="{91240B29-F687-4f45-9708-019B960494DF}">
-                <a14:hiddenLine xmlns:a14="http://schemas.microsoft.com/office/drawing/2010/main" xmlns="" w="9525">
+                <a14:hiddenLine xmlns="" xmlns:a14="http://schemas.microsoft.com/office/drawing/2010/main" w="9525">
                   <a:solidFill>
                     <a:srgbClr val="000000"/>
                   </a:solidFill>
@@ -1369,7 +1322,7 @@
             </a:ln>
             <a:extLst>
               <a:ext uri="{91240B29-F687-4f45-9708-019B960494DF}">
-                <a14:hiddenLine xmlns:a14="http://schemas.microsoft.com/office/drawing/2010/main" xmlns="" w="9525">
+                <a14:hiddenLine xmlns="" xmlns:a14="http://schemas.microsoft.com/office/drawing/2010/main" w="9525">
                   <a:solidFill>
                     <a:srgbClr val="000000"/>
                   </a:solidFill>
@@ -1431,7 +1384,7 @@
             </a:ln>
             <a:extLst>
               <a:ext uri="{91240B29-F687-4f45-9708-019B960494DF}">
-                <a14:hiddenLine xmlns:a14="http://schemas.microsoft.com/office/drawing/2010/main" xmlns="" w="9525">
+                <a14:hiddenLine xmlns="" xmlns:a14="http://schemas.microsoft.com/office/drawing/2010/main" w="9525">
                   <a:solidFill>
                     <a:srgbClr val="000000"/>
                   </a:solidFill>
@@ -1493,7 +1446,7 @@
             </a:ln>
             <a:extLst>
               <a:ext uri="{91240B29-F687-4f45-9708-019B960494DF}">
-                <a14:hiddenLine xmlns:a14="http://schemas.microsoft.com/office/drawing/2010/main" xmlns="" w="9525">
+                <a14:hiddenLine xmlns="" xmlns:a14="http://schemas.microsoft.com/office/drawing/2010/main" w="9525">
                   <a:solidFill>
                     <a:srgbClr val="000000"/>
                   </a:solidFill>
@@ -1583,7 +1536,7 @@
             </a:ln>
             <a:extLst>
               <a:ext uri="{91240B29-F687-4f45-9708-019B960494DF}">
-                <a14:hiddenLine xmlns:a14="http://schemas.microsoft.com/office/drawing/2010/main" xmlns="" w="9525">
+                <a14:hiddenLine xmlns="" xmlns:a14="http://schemas.microsoft.com/office/drawing/2010/main" w="9525">
                   <a:solidFill>
                     <a:srgbClr val="000000"/>
                   </a:solidFill>
@@ -1645,7 +1598,7 @@
             </a:ln>
             <a:extLst>
               <a:ext uri="{91240B29-F687-4f45-9708-019B960494DF}">
-                <a14:hiddenLine xmlns:a14="http://schemas.microsoft.com/office/drawing/2010/main" xmlns="" w="9525">
+                <a14:hiddenLine xmlns="" xmlns:a14="http://schemas.microsoft.com/office/drawing/2010/main" w="9525">
                   <a:solidFill>
                     <a:srgbClr val="000000"/>
                   </a:solidFill>
@@ -1707,7 +1660,7 @@
             </a:ln>
             <a:extLst>
               <a:ext uri="{91240B29-F687-4f45-9708-019B960494DF}">
-                <a14:hiddenLine xmlns:a14="http://schemas.microsoft.com/office/drawing/2010/main" xmlns="" w="9525">
+                <a14:hiddenLine xmlns="" xmlns:a14="http://schemas.microsoft.com/office/drawing/2010/main" w="9525">
                   <a:solidFill>
                     <a:srgbClr val="000000"/>
                   </a:solidFill>
@@ -1797,7 +1750,7 @@
             </a:ln>
             <a:extLst>
               <a:ext uri="{91240B29-F687-4f45-9708-019B960494DF}">
-                <a14:hiddenLine xmlns:a14="http://schemas.microsoft.com/office/drawing/2010/main" xmlns="" w="9525">
+                <a14:hiddenLine xmlns="" xmlns:a14="http://schemas.microsoft.com/office/drawing/2010/main" w="9525">
                   <a:solidFill>
                     <a:srgbClr val="000000"/>
                   </a:solidFill>
@@ -1887,7 +1840,7 @@
             </a:ln>
             <a:extLst>
               <a:ext uri="{91240B29-F687-4f45-9708-019B960494DF}">
-                <a14:hiddenLine xmlns:a14="http://schemas.microsoft.com/office/drawing/2010/main" xmlns="" w="9525">
+                <a14:hiddenLine xmlns="" xmlns:a14="http://schemas.microsoft.com/office/drawing/2010/main" w="9525">
                   <a:solidFill>
                     <a:srgbClr val="000000"/>
                   </a:solidFill>
@@ -1949,7 +1902,7 @@
             </a:ln>
             <a:extLst>
               <a:ext uri="{91240B29-F687-4f45-9708-019B960494DF}">
-                <a14:hiddenLine xmlns:a14="http://schemas.microsoft.com/office/drawing/2010/main" xmlns="" w="9525">
+                <a14:hiddenLine xmlns="" xmlns:a14="http://schemas.microsoft.com/office/drawing/2010/main" w="9525">
                   <a:solidFill>
                     <a:srgbClr val="000000"/>
                   </a:solidFill>
@@ -2059,7 +2012,7 @@
             </a:ln>
             <a:extLst>
               <a:ext uri="{91240B29-F687-4f45-9708-019B960494DF}">
-                <a14:hiddenLine xmlns:a14="http://schemas.microsoft.com/office/drawing/2010/main" xmlns="" w="9525">
+                <a14:hiddenLine xmlns="" xmlns:a14="http://schemas.microsoft.com/office/drawing/2010/main" w="9525">
                   <a:solidFill>
                     <a:srgbClr val="000000"/>
                   </a:solidFill>
@@ -2121,7 +2074,7 @@
             </a:ln>
             <a:extLst>
               <a:ext uri="{91240B29-F687-4f45-9708-019B960494DF}">
-                <a14:hiddenLine xmlns:a14="http://schemas.microsoft.com/office/drawing/2010/main" xmlns="" w="9525">
+                <a14:hiddenLine xmlns="" xmlns:a14="http://schemas.microsoft.com/office/drawing/2010/main" w="9525">
                   <a:solidFill>
                     <a:srgbClr val="000000"/>
                   </a:solidFill>
@@ -2211,7 +2164,7 @@
             </a:ln>
             <a:extLst>
               <a:ext uri="{91240B29-F687-4f45-9708-019B960494DF}">
-                <a14:hiddenLine xmlns:a14="http://schemas.microsoft.com/office/drawing/2010/main" xmlns="" w="9525">
+                <a14:hiddenLine xmlns="" xmlns:a14="http://schemas.microsoft.com/office/drawing/2010/main" w="9525">
                   <a:solidFill>
                     <a:srgbClr val="000000"/>
                   </a:solidFill>
@@ -2301,7 +2254,7 @@
             </a:ln>
             <a:extLst>
               <a:ext uri="{91240B29-F687-4f45-9708-019B960494DF}">
-                <a14:hiddenLine xmlns:a14="http://schemas.microsoft.com/office/drawing/2010/main" xmlns="" w="9525">
+                <a14:hiddenLine xmlns="" xmlns:a14="http://schemas.microsoft.com/office/drawing/2010/main" w="9525">
                   <a:solidFill>
                     <a:srgbClr val="000000"/>
                   </a:solidFill>
@@ -2363,7 +2316,7 @@
             </a:ln>
             <a:extLst>
               <a:ext uri="{91240B29-F687-4f45-9708-019B960494DF}">
-                <a14:hiddenLine xmlns:a14="http://schemas.microsoft.com/office/drawing/2010/main" xmlns="" w="9525">
+                <a14:hiddenLine xmlns="" xmlns:a14="http://schemas.microsoft.com/office/drawing/2010/main" w="9525">
                   <a:solidFill>
                     <a:srgbClr val="000000"/>
                   </a:solidFill>
@@ -2453,7 +2406,7 @@
             </a:ln>
             <a:extLst>
               <a:ext uri="{91240B29-F687-4f45-9708-019B960494DF}">
-                <a14:hiddenLine xmlns:a14="http://schemas.microsoft.com/office/drawing/2010/main" xmlns="" w="9525">
+                <a14:hiddenLine xmlns="" xmlns:a14="http://schemas.microsoft.com/office/drawing/2010/main" w="9525">
                   <a:solidFill>
                     <a:srgbClr val="000000"/>
                   </a:solidFill>
@@ -2543,7 +2496,7 @@
             </a:ln>
             <a:extLst>
               <a:ext uri="{91240B29-F687-4f45-9708-019B960494DF}">
-                <a14:hiddenLine xmlns:a14="http://schemas.microsoft.com/office/drawing/2010/main" xmlns="" w="9525">
+                <a14:hiddenLine xmlns="" xmlns:a14="http://schemas.microsoft.com/office/drawing/2010/main" w="9525">
                   <a:solidFill>
                     <a:srgbClr val="000000"/>
                   </a:solidFill>
@@ -2599,7 +2552,7 @@
             </a:ln>
             <a:extLst>
               <a:ext uri="{91240B29-F687-4f45-9708-019B960494DF}">
-                <a14:hiddenLine xmlns:a14="http://schemas.microsoft.com/office/drawing/2010/main" xmlns="" w="9525">
+                <a14:hiddenLine xmlns="" xmlns:a14="http://schemas.microsoft.com/office/drawing/2010/main" w="9525">
                   <a:solidFill>
                     <a:srgbClr val="000000"/>
                   </a:solidFill>
@@ -2689,7 +2642,7 @@
             </a:ln>
             <a:extLst>
               <a:ext uri="{91240B29-F687-4f45-9708-019B960494DF}">
-                <a14:hiddenLine xmlns:a14="http://schemas.microsoft.com/office/drawing/2010/main" xmlns="" w="9525">
+                <a14:hiddenLine xmlns="" xmlns:a14="http://schemas.microsoft.com/office/drawing/2010/main" w="9525">
                   <a:solidFill>
                     <a:srgbClr val="000000"/>
                   </a:solidFill>
@@ -2745,7 +2698,7 @@
             </a:ln>
             <a:extLst>
               <a:ext uri="{91240B29-F687-4f45-9708-019B960494DF}">
-                <a14:hiddenLine xmlns:a14="http://schemas.microsoft.com/office/drawing/2010/main" xmlns="" w="9525">
+                <a14:hiddenLine xmlns="" xmlns:a14="http://schemas.microsoft.com/office/drawing/2010/main" w="9525">
                   <a:solidFill>
                     <a:srgbClr val="000000"/>
                   </a:solidFill>
@@ -2835,7 +2788,7 @@
             </a:ln>
             <a:extLst>
               <a:ext uri="{91240B29-F687-4f45-9708-019B960494DF}">
-                <a14:hiddenLine xmlns:a14="http://schemas.microsoft.com/office/drawing/2010/main" xmlns="" w="9525">
+                <a14:hiddenLine xmlns="" xmlns:a14="http://schemas.microsoft.com/office/drawing/2010/main" w="9525">
                   <a:solidFill>
                     <a:srgbClr val="000000"/>
                   </a:solidFill>
@@ -2903,7 +2856,7 @@
             </a:ln>
             <a:extLst>
               <a:ext uri="{91240B29-F687-4f45-9708-019B960494DF}">
-                <a14:hiddenLine xmlns:a14="http://schemas.microsoft.com/office/drawing/2010/main" xmlns="" w="9525">
+                <a14:hiddenLine xmlns="" xmlns:a14="http://schemas.microsoft.com/office/drawing/2010/main" w="9525">
                   <a:solidFill>
                     <a:srgbClr val="000000"/>
                   </a:solidFill>
@@ -2993,7 +2946,7 @@
             </a:ln>
             <a:extLst>
               <a:ext uri="{91240B29-F687-4f45-9708-019B960494DF}">
-                <a14:hiddenLine xmlns:a14="http://schemas.microsoft.com/office/drawing/2010/main" xmlns="" w="9525">
+                <a14:hiddenLine xmlns="" xmlns:a14="http://schemas.microsoft.com/office/drawing/2010/main" w="9525">
                   <a:solidFill>
                     <a:srgbClr val="000000"/>
                   </a:solidFill>
@@ -3061,7 +3014,7 @@
             </a:ln>
             <a:extLst>
               <a:ext uri="{91240B29-F687-4f45-9708-019B960494DF}">
-                <a14:hiddenLine xmlns:a14="http://schemas.microsoft.com/office/drawing/2010/main" xmlns="" w="9525">
+                <a14:hiddenLine xmlns="" xmlns:a14="http://schemas.microsoft.com/office/drawing/2010/main" w="9525">
                   <a:solidFill>
                     <a:srgbClr val="000000"/>
                   </a:solidFill>
@@ -3151,7 +3104,7 @@
             </a:ln>
             <a:extLst>
               <a:ext uri="{91240B29-F687-4f45-9708-019B960494DF}">
-                <a14:hiddenLine xmlns:a14="http://schemas.microsoft.com/office/drawing/2010/main" xmlns="" w="9525">
+                <a14:hiddenLine xmlns="" xmlns:a14="http://schemas.microsoft.com/office/drawing/2010/main" w="9525">
                   <a:solidFill>
                     <a:srgbClr val="000000"/>
                   </a:solidFill>
@@ -3185,7 +3138,7 @@
             </a:ln>
             <a:extLst>
               <a:ext uri="{91240B29-F687-4f45-9708-019B960494DF}">
-                <a14:hiddenLine xmlns:a14="http://schemas.microsoft.com/office/drawing/2010/main" xmlns="" w="9525">
+                <a14:hiddenLine xmlns="" xmlns:a14="http://schemas.microsoft.com/office/drawing/2010/main" w="9525">
                   <a:solidFill>
                     <a:srgbClr val="000000"/>
                   </a:solidFill>
@@ -3275,7 +3228,7 @@
             </a:ln>
             <a:extLst>
               <a:ext uri="{91240B29-F687-4f45-9708-019B960494DF}">
-                <a14:hiddenLine xmlns:a14="http://schemas.microsoft.com/office/drawing/2010/main" xmlns="" w="9525">
+                <a14:hiddenLine xmlns="" xmlns:a14="http://schemas.microsoft.com/office/drawing/2010/main" w="9525">
                   <a:solidFill>
                     <a:srgbClr val="000000"/>
                   </a:solidFill>
@@ -3337,7 +3290,7 @@
             </a:ln>
             <a:extLst>
               <a:ext uri="{91240B29-F687-4f45-9708-019B960494DF}">
-                <a14:hiddenLine xmlns:a14="http://schemas.microsoft.com/office/drawing/2010/main" xmlns="" w="9525">
+                <a14:hiddenLine xmlns="" xmlns:a14="http://schemas.microsoft.com/office/drawing/2010/main" w="9525">
                   <a:solidFill>
                     <a:srgbClr val="000000"/>
                   </a:solidFill>
@@ -3399,7 +3352,7 @@
             </a:ln>
             <a:extLst>
               <a:ext uri="{91240B29-F687-4f45-9708-019B960494DF}">
-                <a14:hiddenLine xmlns:a14="http://schemas.microsoft.com/office/drawing/2010/main" xmlns="" w="9525">
+                <a14:hiddenLine xmlns="" xmlns:a14="http://schemas.microsoft.com/office/drawing/2010/main" w="9525">
                   <a:solidFill>
                     <a:srgbClr val="000000"/>
                   </a:solidFill>
@@ -3489,7 +3442,7 @@
             </a:ln>
             <a:extLst>
               <a:ext uri="{91240B29-F687-4f45-9708-019B960494DF}">
-                <a14:hiddenLine xmlns:a14="http://schemas.microsoft.com/office/drawing/2010/main" xmlns="" w="9525">
+                <a14:hiddenLine xmlns="" xmlns:a14="http://schemas.microsoft.com/office/drawing/2010/main" w="9525">
                   <a:solidFill>
                     <a:srgbClr val="000000"/>
                   </a:solidFill>
@@ -3557,7 +3510,7 @@
             </a:ln>
             <a:extLst>
               <a:ext uri="{91240B29-F687-4f45-9708-019B960494DF}">
-                <a14:hiddenLine xmlns:a14="http://schemas.microsoft.com/office/drawing/2010/main" xmlns="" w="9525">
+                <a14:hiddenLine xmlns="" xmlns:a14="http://schemas.microsoft.com/office/drawing/2010/main" w="9525">
                   <a:solidFill>
                     <a:srgbClr val="000000"/>
                   </a:solidFill>
@@ -3619,7 +3572,7 @@
             </a:ln>
             <a:extLst>
               <a:ext uri="{91240B29-F687-4f45-9708-019B960494DF}">
-                <a14:hiddenLine xmlns:a14="http://schemas.microsoft.com/office/drawing/2010/main" xmlns="" w="9525">
+                <a14:hiddenLine xmlns="" xmlns:a14="http://schemas.microsoft.com/office/drawing/2010/main" w="9525">
                   <a:solidFill>
                     <a:srgbClr val="000000"/>
                   </a:solidFill>
@@ -3709,7 +3662,7 @@
             </a:ln>
             <a:extLst>
               <a:ext uri="{91240B29-F687-4f45-9708-019B960494DF}">
-                <a14:hiddenLine xmlns:a14="http://schemas.microsoft.com/office/drawing/2010/main" xmlns="" w="9525">
+                <a14:hiddenLine xmlns="" xmlns:a14="http://schemas.microsoft.com/office/drawing/2010/main" w="9525">
                   <a:solidFill>
                     <a:srgbClr val="000000"/>
                   </a:solidFill>
@@ -3771,7 +3724,7 @@
             </a:ln>
             <a:extLst>
               <a:ext uri="{91240B29-F687-4f45-9708-019B960494DF}">
-                <a14:hiddenLine xmlns:a14="http://schemas.microsoft.com/office/drawing/2010/main" xmlns="" w="9525">
+                <a14:hiddenLine xmlns="" xmlns:a14="http://schemas.microsoft.com/office/drawing/2010/main" w="9525">
                   <a:solidFill>
                     <a:srgbClr val="000000"/>
                   </a:solidFill>
@@ -3861,7 +3814,7 @@
             </a:ln>
             <a:extLst>
               <a:ext uri="{91240B29-F687-4f45-9708-019B960494DF}">
-                <a14:hiddenLine xmlns:a14="http://schemas.microsoft.com/office/drawing/2010/main" xmlns="" w="9525">
+                <a14:hiddenLine xmlns="" xmlns:a14="http://schemas.microsoft.com/office/drawing/2010/main" w="9525">
                   <a:solidFill>
                     <a:srgbClr val="000000"/>
                   </a:solidFill>
@@ -3923,7 +3876,7 @@
             </a:ln>
             <a:extLst>
               <a:ext uri="{91240B29-F687-4f45-9708-019B960494DF}">
-                <a14:hiddenLine xmlns:a14="http://schemas.microsoft.com/office/drawing/2010/main" xmlns="" w="9525">
+                <a14:hiddenLine xmlns="" xmlns:a14="http://schemas.microsoft.com/office/drawing/2010/main" w="9525">
                   <a:solidFill>
                     <a:srgbClr val="000000"/>
                   </a:solidFill>
@@ -4013,7 +3966,7 @@
             </a:ln>
             <a:extLst>
               <a:ext uri="{91240B29-F687-4f45-9708-019B960494DF}">
-                <a14:hiddenLine xmlns:a14="http://schemas.microsoft.com/office/drawing/2010/main" xmlns="" w="9525">
+                <a14:hiddenLine xmlns="" xmlns:a14="http://schemas.microsoft.com/office/drawing/2010/main" w="9525">
                   <a:solidFill>
                     <a:srgbClr val="000000"/>
                   </a:solidFill>
@@ -4047,7 +4000,7 @@
             </a:ln>
             <a:extLst>
               <a:ext uri="{91240B29-F687-4f45-9708-019B960494DF}">
-                <a14:hiddenLine xmlns:a14="http://schemas.microsoft.com/office/drawing/2010/main" xmlns="" w="9525">
+                <a14:hiddenLine xmlns="" xmlns:a14="http://schemas.microsoft.com/office/drawing/2010/main" w="9525">
                   <a:solidFill>
                     <a:srgbClr val="000000"/>
                   </a:solidFill>
@@ -4112,7 +4065,7 @@
             </a:ln>
             <a:extLst>
               <a:ext uri="{91240B29-F687-4f45-9708-019B960494DF}">
-                <a14:hiddenLine xmlns:a14="http://schemas.microsoft.com/office/drawing/2010/main" xmlns="" w="9525">
+                <a14:hiddenLine xmlns="" xmlns:a14="http://schemas.microsoft.com/office/drawing/2010/main" w="9525">
                   <a:solidFill>
                     <a:srgbClr val="000000"/>
                   </a:solidFill>
@@ -4202,7 +4155,7 @@
             </a:ln>
             <a:extLst>
               <a:ext uri="{91240B29-F687-4f45-9708-019B960494DF}">
-                <a14:hiddenLine xmlns:a14="http://schemas.microsoft.com/office/drawing/2010/main" xmlns="" w="9525">
+                <a14:hiddenLine xmlns="" xmlns:a14="http://schemas.microsoft.com/office/drawing/2010/main" w="9525">
                   <a:solidFill>
                     <a:srgbClr val="000000"/>
                   </a:solidFill>
@@ -4264,7 +4217,7 @@
             </a:ln>
             <a:extLst>
               <a:ext uri="{91240B29-F687-4f45-9708-019B960494DF}">
-                <a14:hiddenLine xmlns:a14="http://schemas.microsoft.com/office/drawing/2010/main" xmlns="" w="9525">
+                <a14:hiddenLine xmlns="" xmlns:a14="http://schemas.microsoft.com/office/drawing/2010/main" w="9525">
                   <a:solidFill>
                     <a:srgbClr val="000000"/>
                   </a:solidFill>
@@ -4354,7 +4307,7 @@
             </a:ln>
             <a:extLst>
               <a:ext uri="{91240B29-F687-4f45-9708-019B960494DF}">
-                <a14:hiddenLine xmlns:a14="http://schemas.microsoft.com/office/drawing/2010/main" xmlns="" w="9525">
+                <a14:hiddenLine xmlns="" xmlns:a14="http://schemas.microsoft.com/office/drawing/2010/main" w="9525">
                   <a:solidFill>
                     <a:srgbClr val="000000"/>
                   </a:solidFill>
@@ -4444,7 +4397,7 @@
             </a:ln>
             <a:extLst>
               <a:ext uri="{91240B29-F687-4f45-9708-019B960494DF}">
-                <a14:hiddenLine xmlns:a14="http://schemas.microsoft.com/office/drawing/2010/main" xmlns="" w="9525">
+                <a14:hiddenLine xmlns="" xmlns:a14="http://schemas.microsoft.com/office/drawing/2010/main" w="9525">
                   <a:solidFill>
                     <a:srgbClr val="000000"/>
                   </a:solidFill>
@@ -4509,7 +4462,7 @@
             </a:ln>
             <a:extLst>
               <a:ext uri="{91240B29-F687-4f45-9708-019B960494DF}">
-                <a14:hiddenLine xmlns:a14="http://schemas.microsoft.com/office/drawing/2010/main" xmlns="" w="9525">
+                <a14:hiddenLine xmlns="" xmlns:a14="http://schemas.microsoft.com/office/drawing/2010/main" w="9525">
                   <a:solidFill>
                     <a:srgbClr val="000000"/>
                   </a:solidFill>
@@ -4571,7 +4524,7 @@
             </a:ln>
             <a:extLst>
               <a:ext uri="{91240B29-F687-4f45-9708-019B960494DF}">
-                <a14:hiddenLine xmlns:a14="http://schemas.microsoft.com/office/drawing/2010/main" xmlns="" w="9525">
+                <a14:hiddenLine xmlns="" xmlns:a14="http://schemas.microsoft.com/office/drawing/2010/main" w="9525">
                   <a:solidFill>
                     <a:srgbClr val="000000"/>
                   </a:solidFill>
@@ -4661,7 +4614,7 @@
             </a:ln>
             <a:extLst>
               <a:ext uri="{91240B29-F687-4f45-9708-019B960494DF}">
-                <a14:hiddenLine xmlns:a14="http://schemas.microsoft.com/office/drawing/2010/main" xmlns="" w="9525">
+                <a14:hiddenLine xmlns="" xmlns:a14="http://schemas.microsoft.com/office/drawing/2010/main" w="9525">
                   <a:solidFill>
                     <a:srgbClr val="000000"/>
                   </a:solidFill>
@@ -4751,7 +4704,7 @@
             </a:ln>
             <a:extLst>
               <a:ext uri="{91240B29-F687-4f45-9708-019B960494DF}">
-                <a14:hiddenLine xmlns:a14="http://schemas.microsoft.com/office/drawing/2010/main" xmlns="" w="9525">
+                <a14:hiddenLine xmlns="" xmlns:a14="http://schemas.microsoft.com/office/drawing/2010/main" w="9525">
                   <a:solidFill>
                     <a:srgbClr val="000000"/>
                   </a:solidFill>
@@ -4813,7 +4766,7 @@
             </a:ln>
             <a:extLst>
               <a:ext uri="{91240B29-F687-4f45-9708-019B960494DF}">
-                <a14:hiddenLine xmlns:a14="http://schemas.microsoft.com/office/drawing/2010/main" xmlns="" w="9525">
+                <a14:hiddenLine xmlns="" xmlns:a14="http://schemas.microsoft.com/office/drawing/2010/main" w="9525">
                   <a:solidFill>
                     <a:srgbClr val="000000"/>
                   </a:solidFill>
@@ -4933,7 +4886,7 @@
             </a:ln>
             <a:extLst>
               <a:ext uri="{91240B29-F687-4f45-9708-019B960494DF}">
-                <a14:hiddenLine xmlns:a14="http://schemas.microsoft.com/office/drawing/2010/main" xmlns="" w="9525">
+                <a14:hiddenLine xmlns="" xmlns:a14="http://schemas.microsoft.com/office/drawing/2010/main" w="9525">
                   <a:solidFill>
                     <a:srgbClr val="000000"/>
                   </a:solidFill>
@@ -5001,7 +4954,7 @@
             </a:ln>
             <a:extLst>
               <a:ext uri="{91240B29-F687-4f45-9708-019B960494DF}">
-                <a14:hiddenLine xmlns:a14="http://schemas.microsoft.com/office/drawing/2010/main" xmlns="" w="9525">
+                <a14:hiddenLine xmlns="" xmlns:a14="http://schemas.microsoft.com/office/drawing/2010/main" w="9525">
                   <a:solidFill>
                     <a:srgbClr val="000000"/>
                   </a:solidFill>
@@ -5091,7 +5044,7 @@
             </a:ln>
             <a:extLst>
               <a:ext uri="{91240B29-F687-4f45-9708-019B960494DF}">
-                <a14:hiddenLine xmlns:a14="http://schemas.microsoft.com/office/drawing/2010/main" xmlns="" w="9525">
+                <a14:hiddenLine xmlns="" xmlns:a14="http://schemas.microsoft.com/office/drawing/2010/main" w="9525">
                   <a:solidFill>
                     <a:srgbClr val="000000"/>
                   </a:solidFill>
@@ -9820,7 +9773,7 @@
           <a:noFill/>
           <a:extLst>
             <a:ext uri="{909E8E84-426E-40dd-AFC4-6F175D3DCCD1}">
-              <a14:hiddenFill xmlns:a14="http://schemas.microsoft.com/office/drawing/2010/main" xmlns="">
+              <a14:hiddenFill xmlns="" xmlns:a14="http://schemas.microsoft.com/office/drawing/2010/main">
                 <a:solidFill>
                   <a:srgbClr val="FFFFFF"/>
                 </a:solidFill>
@@ -9894,7 +9847,7 @@
               </a:ln>
               <a:extLst>
                 <a:ext uri="{91240B29-F687-4f45-9708-019B960494DF}">
-                  <a14:hiddenLine xmlns:a14="http://schemas.microsoft.com/office/drawing/2010/main" xmlns="" w="9525">
+                  <a14:hiddenLine xmlns="" xmlns:a14="http://schemas.microsoft.com/office/drawing/2010/main" w="9525">
                     <a:solidFill>
                       <a:srgbClr val="000000"/>
                     </a:solidFill>
@@ -9984,7 +9937,7 @@
               </a:ln>
               <a:extLst>
                 <a:ext uri="{91240B29-F687-4f45-9708-019B960494DF}">
-                  <a14:hiddenLine xmlns:a14="http://schemas.microsoft.com/office/drawing/2010/main" xmlns="" w="9525">
+                  <a14:hiddenLine xmlns="" xmlns:a14="http://schemas.microsoft.com/office/drawing/2010/main" w="9525">
                     <a:solidFill>
                       <a:srgbClr val="000000"/>
                     </a:solidFill>
@@ -10074,7 +10027,7 @@
               </a:ln>
               <a:extLst>
                 <a:ext uri="{91240B29-F687-4f45-9708-019B960494DF}">
-                  <a14:hiddenLine xmlns:a14="http://schemas.microsoft.com/office/drawing/2010/main" xmlns="" w="9525">
+                  <a14:hiddenLine xmlns="" xmlns:a14="http://schemas.microsoft.com/office/drawing/2010/main" w="9525">
                     <a:solidFill>
                       <a:srgbClr val="000000"/>
                     </a:solidFill>
@@ -10136,7 +10089,7 @@
               </a:ln>
               <a:extLst>
                 <a:ext uri="{91240B29-F687-4f45-9708-019B960494DF}">
-                  <a14:hiddenLine xmlns:a14="http://schemas.microsoft.com/office/drawing/2010/main" xmlns="" w="9525">
+                  <a14:hiddenLine xmlns="" xmlns:a14="http://schemas.microsoft.com/office/drawing/2010/main" w="9525">
                     <a:solidFill>
                       <a:srgbClr val="000000"/>
                     </a:solidFill>
@@ -10226,7 +10179,7 @@
               </a:ln>
               <a:extLst>
                 <a:ext uri="{91240B29-F687-4f45-9708-019B960494DF}">
-                  <a14:hiddenLine xmlns:a14="http://schemas.microsoft.com/office/drawing/2010/main" xmlns="" w="9525">
+                  <a14:hiddenLine xmlns="" xmlns:a14="http://schemas.microsoft.com/office/drawing/2010/main" w="9525">
                     <a:solidFill>
                       <a:srgbClr val="000000"/>
                     </a:solidFill>
@@ -10288,7 +10241,7 @@
               </a:ln>
               <a:extLst>
                 <a:ext uri="{91240B29-F687-4f45-9708-019B960494DF}">
-                  <a14:hiddenLine xmlns:a14="http://schemas.microsoft.com/office/drawing/2010/main" xmlns="" w="9525">
+                  <a14:hiddenLine xmlns="" xmlns:a14="http://schemas.microsoft.com/office/drawing/2010/main" w="9525">
                     <a:solidFill>
                       <a:srgbClr val="000000"/>
                     </a:solidFill>
@@ -10350,7 +10303,7 @@
               </a:ln>
               <a:extLst>
                 <a:ext uri="{91240B29-F687-4f45-9708-019B960494DF}">
-                  <a14:hiddenLine xmlns:a14="http://schemas.microsoft.com/office/drawing/2010/main" xmlns="" w="9525">
+                  <a14:hiddenLine xmlns="" xmlns:a14="http://schemas.microsoft.com/office/drawing/2010/main" w="9525">
                     <a:solidFill>
                       <a:srgbClr val="000000"/>
                     </a:solidFill>
@@ -10440,7 +10393,7 @@
               </a:ln>
               <a:extLst>
                 <a:ext uri="{91240B29-F687-4f45-9708-019B960494DF}">
-                  <a14:hiddenLine xmlns:a14="http://schemas.microsoft.com/office/drawing/2010/main" xmlns="" w="9525">
+                  <a14:hiddenLine xmlns="" xmlns:a14="http://schemas.microsoft.com/office/drawing/2010/main" w="9525">
                     <a:solidFill>
                       <a:srgbClr val="000000"/>
                     </a:solidFill>
@@ -10530,7 +10483,7 @@
               </a:ln>
               <a:extLst>
                 <a:ext uri="{91240B29-F687-4f45-9708-019B960494DF}">
-                  <a14:hiddenLine xmlns:a14="http://schemas.microsoft.com/office/drawing/2010/main" xmlns="" w="9525">
+                  <a14:hiddenLine xmlns="" xmlns:a14="http://schemas.microsoft.com/office/drawing/2010/main" w="9525">
                     <a:solidFill>
                       <a:srgbClr val="000000"/>
                     </a:solidFill>
@@ -10592,7 +10545,7 @@
               </a:ln>
               <a:extLst>
                 <a:ext uri="{91240B29-F687-4f45-9708-019B960494DF}">
-                  <a14:hiddenLine xmlns:a14="http://schemas.microsoft.com/office/drawing/2010/main" xmlns="" w="9525">
+                  <a14:hiddenLine xmlns="" xmlns:a14="http://schemas.microsoft.com/office/drawing/2010/main" w="9525">
                     <a:solidFill>
                       <a:srgbClr val="000000"/>
                     </a:solidFill>
@@ -10702,7 +10655,7 @@
               </a:ln>
               <a:extLst>
                 <a:ext uri="{91240B29-F687-4f45-9708-019B960494DF}">
-                  <a14:hiddenLine xmlns:a14="http://schemas.microsoft.com/office/drawing/2010/main" xmlns="" w="9525">
+                  <a14:hiddenLine xmlns="" xmlns:a14="http://schemas.microsoft.com/office/drawing/2010/main" w="9525">
                     <a:solidFill>
                       <a:srgbClr val="000000"/>
                     </a:solidFill>
@@ -10786,7 +10739,7 @@
               </a:ln>
               <a:extLst>
                 <a:ext uri="{91240B29-F687-4f45-9708-019B960494DF}">
-                  <a14:hiddenLine xmlns:a14="http://schemas.microsoft.com/office/drawing/2010/main" xmlns="" w="9525">
+                  <a14:hiddenLine xmlns="" xmlns:a14="http://schemas.microsoft.com/office/drawing/2010/main" w="9525">
                     <a:solidFill>
                       <a:srgbClr val="000000"/>
                     </a:solidFill>
@@ -10848,7 +10801,7 @@
               </a:ln>
               <a:extLst>
                 <a:ext uri="{91240B29-F687-4f45-9708-019B960494DF}">
-                  <a14:hiddenLine xmlns:a14="http://schemas.microsoft.com/office/drawing/2010/main" xmlns="" w="9525">
+                  <a14:hiddenLine xmlns="" xmlns:a14="http://schemas.microsoft.com/office/drawing/2010/main" w="9525">
                     <a:solidFill>
                       <a:srgbClr val="000000"/>
                     </a:solidFill>
@@ -10910,7 +10863,7 @@
               </a:ln>
               <a:extLst>
                 <a:ext uri="{91240B29-F687-4f45-9708-019B960494DF}">
-                  <a14:hiddenLine xmlns:a14="http://schemas.microsoft.com/office/drawing/2010/main" xmlns="" w="9525">
+                  <a14:hiddenLine xmlns="" xmlns:a14="http://schemas.microsoft.com/office/drawing/2010/main" w="9525">
                     <a:solidFill>
                       <a:srgbClr val="000000"/>
                     </a:solidFill>
@@ -11000,7 +10953,7 @@
               </a:ln>
               <a:extLst>
                 <a:ext uri="{91240B29-F687-4f45-9708-019B960494DF}">
-                  <a14:hiddenLine xmlns:a14="http://schemas.microsoft.com/office/drawing/2010/main" xmlns="" w="9525">
+                  <a14:hiddenLine xmlns="" xmlns:a14="http://schemas.microsoft.com/office/drawing/2010/main" w="9525">
                     <a:solidFill>
                       <a:srgbClr val="000000"/>
                     </a:solidFill>
@@ -11034,7 +10987,7 @@
               </a:ln>
               <a:extLst>
                 <a:ext uri="{91240B29-F687-4f45-9708-019B960494DF}">
-                  <a14:hiddenLine xmlns:a14="http://schemas.microsoft.com/office/drawing/2010/main" xmlns="" w="9525">
+                  <a14:hiddenLine xmlns="" xmlns:a14="http://schemas.microsoft.com/office/drawing/2010/main" w="9525">
                     <a:solidFill>
                       <a:srgbClr val="000000"/>
                     </a:solidFill>
@@ -11099,7 +11052,7 @@
               </a:ln>
               <a:extLst>
                 <a:ext uri="{91240B29-F687-4f45-9708-019B960494DF}">
-                  <a14:hiddenLine xmlns:a14="http://schemas.microsoft.com/office/drawing/2010/main" xmlns="" w="9525">
+                  <a14:hiddenLine xmlns="" xmlns:a14="http://schemas.microsoft.com/office/drawing/2010/main" w="9525">
                     <a:solidFill>
                       <a:srgbClr val="000000"/>
                     </a:solidFill>
@@ -11189,7 +11142,7 @@
               </a:ln>
               <a:extLst>
                 <a:ext uri="{91240B29-F687-4f45-9708-019B960494DF}">
-                  <a14:hiddenLine xmlns:a14="http://schemas.microsoft.com/office/drawing/2010/main" xmlns="" w="9525">
+                  <a14:hiddenLine xmlns="" xmlns:a14="http://schemas.microsoft.com/office/drawing/2010/main" w="9525">
                     <a:solidFill>
                       <a:srgbClr val="000000"/>
                     </a:solidFill>
@@ -11251,7 +11204,7 @@
               </a:ln>
               <a:extLst>
                 <a:ext uri="{91240B29-F687-4f45-9708-019B960494DF}">
-                  <a14:hiddenLine xmlns:a14="http://schemas.microsoft.com/office/drawing/2010/main" xmlns="" w="9525">
+                  <a14:hiddenLine xmlns="" xmlns:a14="http://schemas.microsoft.com/office/drawing/2010/main" w="9525">
                     <a:solidFill>
                       <a:srgbClr val="000000"/>
                     </a:solidFill>
@@ -11341,7 +11294,7 @@
               </a:ln>
               <a:extLst>
                 <a:ext uri="{91240B29-F687-4f45-9708-019B960494DF}">
-                  <a14:hiddenLine xmlns:a14="http://schemas.microsoft.com/office/drawing/2010/main" xmlns="" w="9525">
+                  <a14:hiddenLine xmlns="" xmlns:a14="http://schemas.microsoft.com/office/drawing/2010/main" w="9525">
                     <a:solidFill>
                       <a:srgbClr val="000000"/>
                     </a:solidFill>
@@ -11406,7 +11359,7 @@
               </a:ln>
               <a:extLst>
                 <a:ext uri="{91240B29-F687-4f45-9708-019B960494DF}">
-                  <a14:hiddenLine xmlns:a14="http://schemas.microsoft.com/office/drawing/2010/main" xmlns="" w="9525">
+                  <a14:hiddenLine xmlns="" xmlns:a14="http://schemas.microsoft.com/office/drawing/2010/main" w="9525">
                     <a:solidFill>
                       <a:srgbClr val="000000"/>
                     </a:solidFill>
@@ -11468,7 +11421,7 @@
               </a:ln>
               <a:extLst>
                 <a:ext uri="{91240B29-F687-4f45-9708-019B960494DF}">
-                  <a14:hiddenLine xmlns:a14="http://schemas.microsoft.com/office/drawing/2010/main" xmlns="" w="9525">
+                  <a14:hiddenLine xmlns="" xmlns:a14="http://schemas.microsoft.com/office/drawing/2010/main" w="9525">
                     <a:solidFill>
                       <a:srgbClr val="000000"/>
                     </a:solidFill>
@@ -11558,7 +11511,7 @@
               </a:ln>
               <a:extLst>
                 <a:ext uri="{91240B29-F687-4f45-9708-019B960494DF}">
-                  <a14:hiddenLine xmlns:a14="http://schemas.microsoft.com/office/drawing/2010/main" xmlns="" w="9525">
+                  <a14:hiddenLine xmlns="" xmlns:a14="http://schemas.microsoft.com/office/drawing/2010/main" w="9525">
                     <a:solidFill>
                       <a:srgbClr val="000000"/>
                     </a:solidFill>
@@ -11648,7 +11601,7 @@
               </a:ln>
               <a:extLst>
                 <a:ext uri="{91240B29-F687-4f45-9708-019B960494DF}">
-                  <a14:hiddenLine xmlns:a14="http://schemas.microsoft.com/office/drawing/2010/main" xmlns="" w="9525">
+                  <a14:hiddenLine xmlns="" xmlns:a14="http://schemas.microsoft.com/office/drawing/2010/main" w="9525">
                     <a:solidFill>
                       <a:srgbClr val="000000"/>
                     </a:solidFill>
@@ -11713,7 +11666,7 @@
               </a:ln>
               <a:extLst>
                 <a:ext uri="{91240B29-F687-4f45-9708-019B960494DF}">
-                  <a14:hiddenLine xmlns:a14="http://schemas.microsoft.com/office/drawing/2010/main" xmlns="" w="9525">
+                  <a14:hiddenLine xmlns="" xmlns:a14="http://schemas.microsoft.com/office/drawing/2010/main" w="9525">
                     <a:solidFill>
                       <a:srgbClr val="000000"/>
                     </a:solidFill>
@@ -11833,7 +11786,7 @@
               </a:ln>
               <a:extLst>
                 <a:ext uri="{91240B29-F687-4f45-9708-019B960494DF}">
-                  <a14:hiddenLine xmlns:a14="http://schemas.microsoft.com/office/drawing/2010/main" xmlns="" w="9525">
+                  <a14:hiddenLine xmlns="" xmlns:a14="http://schemas.microsoft.com/office/drawing/2010/main" w="9525">
                     <a:solidFill>
                       <a:srgbClr val="000000"/>
                     </a:solidFill>
@@ -11914,7 +11867,7 @@
               </a:ln>
               <a:extLst>
                 <a:ext uri="{91240B29-F687-4f45-9708-019B960494DF}">
-                  <a14:hiddenLine xmlns:a14="http://schemas.microsoft.com/office/drawing/2010/main" xmlns="" w="9525">
+                  <a14:hiddenLine xmlns="" xmlns:a14="http://schemas.microsoft.com/office/drawing/2010/main" w="9525">
                     <a:solidFill>
                       <a:srgbClr val="000000"/>
                     </a:solidFill>
@@ -12029,7 +11982,7 @@
               </a:ln>
               <a:extLst>
                 <a:ext uri="{91240B29-F687-4f45-9708-019B960494DF}">
-                  <a14:hiddenLine xmlns:a14="http://schemas.microsoft.com/office/drawing/2010/main" xmlns="" w="9525">
+                  <a14:hiddenLine xmlns="" xmlns:a14="http://schemas.microsoft.com/office/drawing/2010/main" w="9525">
                     <a:solidFill>
                       <a:srgbClr val="000000"/>
                     </a:solidFill>
@@ -12119,7 +12072,7 @@
               </a:ln>
               <a:extLst>
                 <a:ext uri="{91240B29-F687-4f45-9708-019B960494DF}">
-                  <a14:hiddenLine xmlns:a14="http://schemas.microsoft.com/office/drawing/2010/main" xmlns="" w="9525">
+                  <a14:hiddenLine xmlns="" xmlns:a14="http://schemas.microsoft.com/office/drawing/2010/main" w="9525">
                     <a:solidFill>
                       <a:srgbClr val="000000"/>
                     </a:solidFill>
@@ -12184,7 +12137,7 @@
               </a:ln>
               <a:extLst>
                 <a:ext uri="{91240B29-F687-4f45-9708-019B960494DF}">
-                  <a14:hiddenLine xmlns:a14="http://schemas.microsoft.com/office/drawing/2010/main" xmlns="" w="9525">
+                  <a14:hiddenLine xmlns="" xmlns:a14="http://schemas.microsoft.com/office/drawing/2010/main" w="9525">
                     <a:solidFill>
                       <a:srgbClr val="000000"/>
                     </a:solidFill>
@@ -12274,7 +12227,7 @@
               </a:ln>
               <a:extLst>
                 <a:ext uri="{91240B29-F687-4f45-9708-019B960494DF}">
-                  <a14:hiddenLine xmlns:a14="http://schemas.microsoft.com/office/drawing/2010/main" xmlns="" w="9525">
+                  <a14:hiddenLine xmlns="" xmlns:a14="http://schemas.microsoft.com/office/drawing/2010/main" w="9525">
                     <a:solidFill>
                       <a:srgbClr val="000000"/>
                     </a:solidFill>
@@ -12342,7 +12295,7 @@
               </a:ln>
               <a:extLst>
                 <a:ext uri="{91240B29-F687-4f45-9708-019B960494DF}">
-                  <a14:hiddenLine xmlns:a14="http://schemas.microsoft.com/office/drawing/2010/main" xmlns="" w="9525">
+                  <a14:hiddenLine xmlns="" xmlns:a14="http://schemas.microsoft.com/office/drawing/2010/main" w="9525">
                     <a:solidFill>
                       <a:srgbClr val="000000"/>
                     </a:solidFill>
@@ -12432,7 +12385,7 @@
               </a:ln>
               <a:extLst>
                 <a:ext uri="{91240B29-F687-4f45-9708-019B960494DF}">
-                  <a14:hiddenLine xmlns:a14="http://schemas.microsoft.com/office/drawing/2010/main" xmlns="" w="9525">
+                  <a14:hiddenLine xmlns="" xmlns:a14="http://schemas.microsoft.com/office/drawing/2010/main" w="9525">
                     <a:solidFill>
                       <a:srgbClr val="000000"/>
                     </a:solidFill>
@@ -12500,7 +12453,7 @@
               </a:ln>
               <a:extLst>
                 <a:ext uri="{91240B29-F687-4f45-9708-019B960494DF}">
-                  <a14:hiddenLine xmlns:a14="http://schemas.microsoft.com/office/drawing/2010/main" xmlns="" w="9525">
+                  <a14:hiddenLine xmlns="" xmlns:a14="http://schemas.microsoft.com/office/drawing/2010/main" w="9525">
                     <a:solidFill>
                       <a:srgbClr val="000000"/>
                     </a:solidFill>
@@ -12590,7 +12543,7 @@
               </a:ln>
               <a:extLst>
                 <a:ext uri="{91240B29-F687-4f45-9708-019B960494DF}">
-                  <a14:hiddenLine xmlns:a14="http://schemas.microsoft.com/office/drawing/2010/main" xmlns="" w="9525">
+                  <a14:hiddenLine xmlns="" xmlns:a14="http://schemas.microsoft.com/office/drawing/2010/main" w="9525">
                     <a:solidFill>
                       <a:srgbClr val="000000"/>
                     </a:solidFill>
@@ -12624,7 +12577,7 @@
               </a:ln>
               <a:extLst>
                 <a:ext uri="{91240B29-F687-4f45-9708-019B960494DF}">
-                  <a14:hiddenLine xmlns:a14="http://schemas.microsoft.com/office/drawing/2010/main" xmlns="" w="9525">
+                  <a14:hiddenLine xmlns="" xmlns:a14="http://schemas.microsoft.com/office/drawing/2010/main" w="9525">
                     <a:solidFill>
                       <a:srgbClr val="000000"/>
                     </a:solidFill>
@@ -13206,7 +13159,6 @@
               <a:rPr lang="en-US" dirty="0"/>
               <a:t>Template Design Pattern</a:t>
             </a:r>
-            <a:endParaRPr lang="en-US" dirty="0"/>
           </a:p>
         </p:txBody>
       </p:sp>
@@ -13326,7 +13278,7 @@
         <p:spPr>
           <a:xfrm>
             <a:off x="1141412" y="1561589"/>
-            <a:ext cx="9905999" cy="1617839"/>
+            <a:ext cx="9905999" cy="2823799"/>
           </a:xfrm>
         </p:spPr>
         <p:txBody>
@@ -13334,6 +13286,40 @@
             <a:normAutofit/>
           </a:bodyPr>
           <a:lstStyle/>
+          <a:p>
+            <a:r>
+              <a:rPr lang="en-US" dirty="0" smtClean="0"/>
+              <a:t>In software engineering the template method pattern </a:t>
+            </a:r>
+            <a:r>
+              <a:rPr lang="en-US" dirty="0"/>
+              <a:t>is </a:t>
+            </a:r>
+            <a:r>
+              <a:rPr lang="en-US" dirty="0" smtClean="0"/>
+              <a:t>a behavioral </a:t>
+            </a:r>
+            <a:r>
+              <a:rPr lang="en-US" dirty="0"/>
+              <a:t>design pattern that defines the program </a:t>
+            </a:r>
+            <a:r>
+              <a:rPr lang="en-US" dirty="0" smtClean="0"/>
+              <a:t>skeleton.</a:t>
+            </a:r>
+          </a:p>
+          <a:p>
+            <a:r>
+              <a:rPr lang="en-US" dirty="0" smtClean="0"/>
+              <a:t>Used to create a GROUP of subclasses that have EXCUTED SIMLUAR group of methods</a:t>
+            </a:r>
+          </a:p>
+          <a:p>
+            <a:r>
+              <a:rPr lang="en-US" dirty="0" smtClean="0"/>
+              <a:t>Serious methods calls that every subclass object will call</a:t>
+            </a:r>
+          </a:p>
           <a:p>
             <a:endParaRPr lang="en-US" dirty="0"/>
           </a:p>
@@ -13349,6 +13335,13 @@
   <p:clrMapOvr>
     <a:masterClrMapping/>
   </p:clrMapOvr>
+  <p:timing>
+    <p:tnLst>
+      <p:par>
+        <p:cTn id="1" dur="indefinite" restart="never" nodeType="tmRoot"/>
+      </p:par>
+    </p:tnLst>
+  </p:timing>
 </p:sld>
 </file>
 
@@ -13397,31 +13390,132 @@
           </a:p>
         </p:txBody>
       </p:sp>
-      <p:sp>
-        <p:nvSpPr>
-          <p:cNvPr id="5" name="Content Placeholder 4">
-            <a:extLst>
-              <a:ext uri="{FF2B5EF4-FFF2-40B4-BE49-F238E27FC236}">
-                <a16:creationId xmlns:a16="http://schemas.microsoft.com/office/drawing/2014/main" id="{74298C96-E98E-4997-BAB8-CBBCE5A103DF}"/>
-              </a:ext>
-            </a:extLst>
-          </p:cNvPr>
-          <p:cNvSpPr>
-            <a:spLocks noGrp="1"/>
-          </p:cNvSpPr>
+      <p:pic>
+        <p:nvPicPr>
+          <p:cNvPr id="3" name="Content Placeholder 2"/>
+          <p:cNvPicPr>
+            <a:picLocks noGrp="1" noChangeAspect="1"/>
+          </p:cNvPicPr>
           <p:nvPr>
             <p:ph idx="1"/>
           </p:nvPr>
+        </p:nvPicPr>
+        <p:blipFill>
+          <a:blip r:embed="rId3"/>
+          <a:stretch>
+            <a:fillRect/>
+          </a:stretch>
+        </p:blipFill>
+        <p:spPr>
+          <a:xfrm>
+            <a:off x="785311" y="2388637"/>
+            <a:ext cx="2787188" cy="3151786"/>
+          </a:xfrm>
+          <a:prstGeom prst="rect">
+            <a:avLst/>
+          </a:prstGeom>
+        </p:spPr>
+      </p:pic>
+      <p:pic>
+        <p:nvPicPr>
+          <p:cNvPr id="4" name="Picture 3"/>
+          <p:cNvPicPr>
+            <a:picLocks noChangeAspect="1"/>
+          </p:cNvPicPr>
+          <p:nvPr/>
+        </p:nvPicPr>
+        <p:blipFill>
+          <a:blip r:embed="rId4"/>
+          <a:stretch>
+            <a:fillRect/>
+          </a:stretch>
+        </p:blipFill>
+        <p:spPr>
+          <a:xfrm>
+            <a:off x="4279061" y="2388636"/>
+            <a:ext cx="2781545" cy="3151787"/>
+          </a:xfrm>
+          <a:prstGeom prst="rect">
+            <a:avLst/>
+          </a:prstGeom>
+        </p:spPr>
+      </p:pic>
+      <p:sp>
+        <p:nvSpPr>
+          <p:cNvPr id="9" name="Right Arrow 8"/>
+          <p:cNvSpPr/>
+          <p:nvPr/>
         </p:nvSpPr>
-        <p:spPr/>
+        <p:spPr>
+          <a:xfrm>
+            <a:off x="3566856" y="3678796"/>
+            <a:ext cx="712205" cy="378295"/>
+          </a:xfrm>
+          <a:prstGeom prst="rightArrow">
+            <a:avLst/>
+          </a:prstGeom>
+          <a:solidFill>
+            <a:schemeClr val="bg1"/>
+          </a:solidFill>
+          <a:ln>
+            <a:solidFill>
+              <a:srgbClr val="FF0000"/>
+            </a:solidFill>
+          </a:ln>
+        </p:spPr>
+        <p:style>
+          <a:lnRef idx="2">
+            <a:schemeClr val="accent1">
+              <a:shade val="50000"/>
+            </a:schemeClr>
+          </a:lnRef>
+          <a:fillRef idx="1">
+            <a:schemeClr val="accent1"/>
+          </a:fillRef>
+          <a:effectRef idx="0">
+            <a:schemeClr val="accent1"/>
+          </a:effectRef>
+          <a:fontRef idx="minor">
+            <a:schemeClr val="lt1"/>
+          </a:fontRef>
+        </p:style>
         <p:txBody>
-          <a:bodyPr/>
+          <a:bodyPr rtlCol="0" anchor="ctr"/>
           <a:lstStyle/>
           <a:p>
-            <a:endParaRPr lang="en-US"/>
+            <a:pPr algn="ctr"/>
+            <a:endParaRPr lang="en-US">
+              <a:solidFill>
+                <a:schemeClr val="bg1"/>
+              </a:solidFill>
+            </a:endParaRPr>
           </a:p>
         </p:txBody>
       </p:sp>
+      <p:pic>
+        <p:nvPicPr>
+          <p:cNvPr id="10" name="Picture 9"/>
+          <p:cNvPicPr>
+            <a:picLocks noChangeAspect="1"/>
+          </p:cNvPicPr>
+          <p:nvPr/>
+        </p:nvPicPr>
+        <p:blipFill>
+          <a:blip r:embed="rId5"/>
+          <a:stretch>
+            <a:fillRect/>
+          </a:stretch>
+        </p:blipFill>
+        <p:spPr>
+          <a:xfrm>
+            <a:off x="8021699" y="2299055"/>
+            <a:ext cx="3025712" cy="3137775"/>
+          </a:xfrm>
+          <a:prstGeom prst="rect">
+            <a:avLst/>
+          </a:prstGeom>
+        </p:spPr>
+      </p:pic>
     </p:spTree>
     <p:extLst>
       <p:ext uri="{BB962C8B-B14F-4D97-AF65-F5344CB8AC3E}">
@@ -13432,6 +13526,13 @@
   <p:clrMapOvr>
     <a:masterClrMapping/>
   </p:clrMapOvr>
+  <p:timing>
+    <p:tnLst>
+      <p:par>
+        <p:cTn id="1" dur="indefinite" restart="never" nodeType="tmRoot"/>
+      </p:par>
+    </p:tnLst>
+  </p:timing>
 </p:sld>
 </file>
 
@@ -13485,6 +13586,54 @@
           </a:p>
         </p:txBody>
       </p:sp>
+      <p:pic>
+        <p:nvPicPr>
+          <p:cNvPr id="5" name="Picture 4"/>
+          <p:cNvPicPr>
+            <a:picLocks noChangeAspect="1"/>
+          </p:cNvPicPr>
+          <p:nvPr/>
+        </p:nvPicPr>
+        <p:blipFill>
+          <a:blip r:embed="rId3"/>
+          <a:stretch>
+            <a:fillRect/>
+          </a:stretch>
+        </p:blipFill>
+        <p:spPr>
+          <a:xfrm>
+            <a:off x="6270170" y="802432"/>
+            <a:ext cx="5897590" cy="6055567"/>
+          </a:xfrm>
+          <a:prstGeom prst="rect">
+            <a:avLst/>
+          </a:prstGeom>
+        </p:spPr>
+      </p:pic>
+      <p:pic>
+        <p:nvPicPr>
+          <p:cNvPr id="6" name="Picture 5"/>
+          <p:cNvPicPr>
+            <a:picLocks noChangeAspect="1"/>
+          </p:cNvPicPr>
+          <p:nvPr/>
+        </p:nvPicPr>
+        <p:blipFill>
+          <a:blip r:embed="rId4"/>
+          <a:stretch>
+            <a:fillRect/>
+          </a:stretch>
+        </p:blipFill>
+        <p:spPr>
+          <a:xfrm>
+            <a:off x="-54108" y="802431"/>
+            <a:ext cx="6324278" cy="6055567"/>
+          </a:xfrm>
+          <a:prstGeom prst="rect">
+            <a:avLst/>
+          </a:prstGeom>
+        </p:spPr>
+      </p:pic>
     </p:spTree>
     <p:extLst>
       <p:ext uri="{BB962C8B-B14F-4D97-AF65-F5344CB8AC3E}">
@@ -13495,10 +13644,96 @@
   <p:clrMapOvr>
     <a:masterClrMapping/>
   </p:clrMapOvr>
+  <p:timing>
+    <p:tnLst>
+      <p:par>
+        <p:cTn id="1" dur="indefinite" restart="never" nodeType="tmRoot"/>
+      </p:par>
+    </p:tnLst>
+  </p:timing>
 </p:sld>
 </file>
 
 <file path=ppt/slides/slide5.xml><?xml version="1.0" encoding="utf-8"?>
+<p:sld xmlns:a="http://schemas.openxmlformats.org/drawingml/2006/main" xmlns:r="http://schemas.openxmlformats.org/officeDocument/2006/relationships" xmlns:p="http://schemas.openxmlformats.org/presentationml/2006/main">
+  <p:cSld>
+    <p:spTree>
+      <p:nvGrpSpPr>
+        <p:cNvPr id="1" name=""/>
+        <p:cNvGrpSpPr/>
+        <p:nvPr/>
+      </p:nvGrpSpPr>
+      <p:grpSpPr>
+        <a:xfrm>
+          <a:off x="0" y="0"/>
+          <a:ext cx="0" cy="0"/>
+          <a:chOff x="0" y="0"/>
+          <a:chExt cx="0" cy="0"/>
+        </a:xfrm>
+      </p:grpSpPr>
+      <p:sp>
+        <p:nvSpPr>
+          <p:cNvPr id="2" name="Title 1"/>
+          <p:cNvSpPr>
+            <a:spLocks noGrp="1"/>
+          </p:cNvSpPr>
+          <p:nvPr>
+            <p:ph type="title"/>
+          </p:nvPr>
+        </p:nvSpPr>
+        <p:spPr/>
+        <p:txBody>
+          <a:bodyPr/>
+          <a:lstStyle/>
+          <a:p>
+            <a:r>
+              <a:rPr lang="en-US" dirty="0" smtClean="0"/>
+              <a:t>Code</a:t>
+            </a:r>
+            <a:endParaRPr lang="en-US" dirty="0"/>
+          </a:p>
+        </p:txBody>
+      </p:sp>
+      <p:pic>
+        <p:nvPicPr>
+          <p:cNvPr id="4" name="Content Placeholder 3"/>
+          <p:cNvPicPr>
+            <a:picLocks noGrp="1" noChangeAspect="1"/>
+          </p:cNvPicPr>
+          <p:nvPr>
+            <p:ph idx="1"/>
+          </p:nvPr>
+        </p:nvPicPr>
+        <p:blipFill>
+          <a:blip r:embed="rId2"/>
+          <a:stretch>
+            <a:fillRect/>
+          </a:stretch>
+        </p:blipFill>
+        <p:spPr>
+          <a:xfrm>
+            <a:off x="1940767" y="2097088"/>
+            <a:ext cx="7427168" cy="4760911"/>
+          </a:xfrm>
+          <a:prstGeom prst="rect">
+            <a:avLst/>
+          </a:prstGeom>
+        </p:spPr>
+      </p:pic>
+    </p:spTree>
+    <p:extLst>
+      <p:ext uri="{BB962C8B-B14F-4D97-AF65-F5344CB8AC3E}">
+        <p14:creationId xmlns:p14="http://schemas.microsoft.com/office/powerpoint/2010/main" val="3510881111"/>
+      </p:ext>
+    </p:extLst>
+  </p:cSld>
+  <p:clrMapOvr>
+    <a:masterClrMapping/>
+  </p:clrMapOvr>
+</p:sld>
+</file>
+
+<file path=ppt/slides/slide6.xml><?xml version="1.0" encoding="utf-8"?>
 <p:sld xmlns:a="http://schemas.openxmlformats.org/drawingml/2006/main" xmlns:r="http://schemas.openxmlformats.org/officeDocument/2006/relationships" xmlns:p="http://schemas.openxmlformats.org/presentationml/2006/main">
   <p:cSld>
     <p:spTree>
@@ -13564,7 +13799,25 @@
           <a:bodyPr/>
           <a:lstStyle/>
           <a:p>
-            <a:endParaRPr lang="en-US"/>
+            <a:r>
+              <a:rPr lang="en-US" dirty="0" smtClean="0"/>
+              <a:t>The subclass objects can’t override some of the template method calls?</a:t>
+            </a:r>
+          </a:p>
+          <a:p>
+            <a:r>
+              <a:rPr lang="en-US" dirty="0" smtClean="0"/>
+              <a:t>We don’t need template method if the subclasses will not be calling similar calls?</a:t>
+            </a:r>
+          </a:p>
+          <a:p>
+            <a:r>
+              <a:rPr lang="en-US" dirty="0" smtClean="0"/>
+              <a:t>The template method cannot be define in the abstract classes?</a:t>
+            </a:r>
+          </a:p>
+          <a:p>
+            <a:endParaRPr lang="en-US" dirty="0"/>
           </a:p>
         </p:txBody>
       </p:sp>
@@ -13578,10 +13831,17 @@
   <p:clrMapOvr>
     <a:masterClrMapping/>
   </p:clrMapOvr>
+  <p:timing>
+    <p:tnLst>
+      <p:par>
+        <p:cTn id="1" dur="indefinite" restart="never" nodeType="tmRoot"/>
+      </p:par>
+    </p:tnLst>
+  </p:timing>
 </p:sld>
 </file>
 
-<file path=ppt/slides/slide6.xml><?xml version="1.0" encoding="utf-8"?>
+<file path=ppt/slides/slide7.xml><?xml version="1.0" encoding="utf-8"?>
 <p:sld xmlns:a="http://schemas.openxmlformats.org/drawingml/2006/main" xmlns:r="http://schemas.openxmlformats.org/officeDocument/2006/relationships" xmlns:p="http://schemas.openxmlformats.org/presentationml/2006/main">
   <p:cSld>
     <p:spTree>

--- a/Design Patterns/Template Design Pattern.pptx
+++ b/Design Patterns/Template Design Pattern.pptx
@@ -203,7 +203,7 @@
           <a:p>
             <a:fld id="{D9223263-2300-4AC1-BB7E-FFDBA5CF77B2}" type="datetimeFigureOut">
               <a:rPr lang="en-US" smtClean="0"/>
-              <a:t>4/30/2019</a:t>
+              <a:t>5/2/2019</a:t>
             </a:fld>
             <a:endParaRPr lang="en-US"/>
           </a:p>
@@ -598,6 +598,32 @@
           <a:bodyPr/>
           <a:lstStyle/>
           <a:p>
+            <a:r>
+              <a:rPr lang="en-US" dirty="0" err="1" smtClean="0"/>
+              <a:t>MakeSandwich</a:t>
+            </a:r>
+            <a:r>
+              <a:rPr lang="en-US" dirty="0" smtClean="0"/>
+              <a:t>()</a:t>
+            </a:r>
+            <a:r>
+              <a:rPr lang="en-US" baseline="0" dirty="0" smtClean="0"/>
+              <a:t> is a template method here, it defined in the abstract class </a:t>
+            </a:r>
+            <a:br>
+              <a:rPr lang="en-US" baseline="0" dirty="0" smtClean="0"/>
+            </a:br>
+            <a:r>
+              <a:rPr lang="en-US" baseline="0" dirty="0" smtClean="0"/>
+              <a:t/>
+            </a:r>
+            <a:br>
+              <a:rPr lang="en-US" baseline="0" dirty="0" smtClean="0"/>
+            </a:br>
+            <a:r>
+              <a:rPr lang="en-US" baseline="0" dirty="0" smtClean="0"/>
+              <a:t>the second example shows more explanation that the template method have some calls the subclass will be using use</a:t>
+            </a:r>
             <a:endParaRPr lang="en-US" dirty="0"/>
           </a:p>
         </p:txBody>
@@ -771,13 +797,70 @@
               <a:buChar char="-"/>
             </a:pPr>
             <a:r>
-              <a:rPr lang="en-US" dirty="0"/>
-              <a:t>Abstraction and </a:t>
+              <a:rPr lang="en-US" baseline="0" dirty="0" smtClean="0"/>
+              <a:t>False it can </a:t>
             </a:r>
             <a:r>
               <a:rPr lang="en-US" dirty="0" smtClean="0"/>
-              <a:t>Implementation</a:t>
+              <a:t>override</a:t>
             </a:r>
+          </a:p>
+          <a:p>
+            <a:pPr marL="0" indent="0">
+              <a:buFontTx/>
+              <a:buNone/>
+            </a:pPr>
+            <a:endParaRPr lang="en-US" baseline="0" dirty="0" smtClean="0"/>
+          </a:p>
+          <a:p>
+            <a:pPr marL="171450" indent="-171450">
+              <a:buFontTx/>
+              <a:buChar char="-"/>
+            </a:pPr>
+            <a:r>
+              <a:rPr lang="en-US" baseline="0" dirty="0" smtClean="0"/>
+              <a:t>False we define it in the abstract class.</a:t>
+            </a:r>
+          </a:p>
+          <a:p>
+            <a:pPr marL="171450" indent="-171450">
+              <a:buFontTx/>
+              <a:buChar char="-"/>
+            </a:pPr>
+            <a:endParaRPr lang="en-US" baseline="0" dirty="0" smtClean="0"/>
+          </a:p>
+          <a:p>
+            <a:pPr marL="171450" marR="0" indent="-171450" algn="l" defTabSz="914400" rtl="0" eaLnBrk="1" fontAlgn="auto" latinLnBrk="0" hangingPunct="1">
+              <a:lnSpc>
+                <a:spcPct val="100000"/>
+              </a:lnSpc>
+              <a:spcBef>
+                <a:spcPts val="0"/>
+              </a:spcBef>
+              <a:spcAft>
+                <a:spcPts val="0"/>
+              </a:spcAft>
+              <a:buClrTx/>
+              <a:buSzTx/>
+              <a:buFontTx/>
+              <a:buChar char="-"/>
+              <a:tabLst/>
+              <a:defRPr/>
+            </a:pPr>
+            <a:r>
+              <a:rPr lang="en-US" dirty="0" smtClean="0"/>
+              <a:t>Because</a:t>
+            </a:r>
+            <a:r>
+              <a:rPr lang="en-US" baseline="0" dirty="0" smtClean="0"/>
+              <a:t> we won’t be using it, the reason of the template method is to be used for a group of subclasses that calling similar calls.</a:t>
+            </a:r>
+          </a:p>
+          <a:p>
+            <a:pPr marL="171450" indent="-171450">
+              <a:buFontTx/>
+              <a:buChar char="-"/>
+            </a:pPr>
             <a:endParaRPr lang="en-US" dirty="0"/>
           </a:p>
         </p:txBody>
@@ -959,7 +1042,7 @@
           <a:noFill/>
           <a:extLst>
             <a:ext uri="{909E8E84-426E-40dd-AFC4-6F175D3DCCD1}">
-              <a14:hiddenFill xmlns="" xmlns:a14="http://schemas.microsoft.com/office/drawing/2010/main">
+              <a14:hiddenFill xmlns:a14="http://schemas.microsoft.com/office/drawing/2010/main" xmlns="">
                 <a:solidFill>
                   <a:srgbClr val="FFFFFF"/>
                 </a:solidFill>
@@ -1018,7 +1101,7 @@
             </a:ln>
             <a:extLst>
               <a:ext uri="{91240B29-F687-4f45-9708-019B960494DF}">
-                <a14:hiddenLine xmlns="" xmlns:a14="http://schemas.microsoft.com/office/drawing/2010/main" w="9525">
+                <a14:hiddenLine xmlns:a14="http://schemas.microsoft.com/office/drawing/2010/main" xmlns="" w="9525">
                   <a:solidFill>
                     <a:srgbClr val="000000"/>
                   </a:solidFill>
@@ -1108,7 +1191,7 @@
             </a:ln>
             <a:extLst>
               <a:ext uri="{91240B29-F687-4f45-9708-019B960494DF}">
-                <a14:hiddenLine xmlns="" xmlns:a14="http://schemas.microsoft.com/office/drawing/2010/main" w="9525">
+                <a14:hiddenLine xmlns:a14="http://schemas.microsoft.com/office/drawing/2010/main" xmlns="" w="9525">
                   <a:solidFill>
                     <a:srgbClr val="000000"/>
                   </a:solidFill>
@@ -1198,7 +1281,7 @@
             </a:ln>
             <a:extLst>
               <a:ext uri="{91240B29-F687-4f45-9708-019B960494DF}">
-                <a14:hiddenLine xmlns="" xmlns:a14="http://schemas.microsoft.com/office/drawing/2010/main" w="9525">
+                <a14:hiddenLine xmlns:a14="http://schemas.microsoft.com/office/drawing/2010/main" xmlns="" w="9525">
                   <a:solidFill>
                     <a:srgbClr val="000000"/>
                   </a:solidFill>
@@ -1232,7 +1315,7 @@
             </a:ln>
             <a:extLst>
               <a:ext uri="{91240B29-F687-4f45-9708-019B960494DF}">
-                <a14:hiddenLine xmlns="" xmlns:a14="http://schemas.microsoft.com/office/drawing/2010/main" w="9525">
+                <a14:hiddenLine xmlns:a14="http://schemas.microsoft.com/office/drawing/2010/main" xmlns="" w="9525">
                   <a:solidFill>
                     <a:srgbClr val="000000"/>
                   </a:solidFill>
@@ -1322,7 +1405,7 @@
             </a:ln>
             <a:extLst>
               <a:ext uri="{91240B29-F687-4f45-9708-019B960494DF}">
-                <a14:hiddenLine xmlns="" xmlns:a14="http://schemas.microsoft.com/office/drawing/2010/main" w="9525">
+                <a14:hiddenLine xmlns:a14="http://schemas.microsoft.com/office/drawing/2010/main" xmlns="" w="9525">
                   <a:solidFill>
                     <a:srgbClr val="000000"/>
                   </a:solidFill>
@@ -1384,7 +1467,7 @@
             </a:ln>
             <a:extLst>
               <a:ext uri="{91240B29-F687-4f45-9708-019B960494DF}">
-                <a14:hiddenLine xmlns="" xmlns:a14="http://schemas.microsoft.com/office/drawing/2010/main" w="9525">
+                <a14:hiddenLine xmlns:a14="http://schemas.microsoft.com/office/drawing/2010/main" xmlns="" w="9525">
                   <a:solidFill>
                     <a:srgbClr val="000000"/>
                   </a:solidFill>
@@ -1446,7 +1529,7 @@
             </a:ln>
             <a:extLst>
               <a:ext uri="{91240B29-F687-4f45-9708-019B960494DF}">
-                <a14:hiddenLine xmlns="" xmlns:a14="http://schemas.microsoft.com/office/drawing/2010/main" w="9525">
+                <a14:hiddenLine xmlns:a14="http://schemas.microsoft.com/office/drawing/2010/main" xmlns="" w="9525">
                   <a:solidFill>
                     <a:srgbClr val="000000"/>
                   </a:solidFill>
@@ -1536,7 +1619,7 @@
             </a:ln>
             <a:extLst>
               <a:ext uri="{91240B29-F687-4f45-9708-019B960494DF}">
-                <a14:hiddenLine xmlns="" xmlns:a14="http://schemas.microsoft.com/office/drawing/2010/main" w="9525">
+                <a14:hiddenLine xmlns:a14="http://schemas.microsoft.com/office/drawing/2010/main" xmlns="" w="9525">
                   <a:solidFill>
                     <a:srgbClr val="000000"/>
                   </a:solidFill>
@@ -1598,7 +1681,7 @@
             </a:ln>
             <a:extLst>
               <a:ext uri="{91240B29-F687-4f45-9708-019B960494DF}">
-                <a14:hiddenLine xmlns="" xmlns:a14="http://schemas.microsoft.com/office/drawing/2010/main" w="9525">
+                <a14:hiddenLine xmlns:a14="http://schemas.microsoft.com/office/drawing/2010/main" xmlns="" w="9525">
                   <a:solidFill>
                     <a:srgbClr val="000000"/>
                   </a:solidFill>
@@ -1660,7 +1743,7 @@
             </a:ln>
             <a:extLst>
               <a:ext uri="{91240B29-F687-4f45-9708-019B960494DF}">
-                <a14:hiddenLine xmlns="" xmlns:a14="http://schemas.microsoft.com/office/drawing/2010/main" w="9525">
+                <a14:hiddenLine xmlns:a14="http://schemas.microsoft.com/office/drawing/2010/main" xmlns="" w="9525">
                   <a:solidFill>
                     <a:srgbClr val="000000"/>
                   </a:solidFill>
@@ -1750,7 +1833,7 @@
             </a:ln>
             <a:extLst>
               <a:ext uri="{91240B29-F687-4f45-9708-019B960494DF}">
-                <a14:hiddenLine xmlns="" xmlns:a14="http://schemas.microsoft.com/office/drawing/2010/main" w="9525">
+                <a14:hiddenLine xmlns:a14="http://schemas.microsoft.com/office/drawing/2010/main" xmlns="" w="9525">
                   <a:solidFill>
                     <a:srgbClr val="000000"/>
                   </a:solidFill>
@@ -1840,7 +1923,7 @@
             </a:ln>
             <a:extLst>
               <a:ext uri="{91240B29-F687-4f45-9708-019B960494DF}">
-                <a14:hiddenLine xmlns="" xmlns:a14="http://schemas.microsoft.com/office/drawing/2010/main" w="9525">
+                <a14:hiddenLine xmlns:a14="http://schemas.microsoft.com/office/drawing/2010/main" xmlns="" w="9525">
                   <a:solidFill>
                     <a:srgbClr val="000000"/>
                   </a:solidFill>
@@ -1902,7 +1985,7 @@
             </a:ln>
             <a:extLst>
               <a:ext uri="{91240B29-F687-4f45-9708-019B960494DF}">
-                <a14:hiddenLine xmlns="" xmlns:a14="http://schemas.microsoft.com/office/drawing/2010/main" w="9525">
+                <a14:hiddenLine xmlns:a14="http://schemas.microsoft.com/office/drawing/2010/main" xmlns="" w="9525">
                   <a:solidFill>
                     <a:srgbClr val="000000"/>
                   </a:solidFill>
@@ -2012,7 +2095,7 @@
             </a:ln>
             <a:extLst>
               <a:ext uri="{91240B29-F687-4f45-9708-019B960494DF}">
-                <a14:hiddenLine xmlns="" xmlns:a14="http://schemas.microsoft.com/office/drawing/2010/main" w="9525">
+                <a14:hiddenLine xmlns:a14="http://schemas.microsoft.com/office/drawing/2010/main" xmlns="" w="9525">
                   <a:solidFill>
                     <a:srgbClr val="000000"/>
                   </a:solidFill>
@@ -2074,7 +2157,7 @@
             </a:ln>
             <a:extLst>
               <a:ext uri="{91240B29-F687-4f45-9708-019B960494DF}">
-                <a14:hiddenLine xmlns="" xmlns:a14="http://schemas.microsoft.com/office/drawing/2010/main" w="9525">
+                <a14:hiddenLine xmlns:a14="http://schemas.microsoft.com/office/drawing/2010/main" xmlns="" w="9525">
                   <a:solidFill>
                     <a:srgbClr val="000000"/>
                   </a:solidFill>
@@ -2164,7 +2247,7 @@
             </a:ln>
             <a:extLst>
               <a:ext uri="{91240B29-F687-4f45-9708-019B960494DF}">
-                <a14:hiddenLine xmlns="" xmlns:a14="http://schemas.microsoft.com/office/drawing/2010/main" w="9525">
+                <a14:hiddenLine xmlns:a14="http://schemas.microsoft.com/office/drawing/2010/main" xmlns="" w="9525">
                   <a:solidFill>
                     <a:srgbClr val="000000"/>
                   </a:solidFill>
@@ -2254,7 +2337,7 @@
             </a:ln>
             <a:extLst>
               <a:ext uri="{91240B29-F687-4f45-9708-019B960494DF}">
-                <a14:hiddenLine xmlns="" xmlns:a14="http://schemas.microsoft.com/office/drawing/2010/main" w="9525">
+                <a14:hiddenLine xmlns:a14="http://schemas.microsoft.com/office/drawing/2010/main" xmlns="" w="9525">
                   <a:solidFill>
                     <a:srgbClr val="000000"/>
                   </a:solidFill>
@@ -2316,7 +2399,7 @@
             </a:ln>
             <a:extLst>
               <a:ext uri="{91240B29-F687-4f45-9708-019B960494DF}">
-                <a14:hiddenLine xmlns="" xmlns:a14="http://schemas.microsoft.com/office/drawing/2010/main" w="9525">
+                <a14:hiddenLine xmlns:a14="http://schemas.microsoft.com/office/drawing/2010/main" xmlns="" w="9525">
                   <a:solidFill>
                     <a:srgbClr val="000000"/>
                   </a:solidFill>
@@ -2406,7 +2489,7 @@
             </a:ln>
             <a:extLst>
               <a:ext uri="{91240B29-F687-4f45-9708-019B960494DF}">
-                <a14:hiddenLine xmlns="" xmlns:a14="http://schemas.microsoft.com/office/drawing/2010/main" w="9525">
+                <a14:hiddenLine xmlns:a14="http://schemas.microsoft.com/office/drawing/2010/main" xmlns="" w="9525">
                   <a:solidFill>
                     <a:srgbClr val="000000"/>
                   </a:solidFill>
@@ -2496,7 +2579,7 @@
             </a:ln>
             <a:extLst>
               <a:ext uri="{91240B29-F687-4f45-9708-019B960494DF}">
-                <a14:hiddenLine xmlns="" xmlns:a14="http://schemas.microsoft.com/office/drawing/2010/main" w="9525">
+                <a14:hiddenLine xmlns:a14="http://schemas.microsoft.com/office/drawing/2010/main" xmlns="" w="9525">
                   <a:solidFill>
                     <a:srgbClr val="000000"/>
                   </a:solidFill>
@@ -2552,7 +2635,7 @@
             </a:ln>
             <a:extLst>
               <a:ext uri="{91240B29-F687-4f45-9708-019B960494DF}">
-                <a14:hiddenLine xmlns="" xmlns:a14="http://schemas.microsoft.com/office/drawing/2010/main" w="9525">
+                <a14:hiddenLine xmlns:a14="http://schemas.microsoft.com/office/drawing/2010/main" xmlns="" w="9525">
                   <a:solidFill>
                     <a:srgbClr val="000000"/>
                   </a:solidFill>
@@ -2642,7 +2725,7 @@
             </a:ln>
             <a:extLst>
               <a:ext uri="{91240B29-F687-4f45-9708-019B960494DF}">
-                <a14:hiddenLine xmlns="" xmlns:a14="http://schemas.microsoft.com/office/drawing/2010/main" w="9525">
+                <a14:hiddenLine xmlns:a14="http://schemas.microsoft.com/office/drawing/2010/main" xmlns="" w="9525">
                   <a:solidFill>
                     <a:srgbClr val="000000"/>
                   </a:solidFill>
@@ -2698,7 +2781,7 @@
             </a:ln>
             <a:extLst>
               <a:ext uri="{91240B29-F687-4f45-9708-019B960494DF}">
-                <a14:hiddenLine xmlns="" xmlns:a14="http://schemas.microsoft.com/office/drawing/2010/main" w="9525">
+                <a14:hiddenLine xmlns:a14="http://schemas.microsoft.com/office/drawing/2010/main" xmlns="" w="9525">
                   <a:solidFill>
                     <a:srgbClr val="000000"/>
                   </a:solidFill>
@@ -2788,7 +2871,7 @@
             </a:ln>
             <a:extLst>
               <a:ext uri="{91240B29-F687-4f45-9708-019B960494DF}">
-                <a14:hiddenLine xmlns="" xmlns:a14="http://schemas.microsoft.com/office/drawing/2010/main" w="9525">
+                <a14:hiddenLine xmlns:a14="http://schemas.microsoft.com/office/drawing/2010/main" xmlns="" w="9525">
                   <a:solidFill>
                     <a:srgbClr val="000000"/>
                   </a:solidFill>
@@ -2856,7 +2939,7 @@
             </a:ln>
             <a:extLst>
               <a:ext uri="{91240B29-F687-4f45-9708-019B960494DF}">
-                <a14:hiddenLine xmlns="" xmlns:a14="http://schemas.microsoft.com/office/drawing/2010/main" w="9525">
+                <a14:hiddenLine xmlns:a14="http://schemas.microsoft.com/office/drawing/2010/main" xmlns="" w="9525">
                   <a:solidFill>
                     <a:srgbClr val="000000"/>
                   </a:solidFill>
@@ -2946,7 +3029,7 @@
             </a:ln>
             <a:extLst>
               <a:ext uri="{91240B29-F687-4f45-9708-019B960494DF}">
-                <a14:hiddenLine xmlns="" xmlns:a14="http://schemas.microsoft.com/office/drawing/2010/main" w="9525">
+                <a14:hiddenLine xmlns:a14="http://schemas.microsoft.com/office/drawing/2010/main" xmlns="" w="9525">
                   <a:solidFill>
                     <a:srgbClr val="000000"/>
                   </a:solidFill>
@@ -3014,7 +3097,7 @@
             </a:ln>
             <a:extLst>
               <a:ext uri="{91240B29-F687-4f45-9708-019B960494DF}">
-                <a14:hiddenLine xmlns="" xmlns:a14="http://schemas.microsoft.com/office/drawing/2010/main" w="9525">
+                <a14:hiddenLine xmlns:a14="http://schemas.microsoft.com/office/drawing/2010/main" xmlns="" w="9525">
                   <a:solidFill>
                     <a:srgbClr val="000000"/>
                   </a:solidFill>
@@ -3104,7 +3187,7 @@
             </a:ln>
             <a:extLst>
               <a:ext uri="{91240B29-F687-4f45-9708-019B960494DF}">
-                <a14:hiddenLine xmlns="" xmlns:a14="http://schemas.microsoft.com/office/drawing/2010/main" w="9525">
+                <a14:hiddenLine xmlns:a14="http://schemas.microsoft.com/office/drawing/2010/main" xmlns="" w="9525">
                   <a:solidFill>
                     <a:srgbClr val="000000"/>
                   </a:solidFill>
@@ -3138,7 +3221,7 @@
             </a:ln>
             <a:extLst>
               <a:ext uri="{91240B29-F687-4f45-9708-019B960494DF}">
-                <a14:hiddenLine xmlns="" xmlns:a14="http://schemas.microsoft.com/office/drawing/2010/main" w="9525">
+                <a14:hiddenLine xmlns:a14="http://schemas.microsoft.com/office/drawing/2010/main" xmlns="" w="9525">
                   <a:solidFill>
                     <a:srgbClr val="000000"/>
                   </a:solidFill>
@@ -3228,7 +3311,7 @@
             </a:ln>
             <a:extLst>
               <a:ext uri="{91240B29-F687-4f45-9708-019B960494DF}">
-                <a14:hiddenLine xmlns="" xmlns:a14="http://schemas.microsoft.com/office/drawing/2010/main" w="9525">
+                <a14:hiddenLine xmlns:a14="http://schemas.microsoft.com/office/drawing/2010/main" xmlns="" w="9525">
                   <a:solidFill>
                     <a:srgbClr val="000000"/>
                   </a:solidFill>
@@ -3290,7 +3373,7 @@
             </a:ln>
             <a:extLst>
               <a:ext uri="{91240B29-F687-4f45-9708-019B960494DF}">
-                <a14:hiddenLine xmlns="" xmlns:a14="http://schemas.microsoft.com/office/drawing/2010/main" w="9525">
+                <a14:hiddenLine xmlns:a14="http://schemas.microsoft.com/office/drawing/2010/main" xmlns="" w="9525">
                   <a:solidFill>
                     <a:srgbClr val="000000"/>
                   </a:solidFill>
@@ -3352,7 +3435,7 @@
             </a:ln>
             <a:extLst>
               <a:ext uri="{91240B29-F687-4f45-9708-019B960494DF}">
-                <a14:hiddenLine xmlns="" xmlns:a14="http://schemas.microsoft.com/office/drawing/2010/main" w="9525">
+                <a14:hiddenLine xmlns:a14="http://schemas.microsoft.com/office/drawing/2010/main" xmlns="" w="9525">
                   <a:solidFill>
                     <a:srgbClr val="000000"/>
                   </a:solidFill>
@@ -3442,7 +3525,7 @@
             </a:ln>
             <a:extLst>
               <a:ext uri="{91240B29-F687-4f45-9708-019B960494DF}">
-                <a14:hiddenLine xmlns="" xmlns:a14="http://schemas.microsoft.com/office/drawing/2010/main" w="9525">
+                <a14:hiddenLine xmlns:a14="http://schemas.microsoft.com/office/drawing/2010/main" xmlns="" w="9525">
                   <a:solidFill>
                     <a:srgbClr val="000000"/>
                   </a:solidFill>
@@ -3510,7 +3593,7 @@
             </a:ln>
             <a:extLst>
               <a:ext uri="{91240B29-F687-4f45-9708-019B960494DF}">
-                <a14:hiddenLine xmlns="" xmlns:a14="http://schemas.microsoft.com/office/drawing/2010/main" w="9525">
+                <a14:hiddenLine xmlns:a14="http://schemas.microsoft.com/office/drawing/2010/main" xmlns="" w="9525">
                   <a:solidFill>
                     <a:srgbClr val="000000"/>
                   </a:solidFill>
@@ -3572,7 +3655,7 @@
             </a:ln>
             <a:extLst>
               <a:ext uri="{91240B29-F687-4f45-9708-019B960494DF}">
-                <a14:hiddenLine xmlns="" xmlns:a14="http://schemas.microsoft.com/office/drawing/2010/main" w="9525">
+                <a14:hiddenLine xmlns:a14="http://schemas.microsoft.com/office/drawing/2010/main" xmlns="" w="9525">
                   <a:solidFill>
                     <a:srgbClr val="000000"/>
                   </a:solidFill>
@@ -3662,7 +3745,7 @@
             </a:ln>
             <a:extLst>
               <a:ext uri="{91240B29-F687-4f45-9708-019B960494DF}">
-                <a14:hiddenLine xmlns="" xmlns:a14="http://schemas.microsoft.com/office/drawing/2010/main" w="9525">
+                <a14:hiddenLine xmlns:a14="http://schemas.microsoft.com/office/drawing/2010/main" xmlns="" w="9525">
                   <a:solidFill>
                     <a:srgbClr val="000000"/>
                   </a:solidFill>
@@ -3724,7 +3807,7 @@
             </a:ln>
             <a:extLst>
               <a:ext uri="{91240B29-F687-4f45-9708-019B960494DF}">
-                <a14:hiddenLine xmlns="" xmlns:a14="http://schemas.microsoft.com/office/drawing/2010/main" w="9525">
+                <a14:hiddenLine xmlns:a14="http://schemas.microsoft.com/office/drawing/2010/main" xmlns="" w="9525">
                   <a:solidFill>
                     <a:srgbClr val="000000"/>
                   </a:solidFill>
@@ -3814,7 +3897,7 @@
             </a:ln>
             <a:extLst>
               <a:ext uri="{91240B29-F687-4f45-9708-019B960494DF}">
-                <a14:hiddenLine xmlns="" xmlns:a14="http://schemas.microsoft.com/office/drawing/2010/main" w="9525">
+                <a14:hiddenLine xmlns:a14="http://schemas.microsoft.com/office/drawing/2010/main" xmlns="" w="9525">
                   <a:solidFill>
                     <a:srgbClr val="000000"/>
                   </a:solidFill>
@@ -3876,7 +3959,7 @@
             </a:ln>
             <a:extLst>
               <a:ext uri="{91240B29-F687-4f45-9708-019B960494DF}">
-                <a14:hiddenLine xmlns="" xmlns:a14="http://schemas.microsoft.com/office/drawing/2010/main" w="9525">
+                <a14:hiddenLine xmlns:a14="http://schemas.microsoft.com/office/drawing/2010/main" xmlns="" w="9525">
                   <a:solidFill>
                     <a:srgbClr val="000000"/>
                   </a:solidFill>
@@ -3966,7 +4049,7 @@
             </a:ln>
             <a:extLst>
               <a:ext uri="{91240B29-F687-4f45-9708-019B960494DF}">
-                <a14:hiddenLine xmlns="" xmlns:a14="http://schemas.microsoft.com/office/drawing/2010/main" w="9525">
+                <a14:hiddenLine xmlns:a14="http://schemas.microsoft.com/office/drawing/2010/main" xmlns="" w="9525">
                   <a:solidFill>
                     <a:srgbClr val="000000"/>
                   </a:solidFill>
@@ -4000,7 +4083,7 @@
             </a:ln>
             <a:extLst>
               <a:ext uri="{91240B29-F687-4f45-9708-019B960494DF}">
-                <a14:hiddenLine xmlns="" xmlns:a14="http://schemas.microsoft.com/office/drawing/2010/main" w="9525">
+                <a14:hiddenLine xmlns:a14="http://schemas.microsoft.com/office/drawing/2010/main" xmlns="" w="9525">
                   <a:solidFill>
                     <a:srgbClr val="000000"/>
                   </a:solidFill>
@@ -4065,7 +4148,7 @@
             </a:ln>
             <a:extLst>
               <a:ext uri="{91240B29-F687-4f45-9708-019B960494DF}">
-                <a14:hiddenLine xmlns="" xmlns:a14="http://schemas.microsoft.com/office/drawing/2010/main" w="9525">
+                <a14:hiddenLine xmlns:a14="http://schemas.microsoft.com/office/drawing/2010/main" xmlns="" w="9525">
                   <a:solidFill>
                     <a:srgbClr val="000000"/>
                   </a:solidFill>
@@ -4155,7 +4238,7 @@
             </a:ln>
             <a:extLst>
               <a:ext uri="{91240B29-F687-4f45-9708-019B960494DF}">
-                <a14:hiddenLine xmlns="" xmlns:a14="http://schemas.microsoft.com/office/drawing/2010/main" w="9525">
+                <a14:hiddenLine xmlns:a14="http://schemas.microsoft.com/office/drawing/2010/main" xmlns="" w="9525">
                   <a:solidFill>
                     <a:srgbClr val="000000"/>
                   </a:solidFill>
@@ -4217,7 +4300,7 @@
             </a:ln>
             <a:extLst>
               <a:ext uri="{91240B29-F687-4f45-9708-019B960494DF}">
-                <a14:hiddenLine xmlns="" xmlns:a14="http://schemas.microsoft.com/office/drawing/2010/main" w="9525">
+                <a14:hiddenLine xmlns:a14="http://schemas.microsoft.com/office/drawing/2010/main" xmlns="" w="9525">
                   <a:solidFill>
                     <a:srgbClr val="000000"/>
                   </a:solidFill>
@@ -4307,7 +4390,7 @@
             </a:ln>
             <a:extLst>
               <a:ext uri="{91240B29-F687-4f45-9708-019B960494DF}">
-                <a14:hiddenLine xmlns="" xmlns:a14="http://schemas.microsoft.com/office/drawing/2010/main" w="9525">
+                <a14:hiddenLine xmlns:a14="http://schemas.microsoft.com/office/drawing/2010/main" xmlns="" w="9525">
                   <a:solidFill>
                     <a:srgbClr val="000000"/>
                   </a:solidFill>
@@ -4397,7 +4480,7 @@
             </a:ln>
             <a:extLst>
               <a:ext uri="{91240B29-F687-4f45-9708-019B960494DF}">
-                <a14:hiddenLine xmlns="" xmlns:a14="http://schemas.microsoft.com/office/drawing/2010/main" w="9525">
+                <a14:hiddenLine xmlns:a14="http://schemas.microsoft.com/office/drawing/2010/main" xmlns="" w="9525">
                   <a:solidFill>
                     <a:srgbClr val="000000"/>
                   </a:solidFill>
@@ -4462,7 +4545,7 @@
             </a:ln>
             <a:extLst>
               <a:ext uri="{91240B29-F687-4f45-9708-019B960494DF}">
-                <a14:hiddenLine xmlns="" xmlns:a14="http://schemas.microsoft.com/office/drawing/2010/main" w="9525">
+                <a14:hiddenLine xmlns:a14="http://schemas.microsoft.com/office/drawing/2010/main" xmlns="" w="9525">
                   <a:solidFill>
                     <a:srgbClr val="000000"/>
                   </a:solidFill>
@@ -4524,7 +4607,7 @@
             </a:ln>
             <a:extLst>
               <a:ext uri="{91240B29-F687-4f45-9708-019B960494DF}">
-                <a14:hiddenLine xmlns="" xmlns:a14="http://schemas.microsoft.com/office/drawing/2010/main" w="9525">
+                <a14:hiddenLine xmlns:a14="http://schemas.microsoft.com/office/drawing/2010/main" xmlns="" w="9525">
                   <a:solidFill>
                     <a:srgbClr val="000000"/>
                   </a:solidFill>
@@ -4614,7 +4697,7 @@
             </a:ln>
             <a:extLst>
               <a:ext uri="{91240B29-F687-4f45-9708-019B960494DF}">
-                <a14:hiddenLine xmlns="" xmlns:a14="http://schemas.microsoft.com/office/drawing/2010/main" w="9525">
+                <a14:hiddenLine xmlns:a14="http://schemas.microsoft.com/office/drawing/2010/main" xmlns="" w="9525">
                   <a:solidFill>
                     <a:srgbClr val="000000"/>
                   </a:solidFill>
@@ -4704,7 +4787,7 @@
             </a:ln>
             <a:extLst>
               <a:ext uri="{91240B29-F687-4f45-9708-019B960494DF}">
-                <a14:hiddenLine xmlns="" xmlns:a14="http://schemas.microsoft.com/office/drawing/2010/main" w="9525">
+                <a14:hiddenLine xmlns:a14="http://schemas.microsoft.com/office/drawing/2010/main" xmlns="" w="9525">
                   <a:solidFill>
                     <a:srgbClr val="000000"/>
                   </a:solidFill>
@@ -4766,7 +4849,7 @@
             </a:ln>
             <a:extLst>
               <a:ext uri="{91240B29-F687-4f45-9708-019B960494DF}">
-                <a14:hiddenLine xmlns="" xmlns:a14="http://schemas.microsoft.com/office/drawing/2010/main" w="9525">
+                <a14:hiddenLine xmlns:a14="http://schemas.microsoft.com/office/drawing/2010/main" xmlns="" w="9525">
                   <a:solidFill>
                     <a:srgbClr val="000000"/>
                   </a:solidFill>
@@ -4886,7 +4969,7 @@
             </a:ln>
             <a:extLst>
               <a:ext uri="{91240B29-F687-4f45-9708-019B960494DF}">
-                <a14:hiddenLine xmlns="" xmlns:a14="http://schemas.microsoft.com/office/drawing/2010/main" w="9525">
+                <a14:hiddenLine xmlns:a14="http://schemas.microsoft.com/office/drawing/2010/main" xmlns="" w="9525">
                   <a:solidFill>
                     <a:srgbClr val="000000"/>
                   </a:solidFill>
@@ -4954,7 +5037,7 @@
             </a:ln>
             <a:extLst>
               <a:ext uri="{91240B29-F687-4f45-9708-019B960494DF}">
-                <a14:hiddenLine xmlns="" xmlns:a14="http://schemas.microsoft.com/office/drawing/2010/main" w="9525">
+                <a14:hiddenLine xmlns:a14="http://schemas.microsoft.com/office/drawing/2010/main" xmlns="" w="9525">
                   <a:solidFill>
                     <a:srgbClr val="000000"/>
                   </a:solidFill>
@@ -5044,7 +5127,7 @@
             </a:ln>
             <a:extLst>
               <a:ext uri="{91240B29-F687-4f45-9708-019B960494DF}">
-                <a14:hiddenLine xmlns="" xmlns:a14="http://schemas.microsoft.com/office/drawing/2010/main" w="9525">
+                <a14:hiddenLine xmlns:a14="http://schemas.microsoft.com/office/drawing/2010/main" xmlns="" w="9525">
                   <a:solidFill>
                     <a:srgbClr val="000000"/>
                   </a:solidFill>
@@ -5184,7 +5267,7 @@
           <a:p>
             <a:fld id="{48A87A34-81AB-432B-8DAE-1953F412C126}" type="datetimeFigureOut">
               <a:rPr lang="en-US" dirty="0"/>
-              <a:t>4/30/2019</a:t>
+              <a:t>5/2/2019</a:t>
             </a:fld>
             <a:endParaRPr lang="en-US" dirty="0"/>
           </a:p>
@@ -5446,7 +5529,7 @@
           <a:p>
             <a:fld id="{48A87A34-81AB-432B-8DAE-1953F412C126}" type="datetimeFigureOut">
               <a:rPr lang="en-US" dirty="0"/>
-              <a:t>4/30/2019</a:t>
+              <a:t>5/2/2019</a:t>
             </a:fld>
             <a:endParaRPr lang="en-US" dirty="0"/>
           </a:p>
@@ -5637,7 +5720,7 @@
           <a:p>
             <a:fld id="{48A87A34-81AB-432B-8DAE-1953F412C126}" type="datetimeFigureOut">
               <a:rPr lang="en-US" dirty="0"/>
-              <a:t>4/30/2019</a:t>
+              <a:t>5/2/2019</a:t>
             </a:fld>
             <a:endParaRPr lang="en-US" dirty="0"/>
           </a:p>
@@ -5895,7 +5978,7 @@
           <a:p>
             <a:fld id="{48A87A34-81AB-432B-8DAE-1953F412C126}" type="datetimeFigureOut">
               <a:rPr lang="en-US" dirty="0"/>
-              <a:t>4/30/2019</a:t>
+              <a:t>5/2/2019</a:t>
             </a:fld>
             <a:endParaRPr lang="en-US" dirty="0"/>
           </a:p>
@@ -6324,7 +6407,7 @@
           <a:p>
             <a:fld id="{48A87A34-81AB-432B-8DAE-1953F412C126}" type="datetimeFigureOut">
               <a:rPr lang="en-US" dirty="0"/>
-              <a:t>4/30/2019</a:t>
+              <a:t>5/2/2019</a:t>
             </a:fld>
             <a:endParaRPr lang="en-US" dirty="0"/>
           </a:p>
@@ -6865,7 +6948,7 @@
           <a:p>
             <a:fld id="{48A87A34-81AB-432B-8DAE-1953F412C126}" type="datetimeFigureOut">
               <a:rPr lang="en-US" dirty="0"/>
-              <a:t>4/30/2019</a:t>
+              <a:t>5/2/2019</a:t>
             </a:fld>
             <a:endParaRPr lang="en-US" dirty="0"/>
           </a:p>
@@ -7580,7 +7663,7 @@
           <a:p>
             <a:fld id="{48A87A34-81AB-432B-8DAE-1953F412C126}" type="datetimeFigureOut">
               <a:rPr lang="en-US" dirty="0"/>
-              <a:t>4/30/2019</a:t>
+              <a:t>5/2/2019</a:t>
             </a:fld>
             <a:endParaRPr lang="en-US" dirty="0"/>
           </a:p>
@@ -7745,7 +7828,7 @@
           <a:p>
             <a:fld id="{48A87A34-81AB-432B-8DAE-1953F412C126}" type="datetimeFigureOut">
               <a:rPr lang="en-US" dirty="0"/>
-              <a:t>4/30/2019</a:t>
+              <a:t>5/2/2019</a:t>
             </a:fld>
             <a:endParaRPr lang="en-US" dirty="0"/>
           </a:p>
@@ -7920,7 +8003,7 @@
           <a:p>
             <a:fld id="{48A87A34-81AB-432B-8DAE-1953F412C126}" type="datetimeFigureOut">
               <a:rPr lang="en-US" dirty="0"/>
-              <a:t>4/30/2019</a:t>
+              <a:t>5/2/2019</a:t>
             </a:fld>
             <a:endParaRPr lang="en-US" dirty="0"/>
           </a:p>
@@ -8085,7 +8168,7 @@
           <a:p>
             <a:fld id="{48A87A34-81AB-432B-8DAE-1953F412C126}" type="datetimeFigureOut">
               <a:rPr lang="en-US" dirty="0"/>
-              <a:t>4/30/2019</a:t>
+              <a:t>5/2/2019</a:t>
             </a:fld>
             <a:endParaRPr lang="en-US" dirty="0"/>
           </a:p>
@@ -8330,7 +8413,7 @@
           <a:p>
             <a:fld id="{48A87A34-81AB-432B-8DAE-1953F412C126}" type="datetimeFigureOut">
               <a:rPr lang="en-US" dirty="0"/>
-              <a:t>4/30/2019</a:t>
+              <a:t>5/2/2019</a:t>
             </a:fld>
             <a:endParaRPr lang="en-US" dirty="0"/>
           </a:p>
@@ -8557,7 +8640,7 @@
           <a:p>
             <a:fld id="{48A87A34-81AB-432B-8DAE-1953F412C126}" type="datetimeFigureOut">
               <a:rPr lang="en-US" dirty="0"/>
-              <a:t>4/30/2019</a:t>
+              <a:t>5/2/2019</a:t>
             </a:fld>
             <a:endParaRPr lang="en-US" dirty="0"/>
           </a:p>
@@ -8933,7 +9016,7 @@
           <a:p>
             <a:fld id="{48A87A34-81AB-432B-8DAE-1953F412C126}" type="datetimeFigureOut">
               <a:rPr lang="en-US" dirty="0"/>
-              <a:t>4/30/2019</a:t>
+              <a:t>5/2/2019</a:t>
             </a:fld>
             <a:endParaRPr lang="en-US" dirty="0"/>
           </a:p>
@@ -9046,7 +9129,7 @@
           <a:p>
             <a:fld id="{48A87A34-81AB-432B-8DAE-1953F412C126}" type="datetimeFigureOut">
               <a:rPr lang="en-US" dirty="0"/>
-              <a:t>4/30/2019</a:t>
+              <a:t>5/2/2019</a:t>
             </a:fld>
             <a:endParaRPr lang="en-US" dirty="0"/>
           </a:p>
@@ -9136,7 +9219,7 @@
           <a:p>
             <a:fld id="{48A87A34-81AB-432B-8DAE-1953F412C126}" type="datetimeFigureOut">
               <a:rPr lang="en-US" dirty="0"/>
-              <a:t>4/30/2019</a:t>
+              <a:t>5/2/2019</a:t>
             </a:fld>
             <a:endParaRPr lang="en-US" dirty="0"/>
           </a:p>
@@ -9380,7 +9463,7 @@
           <a:p>
             <a:fld id="{48A87A34-81AB-432B-8DAE-1953F412C126}" type="datetimeFigureOut">
               <a:rPr lang="en-US" dirty="0"/>
-              <a:t>4/30/2019</a:t>
+              <a:t>5/2/2019</a:t>
             </a:fld>
             <a:endParaRPr lang="en-US" dirty="0"/>
           </a:p>
@@ -9655,7 +9738,7 @@
           <a:p>
             <a:fld id="{48A87A34-81AB-432B-8DAE-1953F412C126}" type="datetimeFigureOut">
               <a:rPr lang="en-US" dirty="0"/>
-              <a:t>4/30/2019</a:t>
+              <a:t>5/2/2019</a:t>
             </a:fld>
             <a:endParaRPr lang="en-US" dirty="0"/>
           </a:p>
@@ -9773,7 +9856,7 @@
           <a:noFill/>
           <a:extLst>
             <a:ext uri="{909E8E84-426E-40dd-AFC4-6F175D3DCCD1}">
-              <a14:hiddenFill xmlns="" xmlns:a14="http://schemas.microsoft.com/office/drawing/2010/main">
+              <a14:hiddenFill xmlns:a14="http://schemas.microsoft.com/office/drawing/2010/main" xmlns="">
                 <a:solidFill>
                   <a:srgbClr val="FFFFFF"/>
                 </a:solidFill>
@@ -9847,7 +9930,7 @@
               </a:ln>
               <a:extLst>
                 <a:ext uri="{91240B29-F687-4f45-9708-019B960494DF}">
-                  <a14:hiddenLine xmlns="" xmlns:a14="http://schemas.microsoft.com/office/drawing/2010/main" w="9525">
+                  <a14:hiddenLine xmlns:a14="http://schemas.microsoft.com/office/drawing/2010/main" xmlns="" w="9525">
                     <a:solidFill>
                       <a:srgbClr val="000000"/>
                     </a:solidFill>
@@ -9937,7 +10020,7 @@
               </a:ln>
               <a:extLst>
                 <a:ext uri="{91240B29-F687-4f45-9708-019B960494DF}">
-                  <a14:hiddenLine xmlns="" xmlns:a14="http://schemas.microsoft.com/office/drawing/2010/main" w="9525">
+                  <a14:hiddenLine xmlns:a14="http://schemas.microsoft.com/office/drawing/2010/main" xmlns="" w="9525">
                     <a:solidFill>
                       <a:srgbClr val="000000"/>
                     </a:solidFill>
@@ -10027,7 +10110,7 @@
               </a:ln>
               <a:extLst>
                 <a:ext uri="{91240B29-F687-4f45-9708-019B960494DF}">
-                  <a14:hiddenLine xmlns="" xmlns:a14="http://schemas.microsoft.com/office/drawing/2010/main" w="9525">
+                  <a14:hiddenLine xmlns:a14="http://schemas.microsoft.com/office/drawing/2010/main" xmlns="" w="9525">
                     <a:solidFill>
                       <a:srgbClr val="000000"/>
                     </a:solidFill>
@@ -10089,7 +10172,7 @@
               </a:ln>
               <a:extLst>
                 <a:ext uri="{91240B29-F687-4f45-9708-019B960494DF}">
-                  <a14:hiddenLine xmlns="" xmlns:a14="http://schemas.microsoft.com/office/drawing/2010/main" w="9525">
+                  <a14:hiddenLine xmlns:a14="http://schemas.microsoft.com/office/drawing/2010/main" xmlns="" w="9525">
                     <a:solidFill>
                       <a:srgbClr val="000000"/>
                     </a:solidFill>
@@ -10179,7 +10262,7 @@
               </a:ln>
               <a:extLst>
                 <a:ext uri="{91240B29-F687-4f45-9708-019B960494DF}">
-                  <a14:hiddenLine xmlns="" xmlns:a14="http://schemas.microsoft.com/office/drawing/2010/main" w="9525">
+                  <a14:hiddenLine xmlns:a14="http://schemas.microsoft.com/office/drawing/2010/main" xmlns="" w="9525">
                     <a:solidFill>
                       <a:srgbClr val="000000"/>
                     </a:solidFill>
@@ -10241,7 +10324,7 @@
               </a:ln>
               <a:extLst>
                 <a:ext uri="{91240B29-F687-4f45-9708-019B960494DF}">
-                  <a14:hiddenLine xmlns="" xmlns:a14="http://schemas.microsoft.com/office/drawing/2010/main" w="9525">
+                  <a14:hiddenLine xmlns:a14="http://schemas.microsoft.com/office/drawing/2010/main" xmlns="" w="9525">
                     <a:solidFill>
                       <a:srgbClr val="000000"/>
                     </a:solidFill>
@@ -10303,7 +10386,7 @@
               </a:ln>
               <a:extLst>
                 <a:ext uri="{91240B29-F687-4f45-9708-019B960494DF}">
-                  <a14:hiddenLine xmlns="" xmlns:a14="http://schemas.microsoft.com/office/drawing/2010/main" w="9525">
+                  <a14:hiddenLine xmlns:a14="http://schemas.microsoft.com/office/drawing/2010/main" xmlns="" w="9525">
                     <a:solidFill>
                       <a:srgbClr val="000000"/>
                     </a:solidFill>
@@ -10393,7 +10476,7 @@
               </a:ln>
               <a:extLst>
                 <a:ext uri="{91240B29-F687-4f45-9708-019B960494DF}">
-                  <a14:hiddenLine xmlns="" xmlns:a14="http://schemas.microsoft.com/office/drawing/2010/main" w="9525">
+                  <a14:hiddenLine xmlns:a14="http://schemas.microsoft.com/office/drawing/2010/main" xmlns="" w="9525">
                     <a:solidFill>
                       <a:srgbClr val="000000"/>
                     </a:solidFill>
@@ -10483,7 +10566,7 @@
               </a:ln>
               <a:extLst>
                 <a:ext uri="{91240B29-F687-4f45-9708-019B960494DF}">
-                  <a14:hiddenLine xmlns="" xmlns:a14="http://schemas.microsoft.com/office/drawing/2010/main" w="9525">
+                  <a14:hiddenLine xmlns:a14="http://schemas.microsoft.com/office/drawing/2010/main" xmlns="" w="9525">
                     <a:solidFill>
                       <a:srgbClr val="000000"/>
                     </a:solidFill>
@@ -10545,7 +10628,7 @@
               </a:ln>
               <a:extLst>
                 <a:ext uri="{91240B29-F687-4f45-9708-019B960494DF}">
-                  <a14:hiddenLine xmlns="" xmlns:a14="http://schemas.microsoft.com/office/drawing/2010/main" w="9525">
+                  <a14:hiddenLine xmlns:a14="http://schemas.microsoft.com/office/drawing/2010/main" xmlns="" w="9525">
                     <a:solidFill>
                       <a:srgbClr val="000000"/>
                     </a:solidFill>
@@ -10655,7 +10738,7 @@
               </a:ln>
               <a:extLst>
                 <a:ext uri="{91240B29-F687-4f45-9708-019B960494DF}">
-                  <a14:hiddenLine xmlns="" xmlns:a14="http://schemas.microsoft.com/office/drawing/2010/main" w="9525">
+                  <a14:hiddenLine xmlns:a14="http://schemas.microsoft.com/office/drawing/2010/main" xmlns="" w="9525">
                     <a:solidFill>
                       <a:srgbClr val="000000"/>
                     </a:solidFill>
@@ -10739,7 +10822,7 @@
               </a:ln>
               <a:extLst>
                 <a:ext uri="{91240B29-F687-4f45-9708-019B960494DF}">
-                  <a14:hiddenLine xmlns="" xmlns:a14="http://schemas.microsoft.com/office/drawing/2010/main" w="9525">
+                  <a14:hiddenLine xmlns:a14="http://schemas.microsoft.com/office/drawing/2010/main" xmlns="" w="9525">
                     <a:solidFill>
                       <a:srgbClr val="000000"/>
                     </a:solidFill>
@@ -10801,7 +10884,7 @@
               </a:ln>
               <a:extLst>
                 <a:ext uri="{91240B29-F687-4f45-9708-019B960494DF}">
-                  <a14:hiddenLine xmlns="" xmlns:a14="http://schemas.microsoft.com/office/drawing/2010/main" w="9525">
+                  <a14:hiddenLine xmlns:a14="http://schemas.microsoft.com/office/drawing/2010/main" xmlns="" w="9525">
                     <a:solidFill>
                       <a:srgbClr val="000000"/>
                     </a:solidFill>
@@ -10863,7 +10946,7 @@
               </a:ln>
               <a:extLst>
                 <a:ext uri="{91240B29-F687-4f45-9708-019B960494DF}">
-                  <a14:hiddenLine xmlns="" xmlns:a14="http://schemas.microsoft.com/office/drawing/2010/main" w="9525">
+                  <a14:hiddenLine xmlns:a14="http://schemas.microsoft.com/office/drawing/2010/main" xmlns="" w="9525">
                     <a:solidFill>
                       <a:srgbClr val="000000"/>
                     </a:solidFill>
@@ -10953,7 +11036,7 @@
               </a:ln>
               <a:extLst>
                 <a:ext uri="{91240B29-F687-4f45-9708-019B960494DF}">
-                  <a14:hiddenLine xmlns="" xmlns:a14="http://schemas.microsoft.com/office/drawing/2010/main" w="9525">
+                  <a14:hiddenLine xmlns:a14="http://schemas.microsoft.com/office/drawing/2010/main" xmlns="" w="9525">
                     <a:solidFill>
                       <a:srgbClr val="000000"/>
                     </a:solidFill>
@@ -10987,7 +11070,7 @@
               </a:ln>
               <a:extLst>
                 <a:ext uri="{91240B29-F687-4f45-9708-019B960494DF}">
-                  <a14:hiddenLine xmlns="" xmlns:a14="http://schemas.microsoft.com/office/drawing/2010/main" w="9525">
+                  <a14:hiddenLine xmlns:a14="http://schemas.microsoft.com/office/drawing/2010/main" xmlns="" w="9525">
                     <a:solidFill>
                       <a:srgbClr val="000000"/>
                     </a:solidFill>
@@ -11052,7 +11135,7 @@
               </a:ln>
               <a:extLst>
                 <a:ext uri="{91240B29-F687-4f45-9708-019B960494DF}">
-                  <a14:hiddenLine xmlns="" xmlns:a14="http://schemas.microsoft.com/office/drawing/2010/main" w="9525">
+                  <a14:hiddenLine xmlns:a14="http://schemas.microsoft.com/office/drawing/2010/main" xmlns="" w="9525">
                     <a:solidFill>
                       <a:srgbClr val="000000"/>
                     </a:solidFill>
@@ -11142,7 +11225,7 @@
               </a:ln>
               <a:extLst>
                 <a:ext uri="{91240B29-F687-4f45-9708-019B960494DF}">
-                  <a14:hiddenLine xmlns="" xmlns:a14="http://schemas.microsoft.com/office/drawing/2010/main" w="9525">
+                  <a14:hiddenLine xmlns:a14="http://schemas.microsoft.com/office/drawing/2010/main" xmlns="" w="9525">
                     <a:solidFill>
                       <a:srgbClr val="000000"/>
                     </a:solidFill>
@@ -11204,7 +11287,7 @@
               </a:ln>
               <a:extLst>
                 <a:ext uri="{91240B29-F687-4f45-9708-019B960494DF}">
-                  <a14:hiddenLine xmlns="" xmlns:a14="http://schemas.microsoft.com/office/drawing/2010/main" w="9525">
+                  <a14:hiddenLine xmlns:a14="http://schemas.microsoft.com/office/drawing/2010/main" xmlns="" w="9525">
                     <a:solidFill>
                       <a:srgbClr val="000000"/>
                     </a:solidFill>
@@ -11294,7 +11377,7 @@
               </a:ln>
               <a:extLst>
                 <a:ext uri="{91240B29-F687-4f45-9708-019B960494DF}">
-                  <a14:hiddenLine xmlns="" xmlns:a14="http://schemas.microsoft.com/office/drawing/2010/main" w="9525">
+                  <a14:hiddenLine xmlns:a14="http://schemas.microsoft.com/office/drawing/2010/main" xmlns="" w="9525">
                     <a:solidFill>
                       <a:srgbClr val="000000"/>
                     </a:solidFill>
@@ -11359,7 +11442,7 @@
               </a:ln>
               <a:extLst>
                 <a:ext uri="{91240B29-F687-4f45-9708-019B960494DF}">
-                  <a14:hiddenLine xmlns="" xmlns:a14="http://schemas.microsoft.com/office/drawing/2010/main" w="9525">
+                  <a14:hiddenLine xmlns:a14="http://schemas.microsoft.com/office/drawing/2010/main" xmlns="" w="9525">
                     <a:solidFill>
                       <a:srgbClr val="000000"/>
                     </a:solidFill>
@@ -11421,7 +11504,7 @@
               </a:ln>
               <a:extLst>
                 <a:ext uri="{91240B29-F687-4f45-9708-019B960494DF}">
-                  <a14:hiddenLine xmlns="" xmlns:a14="http://schemas.microsoft.com/office/drawing/2010/main" w="9525">
+                  <a14:hiddenLine xmlns:a14="http://schemas.microsoft.com/office/drawing/2010/main" xmlns="" w="9525">
                     <a:solidFill>
                       <a:srgbClr val="000000"/>
                     </a:solidFill>
@@ -11511,7 +11594,7 @@
               </a:ln>
               <a:extLst>
                 <a:ext uri="{91240B29-F687-4f45-9708-019B960494DF}">
-                  <a14:hiddenLine xmlns="" xmlns:a14="http://schemas.microsoft.com/office/drawing/2010/main" w="9525">
+                  <a14:hiddenLine xmlns:a14="http://schemas.microsoft.com/office/drawing/2010/main" xmlns="" w="9525">
                     <a:solidFill>
                       <a:srgbClr val="000000"/>
                     </a:solidFill>
@@ -11601,7 +11684,7 @@
               </a:ln>
               <a:extLst>
                 <a:ext uri="{91240B29-F687-4f45-9708-019B960494DF}">
-                  <a14:hiddenLine xmlns="" xmlns:a14="http://schemas.microsoft.com/office/drawing/2010/main" w="9525">
+                  <a14:hiddenLine xmlns:a14="http://schemas.microsoft.com/office/drawing/2010/main" xmlns="" w="9525">
                     <a:solidFill>
                       <a:srgbClr val="000000"/>
                     </a:solidFill>
@@ -11666,7 +11749,7 @@
               </a:ln>
               <a:extLst>
                 <a:ext uri="{91240B29-F687-4f45-9708-019B960494DF}">
-                  <a14:hiddenLine xmlns="" xmlns:a14="http://schemas.microsoft.com/office/drawing/2010/main" w="9525">
+                  <a14:hiddenLine xmlns:a14="http://schemas.microsoft.com/office/drawing/2010/main" xmlns="" w="9525">
                     <a:solidFill>
                       <a:srgbClr val="000000"/>
                     </a:solidFill>
@@ -11786,7 +11869,7 @@
               </a:ln>
               <a:extLst>
                 <a:ext uri="{91240B29-F687-4f45-9708-019B960494DF}">
-                  <a14:hiddenLine xmlns="" xmlns:a14="http://schemas.microsoft.com/office/drawing/2010/main" w="9525">
+                  <a14:hiddenLine xmlns:a14="http://schemas.microsoft.com/office/drawing/2010/main" xmlns="" w="9525">
                     <a:solidFill>
                       <a:srgbClr val="000000"/>
                     </a:solidFill>
@@ -11867,7 +11950,7 @@
               </a:ln>
               <a:extLst>
                 <a:ext uri="{91240B29-F687-4f45-9708-019B960494DF}">
-                  <a14:hiddenLine xmlns="" xmlns:a14="http://schemas.microsoft.com/office/drawing/2010/main" w="9525">
+                  <a14:hiddenLine xmlns:a14="http://schemas.microsoft.com/office/drawing/2010/main" xmlns="" w="9525">
                     <a:solidFill>
                       <a:srgbClr val="000000"/>
                     </a:solidFill>
@@ -11982,7 +12065,7 @@
               </a:ln>
               <a:extLst>
                 <a:ext uri="{91240B29-F687-4f45-9708-019B960494DF}">
-                  <a14:hiddenLine xmlns="" xmlns:a14="http://schemas.microsoft.com/office/drawing/2010/main" w="9525">
+                  <a14:hiddenLine xmlns:a14="http://schemas.microsoft.com/office/drawing/2010/main" xmlns="" w="9525">
                     <a:solidFill>
                       <a:srgbClr val="000000"/>
                     </a:solidFill>
@@ -12072,7 +12155,7 @@
               </a:ln>
               <a:extLst>
                 <a:ext uri="{91240B29-F687-4f45-9708-019B960494DF}">
-                  <a14:hiddenLine xmlns="" xmlns:a14="http://schemas.microsoft.com/office/drawing/2010/main" w="9525">
+                  <a14:hiddenLine xmlns:a14="http://schemas.microsoft.com/office/drawing/2010/main" xmlns="" w="9525">
                     <a:solidFill>
                       <a:srgbClr val="000000"/>
                     </a:solidFill>
@@ -12137,7 +12220,7 @@
               </a:ln>
               <a:extLst>
                 <a:ext uri="{91240B29-F687-4f45-9708-019B960494DF}">
-                  <a14:hiddenLine xmlns="" xmlns:a14="http://schemas.microsoft.com/office/drawing/2010/main" w="9525">
+                  <a14:hiddenLine xmlns:a14="http://schemas.microsoft.com/office/drawing/2010/main" xmlns="" w="9525">
                     <a:solidFill>
                       <a:srgbClr val="000000"/>
                     </a:solidFill>
@@ -12227,7 +12310,7 @@
               </a:ln>
               <a:extLst>
                 <a:ext uri="{91240B29-F687-4f45-9708-019B960494DF}">
-                  <a14:hiddenLine xmlns="" xmlns:a14="http://schemas.microsoft.com/office/drawing/2010/main" w="9525">
+                  <a14:hiddenLine xmlns:a14="http://schemas.microsoft.com/office/drawing/2010/main" xmlns="" w="9525">
                     <a:solidFill>
                       <a:srgbClr val="000000"/>
                     </a:solidFill>
@@ -12295,7 +12378,7 @@
               </a:ln>
               <a:extLst>
                 <a:ext uri="{91240B29-F687-4f45-9708-019B960494DF}">
-                  <a14:hiddenLine xmlns="" xmlns:a14="http://schemas.microsoft.com/office/drawing/2010/main" w="9525">
+                  <a14:hiddenLine xmlns:a14="http://schemas.microsoft.com/office/drawing/2010/main" xmlns="" w="9525">
                     <a:solidFill>
                       <a:srgbClr val="000000"/>
                     </a:solidFill>
@@ -12385,7 +12468,7 @@
               </a:ln>
               <a:extLst>
                 <a:ext uri="{91240B29-F687-4f45-9708-019B960494DF}">
-                  <a14:hiddenLine xmlns="" xmlns:a14="http://schemas.microsoft.com/office/drawing/2010/main" w="9525">
+                  <a14:hiddenLine xmlns:a14="http://schemas.microsoft.com/office/drawing/2010/main" xmlns="" w="9525">
                     <a:solidFill>
                       <a:srgbClr val="000000"/>
                     </a:solidFill>
@@ -12453,7 +12536,7 @@
               </a:ln>
               <a:extLst>
                 <a:ext uri="{91240B29-F687-4f45-9708-019B960494DF}">
-                  <a14:hiddenLine xmlns="" xmlns:a14="http://schemas.microsoft.com/office/drawing/2010/main" w="9525">
+                  <a14:hiddenLine xmlns:a14="http://schemas.microsoft.com/office/drawing/2010/main" xmlns="" w="9525">
                     <a:solidFill>
                       <a:srgbClr val="000000"/>
                     </a:solidFill>
@@ -12543,7 +12626,7 @@
               </a:ln>
               <a:extLst>
                 <a:ext uri="{91240B29-F687-4f45-9708-019B960494DF}">
-                  <a14:hiddenLine xmlns="" xmlns:a14="http://schemas.microsoft.com/office/drawing/2010/main" w="9525">
+                  <a14:hiddenLine xmlns:a14="http://schemas.microsoft.com/office/drawing/2010/main" xmlns="" w="9525">
                     <a:solidFill>
                       <a:srgbClr val="000000"/>
                     </a:solidFill>
@@ -12577,7 +12660,7 @@
               </a:ln>
               <a:extLst>
                 <a:ext uri="{91240B29-F687-4f45-9708-019B960494DF}">
-                  <a14:hiddenLine xmlns="" xmlns:a14="http://schemas.microsoft.com/office/drawing/2010/main" w="9525">
+                  <a14:hiddenLine xmlns:a14="http://schemas.microsoft.com/office/drawing/2010/main" xmlns="" w="9525">
                     <a:solidFill>
                       <a:srgbClr val="000000"/>
                     </a:solidFill>
@@ -12718,7 +12801,7 @@
             <a:fld id="{48A87A34-81AB-432B-8DAE-1953F412C126}" type="datetimeFigureOut">
               <a:rPr lang="en-US" dirty="0"/>
               <a:pPr/>
-              <a:t>4/30/2019</a:t>
+              <a:t>5/2/2019</a:t>
             </a:fld>
             <a:endParaRPr lang="en-US" dirty="0"/>
           </a:p>
@@ -13211,6 +13294,13 @@
   <p:clrMapOvr>
     <a:masterClrMapping/>
   </p:clrMapOvr>
+  <p:timing>
+    <p:tnLst>
+      <p:par>
+        <p:cTn id="1" dur="indefinite" restart="never" nodeType="tmRoot"/>
+      </p:par>
+    </p:tnLst>
+  </p:timing>
 </p:sld>
 </file>
 
@@ -13526,12 +13616,194 @@
   <p:clrMapOvr>
     <a:masterClrMapping/>
   </p:clrMapOvr>
+  <mc:AlternateContent xmlns:mc="http://schemas.openxmlformats.org/markup-compatibility/2006">
+    <mc:Choice xmlns:p14="http://schemas.microsoft.com/office/powerpoint/2010/main" Requires="p14">
+      <p:transition p14:dur="100">
+        <p:cut/>
+      </p:transition>
+    </mc:Choice>
+    <mc:Fallback>
+      <p:transition>
+        <p:cut/>
+      </p:transition>
+    </mc:Fallback>
+  </mc:AlternateContent>
   <p:timing>
     <p:tnLst>
       <p:par>
-        <p:cTn id="1" dur="indefinite" restart="never" nodeType="tmRoot"/>
+        <p:cTn id="1" dur="indefinite" restart="never" nodeType="tmRoot">
+          <p:childTnLst>
+            <p:seq concurrent="1" nextAc="seek">
+              <p:cTn id="2" dur="indefinite" nodeType="mainSeq">
+                <p:childTnLst>
+                  <p:par>
+                    <p:cTn id="3" fill="hold">
+                      <p:stCondLst>
+                        <p:cond delay="indefinite"/>
+                      </p:stCondLst>
+                      <p:childTnLst>
+                        <p:par>
+                          <p:cTn id="4" fill="hold">
+                            <p:stCondLst>
+                              <p:cond delay="0"/>
+                            </p:stCondLst>
+                            <p:childTnLst>
+                              <p:par>
+                                <p:cTn id="5" presetID="1" presetClass="entr" presetSubtype="0" fill="hold" nodeType="clickEffect">
+                                  <p:stCondLst>
+                                    <p:cond delay="0"/>
+                                  </p:stCondLst>
+                                  <p:childTnLst>
+                                    <p:set>
+                                      <p:cBhvr>
+                                        <p:cTn id="6" dur="1" fill="hold">
+                                          <p:stCondLst>
+                                            <p:cond delay="0"/>
+                                          </p:stCondLst>
+                                        </p:cTn>
+                                        <p:tgtEl>
+                                          <p:spTgt spid="3"/>
+                                        </p:tgtEl>
+                                        <p:attrNameLst>
+                                          <p:attrName>style.visibility</p:attrName>
+                                        </p:attrNameLst>
+                                      </p:cBhvr>
+                                      <p:to>
+                                        <p:strVal val="visible"/>
+                                      </p:to>
+                                    </p:set>
+                                  </p:childTnLst>
+                                </p:cTn>
+                              </p:par>
+                              <p:par>
+                                <p:cTn id="7" presetID="1" presetClass="entr" presetSubtype="0" fill="hold" nodeType="withEffect">
+                                  <p:stCondLst>
+                                    <p:cond delay="0"/>
+                                  </p:stCondLst>
+                                  <p:childTnLst>
+                                    <p:set>
+                                      <p:cBhvr>
+                                        <p:cTn id="8" dur="1" fill="hold">
+                                          <p:stCondLst>
+                                            <p:cond delay="0"/>
+                                          </p:stCondLst>
+                                        </p:cTn>
+                                        <p:tgtEl>
+                                          <p:spTgt spid="4"/>
+                                        </p:tgtEl>
+                                        <p:attrNameLst>
+                                          <p:attrName>style.visibility</p:attrName>
+                                        </p:attrNameLst>
+                                      </p:cBhvr>
+                                      <p:to>
+                                        <p:strVal val="visible"/>
+                                      </p:to>
+                                    </p:set>
+                                  </p:childTnLst>
+                                </p:cTn>
+                              </p:par>
+                              <p:par>
+                                <p:cTn id="9" presetID="1" presetClass="entr" presetSubtype="0" fill="hold" grpId="0" nodeType="withEffect">
+                                  <p:stCondLst>
+                                    <p:cond delay="0"/>
+                                  </p:stCondLst>
+                                  <p:childTnLst>
+                                    <p:set>
+                                      <p:cBhvr>
+                                        <p:cTn id="10" dur="1" fill="hold">
+                                          <p:stCondLst>
+                                            <p:cond delay="0"/>
+                                          </p:stCondLst>
+                                        </p:cTn>
+                                        <p:tgtEl>
+                                          <p:spTgt spid="9"/>
+                                        </p:tgtEl>
+                                        <p:attrNameLst>
+                                          <p:attrName>style.visibility</p:attrName>
+                                        </p:attrNameLst>
+                                      </p:cBhvr>
+                                      <p:to>
+                                        <p:strVal val="visible"/>
+                                      </p:to>
+                                    </p:set>
+                                  </p:childTnLst>
+                                </p:cTn>
+                              </p:par>
+                            </p:childTnLst>
+                          </p:cTn>
+                        </p:par>
+                      </p:childTnLst>
+                    </p:cTn>
+                  </p:par>
+                  <p:par>
+                    <p:cTn id="11" fill="hold">
+                      <p:stCondLst>
+                        <p:cond delay="indefinite"/>
+                      </p:stCondLst>
+                      <p:childTnLst>
+                        <p:par>
+                          <p:cTn id="12" fill="hold">
+                            <p:stCondLst>
+                              <p:cond delay="0"/>
+                            </p:stCondLst>
+                            <p:childTnLst>
+                              <p:par>
+                                <p:cTn id="13" presetID="1" presetClass="entr" presetSubtype="0" fill="hold" nodeType="clickEffect">
+                                  <p:stCondLst>
+                                    <p:cond delay="0"/>
+                                  </p:stCondLst>
+                                  <p:childTnLst>
+                                    <p:set>
+                                      <p:cBhvr>
+                                        <p:cTn id="14" dur="1" fill="hold">
+                                          <p:stCondLst>
+                                            <p:cond delay="0"/>
+                                          </p:stCondLst>
+                                        </p:cTn>
+                                        <p:tgtEl>
+                                          <p:spTgt spid="10"/>
+                                        </p:tgtEl>
+                                        <p:attrNameLst>
+                                          <p:attrName>style.visibility</p:attrName>
+                                        </p:attrNameLst>
+                                      </p:cBhvr>
+                                      <p:to>
+                                        <p:strVal val="visible"/>
+                                      </p:to>
+                                    </p:set>
+                                  </p:childTnLst>
+                                </p:cTn>
+                              </p:par>
+                            </p:childTnLst>
+                          </p:cTn>
+                        </p:par>
+                      </p:childTnLst>
+                    </p:cTn>
+                  </p:par>
+                </p:childTnLst>
+              </p:cTn>
+              <p:prevCondLst>
+                <p:cond evt="onPrev" delay="0">
+                  <p:tgtEl>
+                    <p:sldTgt/>
+                  </p:tgtEl>
+                </p:cond>
+              </p:prevCondLst>
+              <p:nextCondLst>
+                <p:cond evt="onNext" delay="0">
+                  <p:tgtEl>
+                    <p:sldTgt/>
+                  </p:tgtEl>
+                </p:cond>
+              </p:nextCondLst>
+            </p:seq>
+          </p:childTnLst>
+        </p:cTn>
       </p:par>
     </p:tnLst>
+    <p:bldLst>
+      <p:bldP spid="9" grpId="0" animBg="1"/>
+    </p:bldLst>
   </p:timing>
 </p:sld>
 </file>
@@ -13730,6 +14002,13 @@
   <p:clrMapOvr>
     <a:masterClrMapping/>
   </p:clrMapOvr>
+  <p:timing>
+    <p:tnLst>
+      <p:par>
+        <p:cTn id="1" dur="indefinite" restart="never" nodeType="tmRoot"/>
+      </p:par>
+    </p:tnLst>
+  </p:timing>
 </p:sld>
 </file>
 
@@ -13807,14 +14086,33 @@
           <a:p>
             <a:r>
               <a:rPr lang="en-US" dirty="0" smtClean="0"/>
-              <a:t>We don’t need template method if the subclasses will not be calling similar calls?</a:t>
+              <a:t>The </a:t>
             </a:r>
-          </a:p>
-          <a:p>
             <a:r>
               <a:rPr lang="en-US" dirty="0" smtClean="0"/>
-              <a:t>The template method cannot be define in the abstract classes?</a:t>
+              <a:t>template method cannot be define in the abstract </a:t>
             </a:r>
+            <a:r>
+              <a:rPr lang="en-US" dirty="0" smtClean="0"/>
+              <a:t>class?</a:t>
+            </a:r>
+          </a:p>
+          <a:p>
+            <a:r>
+              <a:rPr lang="en-US" dirty="0"/>
+              <a:t>Why </a:t>
+            </a:r>
+            <a:r>
+              <a:rPr lang="en-US" dirty="0" smtClean="0"/>
+              <a:t>we </a:t>
+            </a:r>
+            <a:r>
+              <a:rPr lang="en-US" dirty="0"/>
+              <a:t>don’t need template method if the subclasses will not be calling similar calls?</a:t>
+            </a:r>
+          </a:p>
+          <a:p>
+            <a:endParaRPr lang="en-US" dirty="0" smtClean="0"/>
           </a:p>
           <a:p>
             <a:endParaRPr lang="en-US" dirty="0"/>
@@ -13834,7 +14132,177 @@
   <p:timing>
     <p:tnLst>
       <p:par>
-        <p:cTn id="1" dur="indefinite" restart="never" nodeType="tmRoot"/>
+        <p:cTn id="1" dur="indefinite" restart="never" nodeType="tmRoot">
+          <p:childTnLst>
+            <p:seq concurrent="1" nextAc="seek">
+              <p:cTn id="2" dur="indefinite" nodeType="mainSeq">
+                <p:childTnLst>
+                  <p:par>
+                    <p:cTn id="3" fill="hold">
+                      <p:stCondLst>
+                        <p:cond delay="indefinite"/>
+                      </p:stCondLst>
+                      <p:childTnLst>
+                        <p:par>
+                          <p:cTn id="4" fill="hold">
+                            <p:stCondLst>
+                              <p:cond delay="0"/>
+                            </p:stCondLst>
+                            <p:childTnLst>
+                              <p:par>
+                                <p:cTn id="5" presetID="1" presetClass="entr" presetSubtype="0" fill="hold" nodeType="clickEffect">
+                                  <p:stCondLst>
+                                    <p:cond delay="0"/>
+                                  </p:stCondLst>
+                                  <p:childTnLst>
+                                    <p:set>
+                                      <p:cBhvr>
+                                        <p:cTn id="6" dur="1" fill="hold">
+                                          <p:stCondLst>
+                                            <p:cond delay="0"/>
+                                          </p:stCondLst>
+                                        </p:cTn>
+                                        <p:tgtEl>
+                                          <p:spTgt spid="7">
+                                            <p:txEl>
+                                              <p:pRg st="0" end="0"/>
+                                            </p:txEl>
+                                          </p:spTgt>
+                                        </p:tgtEl>
+                                        <p:attrNameLst>
+                                          <p:attrName>style.visibility</p:attrName>
+                                        </p:attrNameLst>
+                                      </p:cBhvr>
+                                      <p:to>
+                                        <p:strVal val="visible"/>
+                                      </p:to>
+                                    </p:set>
+                                  </p:childTnLst>
+                                </p:cTn>
+                              </p:par>
+                            </p:childTnLst>
+                          </p:cTn>
+                        </p:par>
+                      </p:childTnLst>
+                    </p:cTn>
+                  </p:par>
+                  <p:par>
+                    <p:cTn id="7" fill="hold">
+                      <p:stCondLst>
+                        <p:cond delay="indefinite"/>
+                      </p:stCondLst>
+                      <p:childTnLst>
+                        <p:par>
+                          <p:cTn id="8" fill="hold">
+                            <p:stCondLst>
+                              <p:cond delay="0"/>
+                            </p:stCondLst>
+                            <p:childTnLst>
+                              <p:par>
+                                <p:cTn id="9" presetID="1" presetClass="entr" presetSubtype="0" fill="hold" nodeType="clickEffect">
+                                  <p:stCondLst>
+                                    <p:cond delay="0"/>
+                                  </p:stCondLst>
+                                  <p:childTnLst>
+                                    <p:set>
+                                      <p:cBhvr>
+                                        <p:cTn id="10" dur="1" fill="hold">
+                                          <p:stCondLst>
+                                            <p:cond delay="0"/>
+                                          </p:stCondLst>
+                                        </p:cTn>
+                                        <p:tgtEl>
+                                          <p:spTgt spid="7">
+                                            <p:txEl>
+                                              <p:pRg st="1" end="1"/>
+                                            </p:txEl>
+                                          </p:spTgt>
+                                        </p:tgtEl>
+                                        <p:attrNameLst>
+                                          <p:attrName>style.visibility</p:attrName>
+                                        </p:attrNameLst>
+                                      </p:cBhvr>
+                                      <p:to>
+                                        <p:strVal val="visible"/>
+                                      </p:to>
+                                    </p:set>
+                                  </p:childTnLst>
+                                </p:cTn>
+                              </p:par>
+                            </p:childTnLst>
+                          </p:cTn>
+                        </p:par>
+                      </p:childTnLst>
+                    </p:cTn>
+                  </p:par>
+                  <p:par>
+                    <p:cTn id="11" fill="hold">
+                      <p:stCondLst>
+                        <p:cond delay="indefinite"/>
+                      </p:stCondLst>
+                      <p:childTnLst>
+                        <p:par>
+                          <p:cTn id="12" fill="hold">
+                            <p:stCondLst>
+                              <p:cond delay="0"/>
+                            </p:stCondLst>
+                            <p:childTnLst>
+                              <p:par>
+                                <p:cTn id="13" presetID="1" presetClass="entr" presetSubtype="0" fill="hold" nodeType="clickEffect">
+                                  <p:stCondLst>
+                                    <p:cond delay="0"/>
+                                  </p:stCondLst>
+                                  <p:childTnLst>
+                                    <p:set>
+                                      <p:cBhvr>
+                                        <p:cTn id="14" dur="1" fill="hold">
+                                          <p:stCondLst>
+                                            <p:cond delay="0"/>
+                                          </p:stCondLst>
+                                        </p:cTn>
+                                        <p:tgtEl>
+                                          <p:spTgt spid="7">
+                                            <p:txEl>
+                                              <p:pRg st="2" end="2"/>
+                                            </p:txEl>
+                                          </p:spTgt>
+                                        </p:tgtEl>
+                                        <p:attrNameLst>
+                                          <p:attrName>style.visibility</p:attrName>
+                                        </p:attrNameLst>
+                                      </p:cBhvr>
+                                      <p:to>
+                                        <p:strVal val="visible"/>
+                                      </p:to>
+                                    </p:set>
+                                  </p:childTnLst>
+                                </p:cTn>
+                              </p:par>
+                            </p:childTnLst>
+                          </p:cTn>
+                        </p:par>
+                      </p:childTnLst>
+                    </p:cTn>
+                  </p:par>
+                </p:childTnLst>
+              </p:cTn>
+              <p:prevCondLst>
+                <p:cond evt="onPrev" delay="0">
+                  <p:tgtEl>
+                    <p:sldTgt/>
+                  </p:tgtEl>
+                </p:cond>
+              </p:prevCondLst>
+              <p:nextCondLst>
+                <p:cond evt="onNext" delay="0">
+                  <p:tgtEl>
+                    <p:sldTgt/>
+                  </p:tgtEl>
+                </p:cond>
+              </p:nextCondLst>
+            </p:seq>
+          </p:childTnLst>
+        </p:cTn>
       </p:par>
     </p:tnLst>
   </p:timing>
@@ -13927,6 +14395,13 @@
   <p:clrMapOvr>
     <a:masterClrMapping/>
   </p:clrMapOvr>
+  <p:timing>
+    <p:tnLst>
+      <p:par>
+        <p:cTn id="1" dur="indefinite" restart="never" nodeType="tmRoot"/>
+      </p:par>
+    </p:tnLst>
+  </p:timing>
 </p:sld>
 </file>
 

--- a/Design Patterns/Template Design Pattern.pptx
+++ b/Design Patterns/Template Design Pattern.pptx
@@ -1042,7 +1042,7 @@
           <a:noFill/>
           <a:extLst>
             <a:ext uri="{909E8E84-426E-40dd-AFC4-6F175D3DCCD1}">
-              <a14:hiddenFill xmlns:a14="http://schemas.microsoft.com/office/drawing/2010/main" xmlns="">
+              <a14:hiddenFill xmlns="" xmlns:a14="http://schemas.microsoft.com/office/drawing/2010/main">
                 <a:solidFill>
                   <a:srgbClr val="FFFFFF"/>
                 </a:solidFill>
@@ -1101,7 +1101,7 @@
             </a:ln>
             <a:extLst>
               <a:ext uri="{91240B29-F687-4f45-9708-019B960494DF}">
-                <a14:hiddenLine xmlns:a14="http://schemas.microsoft.com/office/drawing/2010/main" xmlns="" w="9525">
+                <a14:hiddenLine xmlns="" xmlns:a14="http://schemas.microsoft.com/office/drawing/2010/main" w="9525">
                   <a:solidFill>
                     <a:srgbClr val="000000"/>
                   </a:solidFill>
@@ -1191,7 +1191,7 @@
             </a:ln>
             <a:extLst>
               <a:ext uri="{91240B29-F687-4f45-9708-019B960494DF}">
-                <a14:hiddenLine xmlns:a14="http://schemas.microsoft.com/office/drawing/2010/main" xmlns="" w="9525">
+                <a14:hiddenLine xmlns="" xmlns:a14="http://schemas.microsoft.com/office/drawing/2010/main" w="9525">
                   <a:solidFill>
                     <a:srgbClr val="000000"/>
                   </a:solidFill>
@@ -1281,7 +1281,7 @@
             </a:ln>
             <a:extLst>
               <a:ext uri="{91240B29-F687-4f45-9708-019B960494DF}">
-                <a14:hiddenLine xmlns:a14="http://schemas.microsoft.com/office/drawing/2010/main" xmlns="" w="9525">
+                <a14:hiddenLine xmlns="" xmlns:a14="http://schemas.microsoft.com/office/drawing/2010/main" w="9525">
                   <a:solidFill>
                     <a:srgbClr val="000000"/>
                   </a:solidFill>
@@ -1315,7 +1315,7 @@
             </a:ln>
             <a:extLst>
               <a:ext uri="{91240B29-F687-4f45-9708-019B960494DF}">
-                <a14:hiddenLine xmlns:a14="http://schemas.microsoft.com/office/drawing/2010/main" xmlns="" w="9525">
+                <a14:hiddenLine xmlns="" xmlns:a14="http://schemas.microsoft.com/office/drawing/2010/main" w="9525">
                   <a:solidFill>
                     <a:srgbClr val="000000"/>
                   </a:solidFill>
@@ -1405,7 +1405,7 @@
             </a:ln>
             <a:extLst>
               <a:ext uri="{91240B29-F687-4f45-9708-019B960494DF}">
-                <a14:hiddenLine xmlns:a14="http://schemas.microsoft.com/office/drawing/2010/main" xmlns="" w="9525">
+                <a14:hiddenLine xmlns="" xmlns:a14="http://schemas.microsoft.com/office/drawing/2010/main" w="9525">
                   <a:solidFill>
                     <a:srgbClr val="000000"/>
                   </a:solidFill>
@@ -1467,7 +1467,7 @@
             </a:ln>
             <a:extLst>
               <a:ext uri="{91240B29-F687-4f45-9708-019B960494DF}">
-                <a14:hiddenLine xmlns:a14="http://schemas.microsoft.com/office/drawing/2010/main" xmlns="" w="9525">
+                <a14:hiddenLine xmlns="" xmlns:a14="http://schemas.microsoft.com/office/drawing/2010/main" w="9525">
                   <a:solidFill>
                     <a:srgbClr val="000000"/>
                   </a:solidFill>
@@ -1529,7 +1529,7 @@
             </a:ln>
             <a:extLst>
               <a:ext uri="{91240B29-F687-4f45-9708-019B960494DF}">
-                <a14:hiddenLine xmlns:a14="http://schemas.microsoft.com/office/drawing/2010/main" xmlns="" w="9525">
+                <a14:hiddenLine xmlns="" xmlns:a14="http://schemas.microsoft.com/office/drawing/2010/main" w="9525">
                   <a:solidFill>
                     <a:srgbClr val="000000"/>
                   </a:solidFill>
@@ -1619,7 +1619,7 @@
             </a:ln>
             <a:extLst>
               <a:ext uri="{91240B29-F687-4f45-9708-019B960494DF}">
-                <a14:hiddenLine xmlns:a14="http://schemas.microsoft.com/office/drawing/2010/main" xmlns="" w="9525">
+                <a14:hiddenLine xmlns="" xmlns:a14="http://schemas.microsoft.com/office/drawing/2010/main" w="9525">
                   <a:solidFill>
                     <a:srgbClr val="000000"/>
                   </a:solidFill>
@@ -1681,7 +1681,7 @@
             </a:ln>
             <a:extLst>
               <a:ext uri="{91240B29-F687-4f45-9708-019B960494DF}">
-                <a14:hiddenLine xmlns:a14="http://schemas.microsoft.com/office/drawing/2010/main" xmlns="" w="9525">
+                <a14:hiddenLine xmlns="" xmlns:a14="http://schemas.microsoft.com/office/drawing/2010/main" w="9525">
                   <a:solidFill>
                     <a:srgbClr val="000000"/>
                   </a:solidFill>
@@ -1743,7 +1743,7 @@
             </a:ln>
             <a:extLst>
               <a:ext uri="{91240B29-F687-4f45-9708-019B960494DF}">
-                <a14:hiddenLine xmlns:a14="http://schemas.microsoft.com/office/drawing/2010/main" xmlns="" w="9525">
+                <a14:hiddenLine xmlns="" xmlns:a14="http://schemas.microsoft.com/office/drawing/2010/main" w="9525">
                   <a:solidFill>
                     <a:srgbClr val="000000"/>
                   </a:solidFill>
@@ -1833,7 +1833,7 @@
             </a:ln>
             <a:extLst>
               <a:ext uri="{91240B29-F687-4f45-9708-019B960494DF}">
-                <a14:hiddenLine xmlns:a14="http://schemas.microsoft.com/office/drawing/2010/main" xmlns="" w="9525">
+                <a14:hiddenLine xmlns="" xmlns:a14="http://schemas.microsoft.com/office/drawing/2010/main" w="9525">
                   <a:solidFill>
                     <a:srgbClr val="000000"/>
                   </a:solidFill>
@@ -1923,7 +1923,7 @@
             </a:ln>
             <a:extLst>
               <a:ext uri="{91240B29-F687-4f45-9708-019B960494DF}">
-                <a14:hiddenLine xmlns:a14="http://schemas.microsoft.com/office/drawing/2010/main" xmlns="" w="9525">
+                <a14:hiddenLine xmlns="" xmlns:a14="http://schemas.microsoft.com/office/drawing/2010/main" w="9525">
                   <a:solidFill>
                     <a:srgbClr val="000000"/>
                   </a:solidFill>
@@ -1985,7 +1985,7 @@
             </a:ln>
             <a:extLst>
               <a:ext uri="{91240B29-F687-4f45-9708-019B960494DF}">
-                <a14:hiddenLine xmlns:a14="http://schemas.microsoft.com/office/drawing/2010/main" xmlns="" w="9525">
+                <a14:hiddenLine xmlns="" xmlns:a14="http://schemas.microsoft.com/office/drawing/2010/main" w="9525">
                   <a:solidFill>
                     <a:srgbClr val="000000"/>
                   </a:solidFill>
@@ -2095,7 +2095,7 @@
             </a:ln>
             <a:extLst>
               <a:ext uri="{91240B29-F687-4f45-9708-019B960494DF}">
-                <a14:hiddenLine xmlns:a14="http://schemas.microsoft.com/office/drawing/2010/main" xmlns="" w="9525">
+                <a14:hiddenLine xmlns="" xmlns:a14="http://schemas.microsoft.com/office/drawing/2010/main" w="9525">
                   <a:solidFill>
                     <a:srgbClr val="000000"/>
                   </a:solidFill>
@@ -2157,7 +2157,7 @@
             </a:ln>
             <a:extLst>
               <a:ext uri="{91240B29-F687-4f45-9708-019B960494DF}">
-                <a14:hiddenLine xmlns:a14="http://schemas.microsoft.com/office/drawing/2010/main" xmlns="" w="9525">
+                <a14:hiddenLine xmlns="" xmlns:a14="http://schemas.microsoft.com/office/drawing/2010/main" w="9525">
                   <a:solidFill>
                     <a:srgbClr val="000000"/>
                   </a:solidFill>
@@ -2247,7 +2247,7 @@
             </a:ln>
             <a:extLst>
               <a:ext uri="{91240B29-F687-4f45-9708-019B960494DF}">
-                <a14:hiddenLine xmlns:a14="http://schemas.microsoft.com/office/drawing/2010/main" xmlns="" w="9525">
+                <a14:hiddenLine xmlns="" xmlns:a14="http://schemas.microsoft.com/office/drawing/2010/main" w="9525">
                   <a:solidFill>
                     <a:srgbClr val="000000"/>
                   </a:solidFill>
@@ -2337,7 +2337,7 @@
             </a:ln>
             <a:extLst>
               <a:ext uri="{91240B29-F687-4f45-9708-019B960494DF}">
-                <a14:hiddenLine xmlns:a14="http://schemas.microsoft.com/office/drawing/2010/main" xmlns="" w="9525">
+                <a14:hiddenLine xmlns="" xmlns:a14="http://schemas.microsoft.com/office/drawing/2010/main" w="9525">
                   <a:solidFill>
                     <a:srgbClr val="000000"/>
                   </a:solidFill>
@@ -2399,7 +2399,7 @@
             </a:ln>
             <a:extLst>
               <a:ext uri="{91240B29-F687-4f45-9708-019B960494DF}">
-                <a14:hiddenLine xmlns:a14="http://schemas.microsoft.com/office/drawing/2010/main" xmlns="" w="9525">
+                <a14:hiddenLine xmlns="" xmlns:a14="http://schemas.microsoft.com/office/drawing/2010/main" w="9525">
                   <a:solidFill>
                     <a:srgbClr val="000000"/>
                   </a:solidFill>
@@ -2489,7 +2489,7 @@
             </a:ln>
             <a:extLst>
               <a:ext uri="{91240B29-F687-4f45-9708-019B960494DF}">
-                <a14:hiddenLine xmlns:a14="http://schemas.microsoft.com/office/drawing/2010/main" xmlns="" w="9525">
+                <a14:hiddenLine xmlns="" xmlns:a14="http://schemas.microsoft.com/office/drawing/2010/main" w="9525">
                   <a:solidFill>
                     <a:srgbClr val="000000"/>
                   </a:solidFill>
@@ -2579,7 +2579,7 @@
             </a:ln>
             <a:extLst>
               <a:ext uri="{91240B29-F687-4f45-9708-019B960494DF}">
-                <a14:hiddenLine xmlns:a14="http://schemas.microsoft.com/office/drawing/2010/main" xmlns="" w="9525">
+                <a14:hiddenLine xmlns="" xmlns:a14="http://schemas.microsoft.com/office/drawing/2010/main" w="9525">
                   <a:solidFill>
                     <a:srgbClr val="000000"/>
                   </a:solidFill>
@@ -2635,7 +2635,7 @@
             </a:ln>
             <a:extLst>
               <a:ext uri="{91240B29-F687-4f45-9708-019B960494DF}">
-                <a14:hiddenLine xmlns:a14="http://schemas.microsoft.com/office/drawing/2010/main" xmlns="" w="9525">
+                <a14:hiddenLine xmlns="" xmlns:a14="http://schemas.microsoft.com/office/drawing/2010/main" w="9525">
                   <a:solidFill>
                     <a:srgbClr val="000000"/>
                   </a:solidFill>
@@ -2725,7 +2725,7 @@
             </a:ln>
             <a:extLst>
               <a:ext uri="{91240B29-F687-4f45-9708-019B960494DF}">
-                <a14:hiddenLine xmlns:a14="http://schemas.microsoft.com/office/drawing/2010/main" xmlns="" w="9525">
+                <a14:hiddenLine xmlns="" xmlns:a14="http://schemas.microsoft.com/office/drawing/2010/main" w="9525">
                   <a:solidFill>
                     <a:srgbClr val="000000"/>
                   </a:solidFill>
@@ -2781,7 +2781,7 @@
             </a:ln>
             <a:extLst>
               <a:ext uri="{91240B29-F687-4f45-9708-019B960494DF}">
-                <a14:hiddenLine xmlns:a14="http://schemas.microsoft.com/office/drawing/2010/main" xmlns="" w="9525">
+                <a14:hiddenLine xmlns="" xmlns:a14="http://schemas.microsoft.com/office/drawing/2010/main" w="9525">
                   <a:solidFill>
                     <a:srgbClr val="000000"/>
                   </a:solidFill>
@@ -2871,7 +2871,7 @@
             </a:ln>
             <a:extLst>
               <a:ext uri="{91240B29-F687-4f45-9708-019B960494DF}">
-                <a14:hiddenLine xmlns:a14="http://schemas.microsoft.com/office/drawing/2010/main" xmlns="" w="9525">
+                <a14:hiddenLine xmlns="" xmlns:a14="http://schemas.microsoft.com/office/drawing/2010/main" w="9525">
                   <a:solidFill>
                     <a:srgbClr val="000000"/>
                   </a:solidFill>
@@ -2939,7 +2939,7 @@
             </a:ln>
             <a:extLst>
               <a:ext uri="{91240B29-F687-4f45-9708-019B960494DF}">
-                <a14:hiddenLine xmlns:a14="http://schemas.microsoft.com/office/drawing/2010/main" xmlns="" w="9525">
+                <a14:hiddenLine xmlns="" xmlns:a14="http://schemas.microsoft.com/office/drawing/2010/main" w="9525">
                   <a:solidFill>
                     <a:srgbClr val="000000"/>
                   </a:solidFill>
@@ -3029,7 +3029,7 @@
             </a:ln>
             <a:extLst>
               <a:ext uri="{91240B29-F687-4f45-9708-019B960494DF}">
-                <a14:hiddenLine xmlns:a14="http://schemas.microsoft.com/office/drawing/2010/main" xmlns="" w="9525">
+                <a14:hiddenLine xmlns="" xmlns:a14="http://schemas.microsoft.com/office/drawing/2010/main" w="9525">
                   <a:solidFill>
                     <a:srgbClr val="000000"/>
                   </a:solidFill>
@@ -3097,7 +3097,7 @@
             </a:ln>
             <a:extLst>
               <a:ext uri="{91240B29-F687-4f45-9708-019B960494DF}">
-                <a14:hiddenLine xmlns:a14="http://schemas.microsoft.com/office/drawing/2010/main" xmlns="" w="9525">
+                <a14:hiddenLine xmlns="" xmlns:a14="http://schemas.microsoft.com/office/drawing/2010/main" w="9525">
                   <a:solidFill>
                     <a:srgbClr val="000000"/>
                   </a:solidFill>
@@ -3187,7 +3187,7 @@
             </a:ln>
             <a:extLst>
               <a:ext uri="{91240B29-F687-4f45-9708-019B960494DF}">
-                <a14:hiddenLine xmlns:a14="http://schemas.microsoft.com/office/drawing/2010/main" xmlns="" w="9525">
+                <a14:hiddenLine xmlns="" xmlns:a14="http://schemas.microsoft.com/office/drawing/2010/main" w="9525">
                   <a:solidFill>
                     <a:srgbClr val="000000"/>
                   </a:solidFill>
@@ -3221,7 +3221,7 @@
             </a:ln>
             <a:extLst>
               <a:ext uri="{91240B29-F687-4f45-9708-019B960494DF}">
-                <a14:hiddenLine xmlns:a14="http://schemas.microsoft.com/office/drawing/2010/main" xmlns="" w="9525">
+                <a14:hiddenLine xmlns="" xmlns:a14="http://schemas.microsoft.com/office/drawing/2010/main" w="9525">
                   <a:solidFill>
                     <a:srgbClr val="000000"/>
                   </a:solidFill>
@@ -3311,7 +3311,7 @@
             </a:ln>
             <a:extLst>
               <a:ext uri="{91240B29-F687-4f45-9708-019B960494DF}">
-                <a14:hiddenLine xmlns:a14="http://schemas.microsoft.com/office/drawing/2010/main" xmlns="" w="9525">
+                <a14:hiddenLine xmlns="" xmlns:a14="http://schemas.microsoft.com/office/drawing/2010/main" w="9525">
                   <a:solidFill>
                     <a:srgbClr val="000000"/>
                   </a:solidFill>
@@ -3373,7 +3373,7 @@
             </a:ln>
             <a:extLst>
               <a:ext uri="{91240B29-F687-4f45-9708-019B960494DF}">
-                <a14:hiddenLine xmlns:a14="http://schemas.microsoft.com/office/drawing/2010/main" xmlns="" w="9525">
+                <a14:hiddenLine xmlns="" xmlns:a14="http://schemas.microsoft.com/office/drawing/2010/main" w="9525">
                   <a:solidFill>
                     <a:srgbClr val="000000"/>
                   </a:solidFill>
@@ -3435,7 +3435,7 @@
             </a:ln>
             <a:extLst>
               <a:ext uri="{91240B29-F687-4f45-9708-019B960494DF}">
-                <a14:hiddenLine xmlns:a14="http://schemas.microsoft.com/office/drawing/2010/main" xmlns="" w="9525">
+                <a14:hiddenLine xmlns="" xmlns:a14="http://schemas.microsoft.com/office/drawing/2010/main" w="9525">
                   <a:solidFill>
                     <a:srgbClr val="000000"/>
                   </a:solidFill>
@@ -3525,7 +3525,7 @@
             </a:ln>
             <a:extLst>
               <a:ext uri="{91240B29-F687-4f45-9708-019B960494DF}">
-                <a14:hiddenLine xmlns:a14="http://schemas.microsoft.com/office/drawing/2010/main" xmlns="" w="9525">
+                <a14:hiddenLine xmlns="" xmlns:a14="http://schemas.microsoft.com/office/drawing/2010/main" w="9525">
                   <a:solidFill>
                     <a:srgbClr val="000000"/>
                   </a:solidFill>
@@ -3593,7 +3593,7 @@
             </a:ln>
             <a:extLst>
               <a:ext uri="{91240B29-F687-4f45-9708-019B960494DF}">
-                <a14:hiddenLine xmlns:a14="http://schemas.microsoft.com/office/drawing/2010/main" xmlns="" w="9525">
+                <a14:hiddenLine xmlns="" xmlns:a14="http://schemas.microsoft.com/office/drawing/2010/main" w="9525">
                   <a:solidFill>
                     <a:srgbClr val="000000"/>
                   </a:solidFill>
@@ -3655,7 +3655,7 @@
             </a:ln>
             <a:extLst>
               <a:ext uri="{91240B29-F687-4f45-9708-019B960494DF}">
-                <a14:hiddenLine xmlns:a14="http://schemas.microsoft.com/office/drawing/2010/main" xmlns="" w="9525">
+                <a14:hiddenLine xmlns="" xmlns:a14="http://schemas.microsoft.com/office/drawing/2010/main" w="9525">
                   <a:solidFill>
                     <a:srgbClr val="000000"/>
                   </a:solidFill>
@@ -3745,7 +3745,7 @@
             </a:ln>
             <a:extLst>
               <a:ext uri="{91240B29-F687-4f45-9708-019B960494DF}">
-                <a14:hiddenLine xmlns:a14="http://schemas.microsoft.com/office/drawing/2010/main" xmlns="" w="9525">
+                <a14:hiddenLine xmlns="" xmlns:a14="http://schemas.microsoft.com/office/drawing/2010/main" w="9525">
                   <a:solidFill>
                     <a:srgbClr val="000000"/>
                   </a:solidFill>
@@ -3807,7 +3807,7 @@
             </a:ln>
             <a:extLst>
               <a:ext uri="{91240B29-F687-4f45-9708-019B960494DF}">
-                <a14:hiddenLine xmlns:a14="http://schemas.microsoft.com/office/drawing/2010/main" xmlns="" w="9525">
+                <a14:hiddenLine xmlns="" xmlns:a14="http://schemas.microsoft.com/office/drawing/2010/main" w="9525">
                   <a:solidFill>
                     <a:srgbClr val="000000"/>
                   </a:solidFill>
@@ -3897,7 +3897,7 @@
             </a:ln>
             <a:extLst>
               <a:ext uri="{91240B29-F687-4f45-9708-019B960494DF}">
-                <a14:hiddenLine xmlns:a14="http://schemas.microsoft.com/office/drawing/2010/main" xmlns="" w="9525">
+                <a14:hiddenLine xmlns="" xmlns:a14="http://schemas.microsoft.com/office/drawing/2010/main" w="9525">
                   <a:solidFill>
                     <a:srgbClr val="000000"/>
                   </a:solidFill>
@@ -3959,7 +3959,7 @@
             </a:ln>
             <a:extLst>
               <a:ext uri="{91240B29-F687-4f45-9708-019B960494DF}">
-                <a14:hiddenLine xmlns:a14="http://schemas.microsoft.com/office/drawing/2010/main" xmlns="" w="9525">
+                <a14:hiddenLine xmlns="" xmlns:a14="http://schemas.microsoft.com/office/drawing/2010/main" w="9525">
                   <a:solidFill>
                     <a:srgbClr val="000000"/>
                   </a:solidFill>
@@ -4049,7 +4049,7 @@
             </a:ln>
             <a:extLst>
               <a:ext uri="{91240B29-F687-4f45-9708-019B960494DF}">
-                <a14:hiddenLine xmlns:a14="http://schemas.microsoft.com/office/drawing/2010/main" xmlns="" w="9525">
+                <a14:hiddenLine xmlns="" xmlns:a14="http://schemas.microsoft.com/office/drawing/2010/main" w="9525">
                   <a:solidFill>
                     <a:srgbClr val="000000"/>
                   </a:solidFill>
@@ -4083,7 +4083,7 @@
             </a:ln>
             <a:extLst>
               <a:ext uri="{91240B29-F687-4f45-9708-019B960494DF}">
-                <a14:hiddenLine xmlns:a14="http://schemas.microsoft.com/office/drawing/2010/main" xmlns="" w="9525">
+                <a14:hiddenLine xmlns="" xmlns:a14="http://schemas.microsoft.com/office/drawing/2010/main" w="9525">
                   <a:solidFill>
                     <a:srgbClr val="000000"/>
                   </a:solidFill>
@@ -4148,7 +4148,7 @@
             </a:ln>
             <a:extLst>
               <a:ext uri="{91240B29-F687-4f45-9708-019B960494DF}">
-                <a14:hiddenLine xmlns:a14="http://schemas.microsoft.com/office/drawing/2010/main" xmlns="" w="9525">
+                <a14:hiddenLine xmlns="" xmlns:a14="http://schemas.microsoft.com/office/drawing/2010/main" w="9525">
                   <a:solidFill>
                     <a:srgbClr val="000000"/>
                   </a:solidFill>
@@ -4238,7 +4238,7 @@
             </a:ln>
             <a:extLst>
               <a:ext uri="{91240B29-F687-4f45-9708-019B960494DF}">
-                <a14:hiddenLine xmlns:a14="http://schemas.microsoft.com/office/drawing/2010/main" xmlns="" w="9525">
+                <a14:hiddenLine xmlns="" xmlns:a14="http://schemas.microsoft.com/office/drawing/2010/main" w="9525">
                   <a:solidFill>
                     <a:srgbClr val="000000"/>
                   </a:solidFill>
@@ -4300,7 +4300,7 @@
             </a:ln>
             <a:extLst>
               <a:ext uri="{91240B29-F687-4f45-9708-019B960494DF}">
-                <a14:hiddenLine xmlns:a14="http://schemas.microsoft.com/office/drawing/2010/main" xmlns="" w="9525">
+                <a14:hiddenLine xmlns="" xmlns:a14="http://schemas.microsoft.com/office/drawing/2010/main" w="9525">
                   <a:solidFill>
                     <a:srgbClr val="000000"/>
                   </a:solidFill>
@@ -4390,7 +4390,7 @@
             </a:ln>
             <a:extLst>
               <a:ext uri="{91240B29-F687-4f45-9708-019B960494DF}">
-                <a14:hiddenLine xmlns:a14="http://schemas.microsoft.com/office/drawing/2010/main" xmlns="" w="9525">
+                <a14:hiddenLine xmlns="" xmlns:a14="http://schemas.microsoft.com/office/drawing/2010/main" w="9525">
                   <a:solidFill>
                     <a:srgbClr val="000000"/>
                   </a:solidFill>
@@ -4480,7 +4480,7 @@
             </a:ln>
             <a:extLst>
               <a:ext uri="{91240B29-F687-4f45-9708-019B960494DF}">
-                <a14:hiddenLine xmlns:a14="http://schemas.microsoft.com/office/drawing/2010/main" xmlns="" w="9525">
+                <a14:hiddenLine xmlns="" xmlns:a14="http://schemas.microsoft.com/office/drawing/2010/main" w="9525">
                   <a:solidFill>
                     <a:srgbClr val="000000"/>
                   </a:solidFill>
@@ -4545,7 +4545,7 @@
             </a:ln>
             <a:extLst>
               <a:ext uri="{91240B29-F687-4f45-9708-019B960494DF}">
-                <a14:hiddenLine xmlns:a14="http://schemas.microsoft.com/office/drawing/2010/main" xmlns="" w="9525">
+                <a14:hiddenLine xmlns="" xmlns:a14="http://schemas.microsoft.com/office/drawing/2010/main" w="9525">
                   <a:solidFill>
                     <a:srgbClr val="000000"/>
                   </a:solidFill>
@@ -4607,7 +4607,7 @@
             </a:ln>
             <a:extLst>
               <a:ext uri="{91240B29-F687-4f45-9708-019B960494DF}">
-                <a14:hiddenLine xmlns:a14="http://schemas.microsoft.com/office/drawing/2010/main" xmlns="" w="9525">
+                <a14:hiddenLine xmlns="" xmlns:a14="http://schemas.microsoft.com/office/drawing/2010/main" w="9525">
                   <a:solidFill>
                     <a:srgbClr val="000000"/>
                   </a:solidFill>
@@ -4697,7 +4697,7 @@
             </a:ln>
             <a:extLst>
               <a:ext uri="{91240B29-F687-4f45-9708-019B960494DF}">
-                <a14:hiddenLine xmlns:a14="http://schemas.microsoft.com/office/drawing/2010/main" xmlns="" w="9525">
+                <a14:hiddenLine xmlns="" xmlns:a14="http://schemas.microsoft.com/office/drawing/2010/main" w="9525">
                   <a:solidFill>
                     <a:srgbClr val="000000"/>
                   </a:solidFill>
@@ -4787,7 +4787,7 @@
             </a:ln>
             <a:extLst>
               <a:ext uri="{91240B29-F687-4f45-9708-019B960494DF}">
-                <a14:hiddenLine xmlns:a14="http://schemas.microsoft.com/office/drawing/2010/main" xmlns="" w="9525">
+                <a14:hiddenLine xmlns="" xmlns:a14="http://schemas.microsoft.com/office/drawing/2010/main" w="9525">
                   <a:solidFill>
                     <a:srgbClr val="000000"/>
                   </a:solidFill>
@@ -4849,7 +4849,7 @@
             </a:ln>
             <a:extLst>
               <a:ext uri="{91240B29-F687-4f45-9708-019B960494DF}">
-                <a14:hiddenLine xmlns:a14="http://schemas.microsoft.com/office/drawing/2010/main" xmlns="" w="9525">
+                <a14:hiddenLine xmlns="" xmlns:a14="http://schemas.microsoft.com/office/drawing/2010/main" w="9525">
                   <a:solidFill>
                     <a:srgbClr val="000000"/>
                   </a:solidFill>
@@ -4969,7 +4969,7 @@
             </a:ln>
             <a:extLst>
               <a:ext uri="{91240B29-F687-4f45-9708-019B960494DF}">
-                <a14:hiddenLine xmlns:a14="http://schemas.microsoft.com/office/drawing/2010/main" xmlns="" w="9525">
+                <a14:hiddenLine xmlns="" xmlns:a14="http://schemas.microsoft.com/office/drawing/2010/main" w="9525">
                   <a:solidFill>
                     <a:srgbClr val="000000"/>
                   </a:solidFill>
@@ -5037,7 +5037,7 @@
             </a:ln>
             <a:extLst>
               <a:ext uri="{91240B29-F687-4f45-9708-019B960494DF}">
-                <a14:hiddenLine xmlns:a14="http://schemas.microsoft.com/office/drawing/2010/main" xmlns="" w="9525">
+                <a14:hiddenLine xmlns="" xmlns:a14="http://schemas.microsoft.com/office/drawing/2010/main" w="9525">
                   <a:solidFill>
                     <a:srgbClr val="000000"/>
                   </a:solidFill>
@@ -5127,7 +5127,7 @@
             </a:ln>
             <a:extLst>
               <a:ext uri="{91240B29-F687-4f45-9708-019B960494DF}">
-                <a14:hiddenLine xmlns:a14="http://schemas.microsoft.com/office/drawing/2010/main" xmlns="" w="9525">
+                <a14:hiddenLine xmlns="" xmlns:a14="http://schemas.microsoft.com/office/drawing/2010/main" w="9525">
                   <a:solidFill>
                     <a:srgbClr val="000000"/>
                   </a:solidFill>
@@ -9856,7 +9856,7 @@
           <a:noFill/>
           <a:extLst>
             <a:ext uri="{909E8E84-426E-40dd-AFC4-6F175D3DCCD1}">
-              <a14:hiddenFill xmlns:a14="http://schemas.microsoft.com/office/drawing/2010/main" xmlns="">
+              <a14:hiddenFill xmlns="" xmlns:a14="http://schemas.microsoft.com/office/drawing/2010/main">
                 <a:solidFill>
                   <a:srgbClr val="FFFFFF"/>
                 </a:solidFill>
@@ -9930,7 +9930,7 @@
               </a:ln>
               <a:extLst>
                 <a:ext uri="{91240B29-F687-4f45-9708-019B960494DF}">
-                  <a14:hiddenLine xmlns:a14="http://schemas.microsoft.com/office/drawing/2010/main" xmlns="" w="9525">
+                  <a14:hiddenLine xmlns="" xmlns:a14="http://schemas.microsoft.com/office/drawing/2010/main" w="9525">
                     <a:solidFill>
                       <a:srgbClr val="000000"/>
                     </a:solidFill>
@@ -10020,7 +10020,7 @@
               </a:ln>
               <a:extLst>
                 <a:ext uri="{91240B29-F687-4f45-9708-019B960494DF}">
-                  <a14:hiddenLine xmlns:a14="http://schemas.microsoft.com/office/drawing/2010/main" xmlns="" w="9525">
+                  <a14:hiddenLine xmlns="" xmlns:a14="http://schemas.microsoft.com/office/drawing/2010/main" w="9525">
                     <a:solidFill>
                       <a:srgbClr val="000000"/>
                     </a:solidFill>
@@ -10110,7 +10110,7 @@
               </a:ln>
               <a:extLst>
                 <a:ext uri="{91240B29-F687-4f45-9708-019B960494DF}">
-                  <a14:hiddenLine xmlns:a14="http://schemas.microsoft.com/office/drawing/2010/main" xmlns="" w="9525">
+                  <a14:hiddenLine xmlns="" xmlns:a14="http://schemas.microsoft.com/office/drawing/2010/main" w="9525">
                     <a:solidFill>
                       <a:srgbClr val="000000"/>
                     </a:solidFill>
@@ -10172,7 +10172,7 @@
               </a:ln>
               <a:extLst>
                 <a:ext uri="{91240B29-F687-4f45-9708-019B960494DF}">
-                  <a14:hiddenLine xmlns:a14="http://schemas.microsoft.com/office/drawing/2010/main" xmlns="" w="9525">
+                  <a14:hiddenLine xmlns="" xmlns:a14="http://schemas.microsoft.com/office/drawing/2010/main" w="9525">
                     <a:solidFill>
                       <a:srgbClr val="000000"/>
                     </a:solidFill>
@@ -10262,7 +10262,7 @@
               </a:ln>
               <a:extLst>
                 <a:ext uri="{91240B29-F687-4f45-9708-019B960494DF}">
-                  <a14:hiddenLine xmlns:a14="http://schemas.microsoft.com/office/drawing/2010/main" xmlns="" w="9525">
+                  <a14:hiddenLine xmlns="" xmlns:a14="http://schemas.microsoft.com/office/drawing/2010/main" w="9525">
                     <a:solidFill>
                       <a:srgbClr val="000000"/>
                     </a:solidFill>
@@ -10324,7 +10324,7 @@
               </a:ln>
               <a:extLst>
                 <a:ext uri="{91240B29-F687-4f45-9708-019B960494DF}">
-                  <a14:hiddenLine xmlns:a14="http://schemas.microsoft.com/office/drawing/2010/main" xmlns="" w="9525">
+                  <a14:hiddenLine xmlns="" xmlns:a14="http://schemas.microsoft.com/office/drawing/2010/main" w="9525">
                     <a:solidFill>
                       <a:srgbClr val="000000"/>
                     </a:solidFill>
@@ -10386,7 +10386,7 @@
               </a:ln>
               <a:extLst>
                 <a:ext uri="{91240B29-F687-4f45-9708-019B960494DF}">
-                  <a14:hiddenLine xmlns:a14="http://schemas.microsoft.com/office/drawing/2010/main" xmlns="" w="9525">
+                  <a14:hiddenLine xmlns="" xmlns:a14="http://schemas.microsoft.com/office/drawing/2010/main" w="9525">
                     <a:solidFill>
                       <a:srgbClr val="000000"/>
                     </a:solidFill>
@@ -10476,7 +10476,7 @@
               </a:ln>
               <a:extLst>
                 <a:ext uri="{91240B29-F687-4f45-9708-019B960494DF}">
-                  <a14:hiddenLine xmlns:a14="http://schemas.microsoft.com/office/drawing/2010/main" xmlns="" w="9525">
+                  <a14:hiddenLine xmlns="" xmlns:a14="http://schemas.microsoft.com/office/drawing/2010/main" w="9525">
                     <a:solidFill>
                       <a:srgbClr val="000000"/>
                     </a:solidFill>
@@ -10566,7 +10566,7 @@
               </a:ln>
               <a:extLst>
                 <a:ext uri="{91240B29-F687-4f45-9708-019B960494DF}">
-                  <a14:hiddenLine xmlns:a14="http://schemas.microsoft.com/office/drawing/2010/main" xmlns="" w="9525">
+                  <a14:hiddenLine xmlns="" xmlns:a14="http://schemas.microsoft.com/office/drawing/2010/main" w="9525">
                     <a:solidFill>
                       <a:srgbClr val="000000"/>
                     </a:solidFill>
@@ -10628,7 +10628,7 @@
               </a:ln>
               <a:extLst>
                 <a:ext uri="{91240B29-F687-4f45-9708-019B960494DF}">
-                  <a14:hiddenLine xmlns:a14="http://schemas.microsoft.com/office/drawing/2010/main" xmlns="" w="9525">
+                  <a14:hiddenLine xmlns="" xmlns:a14="http://schemas.microsoft.com/office/drawing/2010/main" w="9525">
                     <a:solidFill>
                       <a:srgbClr val="000000"/>
                     </a:solidFill>
@@ -10738,7 +10738,7 @@
               </a:ln>
               <a:extLst>
                 <a:ext uri="{91240B29-F687-4f45-9708-019B960494DF}">
-                  <a14:hiddenLine xmlns:a14="http://schemas.microsoft.com/office/drawing/2010/main" xmlns="" w="9525">
+                  <a14:hiddenLine xmlns="" xmlns:a14="http://schemas.microsoft.com/office/drawing/2010/main" w="9525">
                     <a:solidFill>
                       <a:srgbClr val="000000"/>
                     </a:solidFill>
@@ -10822,7 +10822,7 @@
               </a:ln>
               <a:extLst>
                 <a:ext uri="{91240B29-F687-4f45-9708-019B960494DF}">
-                  <a14:hiddenLine xmlns:a14="http://schemas.microsoft.com/office/drawing/2010/main" xmlns="" w="9525">
+                  <a14:hiddenLine xmlns="" xmlns:a14="http://schemas.microsoft.com/office/drawing/2010/main" w="9525">
                     <a:solidFill>
                       <a:srgbClr val="000000"/>
                     </a:solidFill>
@@ -10884,7 +10884,7 @@
               </a:ln>
               <a:extLst>
                 <a:ext uri="{91240B29-F687-4f45-9708-019B960494DF}">
-                  <a14:hiddenLine xmlns:a14="http://schemas.microsoft.com/office/drawing/2010/main" xmlns="" w="9525">
+                  <a14:hiddenLine xmlns="" xmlns:a14="http://schemas.microsoft.com/office/drawing/2010/main" w="9525">
                     <a:solidFill>
                       <a:srgbClr val="000000"/>
                     </a:solidFill>
@@ -10946,7 +10946,7 @@
               </a:ln>
               <a:extLst>
                 <a:ext uri="{91240B29-F687-4f45-9708-019B960494DF}">
-                  <a14:hiddenLine xmlns:a14="http://schemas.microsoft.com/office/drawing/2010/main" xmlns="" w="9525">
+                  <a14:hiddenLine xmlns="" xmlns:a14="http://schemas.microsoft.com/office/drawing/2010/main" w="9525">
                     <a:solidFill>
                       <a:srgbClr val="000000"/>
                     </a:solidFill>
@@ -11036,7 +11036,7 @@
               </a:ln>
               <a:extLst>
                 <a:ext uri="{91240B29-F687-4f45-9708-019B960494DF}">
-                  <a14:hiddenLine xmlns:a14="http://schemas.microsoft.com/office/drawing/2010/main" xmlns="" w="9525">
+                  <a14:hiddenLine xmlns="" xmlns:a14="http://schemas.microsoft.com/office/drawing/2010/main" w="9525">
                     <a:solidFill>
                       <a:srgbClr val="000000"/>
                     </a:solidFill>
@@ -11070,7 +11070,7 @@
               </a:ln>
               <a:extLst>
                 <a:ext uri="{91240B29-F687-4f45-9708-019B960494DF}">
-                  <a14:hiddenLine xmlns:a14="http://schemas.microsoft.com/office/drawing/2010/main" xmlns="" w="9525">
+                  <a14:hiddenLine xmlns="" xmlns:a14="http://schemas.microsoft.com/office/drawing/2010/main" w="9525">
                     <a:solidFill>
                       <a:srgbClr val="000000"/>
                     </a:solidFill>
@@ -11135,7 +11135,7 @@
               </a:ln>
               <a:extLst>
                 <a:ext uri="{91240B29-F687-4f45-9708-019B960494DF}">
-                  <a14:hiddenLine xmlns:a14="http://schemas.microsoft.com/office/drawing/2010/main" xmlns="" w="9525">
+                  <a14:hiddenLine xmlns="" xmlns:a14="http://schemas.microsoft.com/office/drawing/2010/main" w="9525">
                     <a:solidFill>
                       <a:srgbClr val="000000"/>
                     </a:solidFill>
@@ -11225,7 +11225,7 @@
               </a:ln>
               <a:extLst>
                 <a:ext uri="{91240B29-F687-4f45-9708-019B960494DF}">
-                  <a14:hiddenLine xmlns:a14="http://schemas.microsoft.com/office/drawing/2010/main" xmlns="" w="9525">
+                  <a14:hiddenLine xmlns="" xmlns:a14="http://schemas.microsoft.com/office/drawing/2010/main" w="9525">
                     <a:solidFill>
                       <a:srgbClr val="000000"/>
                     </a:solidFill>
@@ -11287,7 +11287,7 @@
               </a:ln>
               <a:extLst>
                 <a:ext uri="{91240B29-F687-4f45-9708-019B960494DF}">
-                  <a14:hiddenLine xmlns:a14="http://schemas.microsoft.com/office/drawing/2010/main" xmlns="" w="9525">
+                  <a14:hiddenLine xmlns="" xmlns:a14="http://schemas.microsoft.com/office/drawing/2010/main" w="9525">
                     <a:solidFill>
                       <a:srgbClr val="000000"/>
                     </a:solidFill>
@@ -11377,7 +11377,7 @@
               </a:ln>
               <a:extLst>
                 <a:ext uri="{91240B29-F687-4f45-9708-019B960494DF}">
-                  <a14:hiddenLine xmlns:a14="http://schemas.microsoft.com/office/drawing/2010/main" xmlns="" w="9525">
+                  <a14:hiddenLine xmlns="" xmlns:a14="http://schemas.microsoft.com/office/drawing/2010/main" w="9525">
                     <a:solidFill>
                       <a:srgbClr val="000000"/>
                     </a:solidFill>
@@ -11442,7 +11442,7 @@
               </a:ln>
               <a:extLst>
                 <a:ext uri="{91240B29-F687-4f45-9708-019B960494DF}">
-                  <a14:hiddenLine xmlns:a14="http://schemas.microsoft.com/office/drawing/2010/main" xmlns="" w="9525">
+                  <a14:hiddenLine xmlns="" xmlns:a14="http://schemas.microsoft.com/office/drawing/2010/main" w="9525">
                     <a:solidFill>
                       <a:srgbClr val="000000"/>
                     </a:solidFill>
@@ -11504,7 +11504,7 @@
               </a:ln>
               <a:extLst>
                 <a:ext uri="{91240B29-F687-4f45-9708-019B960494DF}">
-                  <a14:hiddenLine xmlns:a14="http://schemas.microsoft.com/office/drawing/2010/main" xmlns="" w="9525">
+                  <a14:hiddenLine xmlns="" xmlns:a14="http://schemas.microsoft.com/office/drawing/2010/main" w="9525">
                     <a:solidFill>
                       <a:srgbClr val="000000"/>
                     </a:solidFill>
@@ -11594,7 +11594,7 @@
               </a:ln>
               <a:extLst>
                 <a:ext uri="{91240B29-F687-4f45-9708-019B960494DF}">
-                  <a14:hiddenLine xmlns:a14="http://schemas.microsoft.com/office/drawing/2010/main" xmlns="" w="9525">
+                  <a14:hiddenLine xmlns="" xmlns:a14="http://schemas.microsoft.com/office/drawing/2010/main" w="9525">
                     <a:solidFill>
                       <a:srgbClr val="000000"/>
                     </a:solidFill>
@@ -11684,7 +11684,7 @@
               </a:ln>
               <a:extLst>
                 <a:ext uri="{91240B29-F687-4f45-9708-019B960494DF}">
-                  <a14:hiddenLine xmlns:a14="http://schemas.microsoft.com/office/drawing/2010/main" xmlns="" w="9525">
+                  <a14:hiddenLine xmlns="" xmlns:a14="http://schemas.microsoft.com/office/drawing/2010/main" w="9525">
                     <a:solidFill>
                       <a:srgbClr val="000000"/>
                     </a:solidFill>
@@ -11749,7 +11749,7 @@
               </a:ln>
               <a:extLst>
                 <a:ext uri="{91240B29-F687-4f45-9708-019B960494DF}">
-                  <a14:hiddenLine xmlns:a14="http://schemas.microsoft.com/office/drawing/2010/main" xmlns="" w="9525">
+                  <a14:hiddenLine xmlns="" xmlns:a14="http://schemas.microsoft.com/office/drawing/2010/main" w="9525">
                     <a:solidFill>
                       <a:srgbClr val="000000"/>
                     </a:solidFill>
@@ -11869,7 +11869,7 @@
               </a:ln>
               <a:extLst>
                 <a:ext uri="{91240B29-F687-4f45-9708-019B960494DF}">
-                  <a14:hiddenLine xmlns:a14="http://schemas.microsoft.com/office/drawing/2010/main" xmlns="" w="9525">
+                  <a14:hiddenLine xmlns="" xmlns:a14="http://schemas.microsoft.com/office/drawing/2010/main" w="9525">
                     <a:solidFill>
                       <a:srgbClr val="000000"/>
                     </a:solidFill>
@@ -11950,7 +11950,7 @@
               </a:ln>
               <a:extLst>
                 <a:ext uri="{91240B29-F687-4f45-9708-019B960494DF}">
-                  <a14:hiddenLine xmlns:a14="http://schemas.microsoft.com/office/drawing/2010/main" xmlns="" w="9525">
+                  <a14:hiddenLine xmlns="" xmlns:a14="http://schemas.microsoft.com/office/drawing/2010/main" w="9525">
                     <a:solidFill>
                       <a:srgbClr val="000000"/>
                     </a:solidFill>
@@ -12065,7 +12065,7 @@
               </a:ln>
               <a:extLst>
                 <a:ext uri="{91240B29-F687-4f45-9708-019B960494DF}">
-                  <a14:hiddenLine xmlns:a14="http://schemas.microsoft.com/office/drawing/2010/main" xmlns="" w="9525">
+                  <a14:hiddenLine xmlns="" xmlns:a14="http://schemas.microsoft.com/office/drawing/2010/main" w="9525">
                     <a:solidFill>
                       <a:srgbClr val="000000"/>
                     </a:solidFill>
@@ -12155,7 +12155,7 @@
               </a:ln>
               <a:extLst>
                 <a:ext uri="{91240B29-F687-4f45-9708-019B960494DF}">
-                  <a14:hiddenLine xmlns:a14="http://schemas.microsoft.com/office/drawing/2010/main" xmlns="" w="9525">
+                  <a14:hiddenLine xmlns="" xmlns:a14="http://schemas.microsoft.com/office/drawing/2010/main" w="9525">
                     <a:solidFill>
                       <a:srgbClr val="000000"/>
                     </a:solidFill>
@@ -12220,7 +12220,7 @@
               </a:ln>
               <a:extLst>
                 <a:ext uri="{91240B29-F687-4f45-9708-019B960494DF}">
-                  <a14:hiddenLine xmlns:a14="http://schemas.microsoft.com/office/drawing/2010/main" xmlns="" w="9525">
+                  <a14:hiddenLine xmlns="" xmlns:a14="http://schemas.microsoft.com/office/drawing/2010/main" w="9525">
                     <a:solidFill>
                       <a:srgbClr val="000000"/>
                     </a:solidFill>
@@ -12310,7 +12310,7 @@
               </a:ln>
               <a:extLst>
                 <a:ext uri="{91240B29-F687-4f45-9708-019B960494DF}">
-                  <a14:hiddenLine xmlns:a14="http://schemas.microsoft.com/office/drawing/2010/main" xmlns="" w="9525">
+                  <a14:hiddenLine xmlns="" xmlns:a14="http://schemas.microsoft.com/office/drawing/2010/main" w="9525">
                     <a:solidFill>
                       <a:srgbClr val="000000"/>
                     </a:solidFill>
@@ -12378,7 +12378,7 @@
               </a:ln>
               <a:extLst>
                 <a:ext uri="{91240B29-F687-4f45-9708-019B960494DF}">
-                  <a14:hiddenLine xmlns:a14="http://schemas.microsoft.com/office/drawing/2010/main" xmlns="" w="9525">
+                  <a14:hiddenLine xmlns="" xmlns:a14="http://schemas.microsoft.com/office/drawing/2010/main" w="9525">
                     <a:solidFill>
                       <a:srgbClr val="000000"/>
                     </a:solidFill>
@@ -12468,7 +12468,7 @@
               </a:ln>
               <a:extLst>
                 <a:ext uri="{91240B29-F687-4f45-9708-019B960494DF}">
-                  <a14:hiddenLine xmlns:a14="http://schemas.microsoft.com/office/drawing/2010/main" xmlns="" w="9525">
+                  <a14:hiddenLine xmlns="" xmlns:a14="http://schemas.microsoft.com/office/drawing/2010/main" w="9525">
                     <a:solidFill>
                       <a:srgbClr val="000000"/>
                     </a:solidFill>
@@ -12536,7 +12536,7 @@
               </a:ln>
               <a:extLst>
                 <a:ext uri="{91240B29-F687-4f45-9708-019B960494DF}">
-                  <a14:hiddenLine xmlns:a14="http://schemas.microsoft.com/office/drawing/2010/main" xmlns="" w="9525">
+                  <a14:hiddenLine xmlns="" xmlns:a14="http://schemas.microsoft.com/office/drawing/2010/main" w="9525">
                     <a:solidFill>
                       <a:srgbClr val="000000"/>
                     </a:solidFill>
@@ -12626,7 +12626,7 @@
               </a:ln>
               <a:extLst>
                 <a:ext uri="{91240B29-F687-4f45-9708-019B960494DF}">
-                  <a14:hiddenLine xmlns:a14="http://schemas.microsoft.com/office/drawing/2010/main" xmlns="" w="9525">
+                  <a14:hiddenLine xmlns="" xmlns:a14="http://schemas.microsoft.com/office/drawing/2010/main" w="9525">
                     <a:solidFill>
                       <a:srgbClr val="000000"/>
                     </a:solidFill>
@@ -12660,7 +12660,7 @@
               </a:ln>
               <a:extLst>
                 <a:ext uri="{91240B29-F687-4f45-9708-019B960494DF}">
-                  <a14:hiddenLine xmlns:a14="http://schemas.microsoft.com/office/drawing/2010/main" xmlns="" w="9525">
+                  <a14:hiddenLine xmlns="" xmlns:a14="http://schemas.microsoft.com/office/drawing/2010/main" w="9525">
                     <a:solidFill>
                       <a:srgbClr val="000000"/>
                     </a:solidFill>
@@ -13616,13 +13616,13 @@
   <p:clrMapOvr>
     <a:masterClrMapping/>
   </p:clrMapOvr>
-  <mc:AlternateContent xmlns:mc="http://schemas.openxmlformats.org/markup-compatibility/2006">
-    <mc:Choice xmlns:p14="http://schemas.microsoft.com/office/powerpoint/2010/main" Requires="p14">
+  <mc:AlternateContent xmlns:mc="http://schemas.openxmlformats.org/markup-compatibility/2006" xmlns:p14="http://schemas.microsoft.com/office/powerpoint/2010/main">
+    <mc:Choice Requires="p14">
       <p:transition p14:dur="100">
         <p:cut/>
       </p:transition>
     </mc:Choice>
-    <mc:Fallback>
+    <mc:Fallback xmlns="">
       <p:transition>
         <p:cut/>
       </p:transition>
@@ -14086,15 +14086,7 @@
           <a:p>
             <a:r>
               <a:rPr lang="en-US" dirty="0" smtClean="0"/>
-              <a:t>The </a:t>
-            </a:r>
-            <a:r>
-              <a:rPr lang="en-US" dirty="0" smtClean="0"/>
-              <a:t>template method cannot be define in the abstract </a:t>
-            </a:r>
-            <a:r>
-              <a:rPr lang="en-US" dirty="0" smtClean="0"/>
-              <a:t>class?</a:t>
+              <a:t>The template method cannot be define in the abstract class?</a:t>
             </a:r>
           </a:p>
           <a:p>
@@ -14379,7 +14371,28 @@
               <a:rPr lang="en-US" dirty="0" smtClean="0">
                 <a:hlinkClick r:id="rId3"/>
               </a:rPr>
-              <a:t>Design Pattern</a:t>
+              <a:t>Template Design Pattern By: Derek </a:t>
+            </a:r>
+            <a:r>
+              <a:rPr lang="en-US" dirty="0" err="1" smtClean="0">
+                <a:hlinkClick r:id="rId3"/>
+              </a:rPr>
+              <a:t>Banas</a:t>
+            </a:r>
+            <a:r>
+              <a:rPr lang="en-US" smtClean="0">
+                <a:hlinkClick r:id="rId3"/>
+              </a:rPr>
+              <a:t> @newthinktank.com</a:t>
+            </a:r>
+            <a:endParaRPr lang="en-US" dirty="0" smtClean="0"/>
+          </a:p>
+          <a:p>
+            <a:r>
+              <a:rPr lang="en-US" dirty="0" smtClean="0">
+                <a:hlinkClick r:id="rId4"/>
+              </a:rPr>
+              <a:t>Template Method Pattern Wiki</a:t>
             </a:r>
             <a:endParaRPr lang="en-US" dirty="0"/>
           </a:p>

--- a/Design Patterns/Template Design Pattern.pptx
+++ b/Design Patterns/Template Design Pattern.pptx
@@ -599,29 +599,25 @@
           <a:lstStyle/>
           <a:p>
             <a:r>
-              <a:rPr lang="en-US" dirty="0" err="1" smtClean="0"/>
+              <a:rPr lang="en-US" dirty="0" err="1"/>
               <a:t>MakeSandwich</a:t>
             </a:r>
             <a:r>
-              <a:rPr lang="en-US" dirty="0" smtClean="0"/>
+              <a:rPr lang="en-US" dirty="0"/>
               <a:t>()</a:t>
             </a:r>
             <a:r>
-              <a:rPr lang="en-US" baseline="0" dirty="0" smtClean="0"/>
+              <a:rPr lang="en-US" baseline="0" dirty="0"/>
               <a:t> is a template method here, it defined in the abstract class </a:t>
             </a:r>
             <a:br>
-              <a:rPr lang="en-US" baseline="0" dirty="0" smtClean="0"/>
+              <a:rPr lang="en-US" baseline="0" dirty="0"/>
+            </a:br>
+            <a:br>
+              <a:rPr lang="en-US" baseline="0" dirty="0"/>
             </a:br>
             <a:r>
-              <a:rPr lang="en-US" baseline="0" dirty="0" smtClean="0"/>
-              <a:t/>
-            </a:r>
-            <a:br>
-              <a:rPr lang="en-US" baseline="0" dirty="0" smtClean="0"/>
-            </a:br>
-            <a:r>
-              <a:rPr lang="en-US" baseline="0" dirty="0" smtClean="0"/>
+              <a:rPr lang="en-US" baseline="0" dirty="0"/>
               <a:t>the second example shows more explanation that the template method have some calls the subclass will be using use</a:t>
             </a:r>
             <a:endParaRPr lang="en-US" dirty="0"/>
@@ -797,11 +793,11 @@
               <a:buChar char="-"/>
             </a:pPr>
             <a:r>
-              <a:rPr lang="en-US" baseline="0" dirty="0" smtClean="0"/>
+              <a:rPr lang="en-US" baseline="0" dirty="0"/>
               <a:t>False it can </a:t>
             </a:r>
             <a:r>
-              <a:rPr lang="en-US" dirty="0" smtClean="0"/>
+              <a:rPr lang="en-US" dirty="0"/>
               <a:t>override</a:t>
             </a:r>
           </a:p>
@@ -810,7 +806,7 @@
               <a:buFontTx/>
               <a:buNone/>
             </a:pPr>
-            <a:endParaRPr lang="en-US" baseline="0" dirty="0" smtClean="0"/>
+            <a:endParaRPr lang="en-US" baseline="0" dirty="0"/>
           </a:p>
           <a:p>
             <a:pPr marL="171450" indent="-171450">
@@ -818,7 +814,7 @@
               <a:buChar char="-"/>
             </a:pPr>
             <a:r>
-              <a:rPr lang="en-US" baseline="0" dirty="0" smtClean="0"/>
+              <a:rPr lang="en-US" baseline="0" dirty="0"/>
               <a:t>False we define it in the abstract class.</a:t>
             </a:r>
           </a:p>
@@ -827,7 +823,7 @@
               <a:buFontTx/>
               <a:buChar char="-"/>
             </a:pPr>
-            <a:endParaRPr lang="en-US" baseline="0" dirty="0" smtClean="0"/>
+            <a:endParaRPr lang="en-US" baseline="0" dirty="0"/>
           </a:p>
           <a:p>
             <a:pPr marL="171450" marR="0" indent="-171450" algn="l" defTabSz="914400" rtl="0" eaLnBrk="1" fontAlgn="auto" latinLnBrk="0" hangingPunct="1">
@@ -848,11 +844,11 @@
               <a:defRPr/>
             </a:pPr>
             <a:r>
-              <a:rPr lang="en-US" dirty="0" smtClean="0"/>
+              <a:rPr lang="en-US" dirty="0"/>
               <a:t>Because</a:t>
             </a:r>
             <a:r>
-              <a:rPr lang="en-US" baseline="0" dirty="0" smtClean="0"/>
+              <a:rPr lang="en-US" baseline="0" dirty="0"/>
               <a:t> we won’t be using it, the reason of the template method is to be used for a group of subclasses that calling similar calls.</a:t>
             </a:r>
           </a:p>
@@ -1042,7 +1038,7 @@
           <a:noFill/>
           <a:extLst>
             <a:ext uri="{909E8E84-426E-40dd-AFC4-6F175D3DCCD1}">
-              <a14:hiddenFill xmlns="" xmlns:a14="http://schemas.microsoft.com/office/drawing/2010/main">
+              <a14:hiddenFill xmlns:a14="http://schemas.microsoft.com/office/drawing/2010/main" xmlns="">
                 <a:solidFill>
                   <a:srgbClr val="FFFFFF"/>
                 </a:solidFill>
@@ -1101,7 +1097,7 @@
             </a:ln>
             <a:extLst>
               <a:ext uri="{91240B29-F687-4f45-9708-019B960494DF}">
-                <a14:hiddenLine xmlns="" xmlns:a14="http://schemas.microsoft.com/office/drawing/2010/main" w="9525">
+                <a14:hiddenLine xmlns:a14="http://schemas.microsoft.com/office/drawing/2010/main" xmlns="" w="9525">
                   <a:solidFill>
                     <a:srgbClr val="000000"/>
                   </a:solidFill>
@@ -1191,7 +1187,7 @@
             </a:ln>
             <a:extLst>
               <a:ext uri="{91240B29-F687-4f45-9708-019B960494DF}">
-                <a14:hiddenLine xmlns="" xmlns:a14="http://schemas.microsoft.com/office/drawing/2010/main" w="9525">
+                <a14:hiddenLine xmlns:a14="http://schemas.microsoft.com/office/drawing/2010/main" xmlns="" w="9525">
                   <a:solidFill>
                     <a:srgbClr val="000000"/>
                   </a:solidFill>
@@ -1281,7 +1277,7 @@
             </a:ln>
             <a:extLst>
               <a:ext uri="{91240B29-F687-4f45-9708-019B960494DF}">
-                <a14:hiddenLine xmlns="" xmlns:a14="http://schemas.microsoft.com/office/drawing/2010/main" w="9525">
+                <a14:hiddenLine xmlns:a14="http://schemas.microsoft.com/office/drawing/2010/main" xmlns="" w="9525">
                   <a:solidFill>
                     <a:srgbClr val="000000"/>
                   </a:solidFill>
@@ -1315,7 +1311,7 @@
             </a:ln>
             <a:extLst>
               <a:ext uri="{91240B29-F687-4f45-9708-019B960494DF}">
-                <a14:hiddenLine xmlns="" xmlns:a14="http://schemas.microsoft.com/office/drawing/2010/main" w="9525">
+                <a14:hiddenLine xmlns:a14="http://schemas.microsoft.com/office/drawing/2010/main" xmlns="" w="9525">
                   <a:solidFill>
                     <a:srgbClr val="000000"/>
                   </a:solidFill>
@@ -1405,7 +1401,7 @@
             </a:ln>
             <a:extLst>
               <a:ext uri="{91240B29-F687-4f45-9708-019B960494DF}">
-                <a14:hiddenLine xmlns="" xmlns:a14="http://schemas.microsoft.com/office/drawing/2010/main" w="9525">
+                <a14:hiddenLine xmlns:a14="http://schemas.microsoft.com/office/drawing/2010/main" xmlns="" w="9525">
                   <a:solidFill>
                     <a:srgbClr val="000000"/>
                   </a:solidFill>
@@ -1467,7 +1463,7 @@
             </a:ln>
             <a:extLst>
               <a:ext uri="{91240B29-F687-4f45-9708-019B960494DF}">
-                <a14:hiddenLine xmlns="" xmlns:a14="http://schemas.microsoft.com/office/drawing/2010/main" w="9525">
+                <a14:hiddenLine xmlns:a14="http://schemas.microsoft.com/office/drawing/2010/main" xmlns="" w="9525">
                   <a:solidFill>
                     <a:srgbClr val="000000"/>
                   </a:solidFill>
@@ -1529,7 +1525,7 @@
             </a:ln>
             <a:extLst>
               <a:ext uri="{91240B29-F687-4f45-9708-019B960494DF}">
-                <a14:hiddenLine xmlns="" xmlns:a14="http://schemas.microsoft.com/office/drawing/2010/main" w="9525">
+                <a14:hiddenLine xmlns:a14="http://schemas.microsoft.com/office/drawing/2010/main" xmlns="" w="9525">
                   <a:solidFill>
                     <a:srgbClr val="000000"/>
                   </a:solidFill>
@@ -1619,7 +1615,7 @@
             </a:ln>
             <a:extLst>
               <a:ext uri="{91240B29-F687-4f45-9708-019B960494DF}">
-                <a14:hiddenLine xmlns="" xmlns:a14="http://schemas.microsoft.com/office/drawing/2010/main" w="9525">
+                <a14:hiddenLine xmlns:a14="http://schemas.microsoft.com/office/drawing/2010/main" xmlns="" w="9525">
                   <a:solidFill>
                     <a:srgbClr val="000000"/>
                   </a:solidFill>
@@ -1681,7 +1677,7 @@
             </a:ln>
             <a:extLst>
               <a:ext uri="{91240B29-F687-4f45-9708-019B960494DF}">
-                <a14:hiddenLine xmlns="" xmlns:a14="http://schemas.microsoft.com/office/drawing/2010/main" w="9525">
+                <a14:hiddenLine xmlns:a14="http://schemas.microsoft.com/office/drawing/2010/main" xmlns="" w="9525">
                   <a:solidFill>
                     <a:srgbClr val="000000"/>
                   </a:solidFill>
@@ -1743,7 +1739,7 @@
             </a:ln>
             <a:extLst>
               <a:ext uri="{91240B29-F687-4f45-9708-019B960494DF}">
-                <a14:hiddenLine xmlns="" xmlns:a14="http://schemas.microsoft.com/office/drawing/2010/main" w="9525">
+                <a14:hiddenLine xmlns:a14="http://schemas.microsoft.com/office/drawing/2010/main" xmlns="" w="9525">
                   <a:solidFill>
                     <a:srgbClr val="000000"/>
                   </a:solidFill>
@@ -1833,7 +1829,7 @@
             </a:ln>
             <a:extLst>
               <a:ext uri="{91240B29-F687-4f45-9708-019B960494DF}">
-                <a14:hiddenLine xmlns="" xmlns:a14="http://schemas.microsoft.com/office/drawing/2010/main" w="9525">
+                <a14:hiddenLine xmlns:a14="http://schemas.microsoft.com/office/drawing/2010/main" xmlns="" w="9525">
                   <a:solidFill>
                     <a:srgbClr val="000000"/>
                   </a:solidFill>
@@ -1923,7 +1919,7 @@
             </a:ln>
             <a:extLst>
               <a:ext uri="{91240B29-F687-4f45-9708-019B960494DF}">
-                <a14:hiddenLine xmlns="" xmlns:a14="http://schemas.microsoft.com/office/drawing/2010/main" w="9525">
+                <a14:hiddenLine xmlns:a14="http://schemas.microsoft.com/office/drawing/2010/main" xmlns="" w="9525">
                   <a:solidFill>
                     <a:srgbClr val="000000"/>
                   </a:solidFill>
@@ -1985,7 +1981,7 @@
             </a:ln>
             <a:extLst>
               <a:ext uri="{91240B29-F687-4f45-9708-019B960494DF}">
-                <a14:hiddenLine xmlns="" xmlns:a14="http://schemas.microsoft.com/office/drawing/2010/main" w="9525">
+                <a14:hiddenLine xmlns:a14="http://schemas.microsoft.com/office/drawing/2010/main" xmlns="" w="9525">
                   <a:solidFill>
                     <a:srgbClr val="000000"/>
                   </a:solidFill>
@@ -2095,7 +2091,7 @@
             </a:ln>
             <a:extLst>
               <a:ext uri="{91240B29-F687-4f45-9708-019B960494DF}">
-                <a14:hiddenLine xmlns="" xmlns:a14="http://schemas.microsoft.com/office/drawing/2010/main" w="9525">
+                <a14:hiddenLine xmlns:a14="http://schemas.microsoft.com/office/drawing/2010/main" xmlns="" w="9525">
                   <a:solidFill>
                     <a:srgbClr val="000000"/>
                   </a:solidFill>
@@ -2157,7 +2153,7 @@
             </a:ln>
             <a:extLst>
               <a:ext uri="{91240B29-F687-4f45-9708-019B960494DF}">
-                <a14:hiddenLine xmlns="" xmlns:a14="http://schemas.microsoft.com/office/drawing/2010/main" w="9525">
+                <a14:hiddenLine xmlns:a14="http://schemas.microsoft.com/office/drawing/2010/main" xmlns="" w="9525">
                   <a:solidFill>
                     <a:srgbClr val="000000"/>
                   </a:solidFill>
@@ -2247,7 +2243,7 @@
             </a:ln>
             <a:extLst>
               <a:ext uri="{91240B29-F687-4f45-9708-019B960494DF}">
-                <a14:hiddenLine xmlns="" xmlns:a14="http://schemas.microsoft.com/office/drawing/2010/main" w="9525">
+                <a14:hiddenLine xmlns:a14="http://schemas.microsoft.com/office/drawing/2010/main" xmlns="" w="9525">
                   <a:solidFill>
                     <a:srgbClr val="000000"/>
                   </a:solidFill>
@@ -2337,7 +2333,7 @@
             </a:ln>
             <a:extLst>
               <a:ext uri="{91240B29-F687-4f45-9708-019B960494DF}">
-                <a14:hiddenLine xmlns="" xmlns:a14="http://schemas.microsoft.com/office/drawing/2010/main" w="9525">
+                <a14:hiddenLine xmlns:a14="http://schemas.microsoft.com/office/drawing/2010/main" xmlns="" w="9525">
                   <a:solidFill>
                     <a:srgbClr val="000000"/>
                   </a:solidFill>
@@ -2399,7 +2395,7 @@
             </a:ln>
             <a:extLst>
               <a:ext uri="{91240B29-F687-4f45-9708-019B960494DF}">
-                <a14:hiddenLine xmlns="" xmlns:a14="http://schemas.microsoft.com/office/drawing/2010/main" w="9525">
+                <a14:hiddenLine xmlns:a14="http://schemas.microsoft.com/office/drawing/2010/main" xmlns="" w="9525">
                   <a:solidFill>
                     <a:srgbClr val="000000"/>
                   </a:solidFill>
@@ -2489,7 +2485,7 @@
             </a:ln>
             <a:extLst>
               <a:ext uri="{91240B29-F687-4f45-9708-019B960494DF}">
-                <a14:hiddenLine xmlns="" xmlns:a14="http://schemas.microsoft.com/office/drawing/2010/main" w="9525">
+                <a14:hiddenLine xmlns:a14="http://schemas.microsoft.com/office/drawing/2010/main" xmlns="" w="9525">
                   <a:solidFill>
                     <a:srgbClr val="000000"/>
                   </a:solidFill>
@@ -2579,7 +2575,7 @@
             </a:ln>
             <a:extLst>
               <a:ext uri="{91240B29-F687-4f45-9708-019B960494DF}">
-                <a14:hiddenLine xmlns="" xmlns:a14="http://schemas.microsoft.com/office/drawing/2010/main" w="9525">
+                <a14:hiddenLine xmlns:a14="http://schemas.microsoft.com/office/drawing/2010/main" xmlns="" w="9525">
                   <a:solidFill>
                     <a:srgbClr val="000000"/>
                   </a:solidFill>
@@ -2635,7 +2631,7 @@
             </a:ln>
             <a:extLst>
               <a:ext uri="{91240B29-F687-4f45-9708-019B960494DF}">
-                <a14:hiddenLine xmlns="" xmlns:a14="http://schemas.microsoft.com/office/drawing/2010/main" w="9525">
+                <a14:hiddenLine xmlns:a14="http://schemas.microsoft.com/office/drawing/2010/main" xmlns="" w="9525">
                   <a:solidFill>
                     <a:srgbClr val="000000"/>
                   </a:solidFill>
@@ -2725,7 +2721,7 @@
             </a:ln>
             <a:extLst>
               <a:ext uri="{91240B29-F687-4f45-9708-019B960494DF}">
-                <a14:hiddenLine xmlns="" xmlns:a14="http://schemas.microsoft.com/office/drawing/2010/main" w="9525">
+                <a14:hiddenLine xmlns:a14="http://schemas.microsoft.com/office/drawing/2010/main" xmlns="" w="9525">
                   <a:solidFill>
                     <a:srgbClr val="000000"/>
                   </a:solidFill>
@@ -2781,7 +2777,7 @@
             </a:ln>
             <a:extLst>
               <a:ext uri="{91240B29-F687-4f45-9708-019B960494DF}">
-                <a14:hiddenLine xmlns="" xmlns:a14="http://schemas.microsoft.com/office/drawing/2010/main" w="9525">
+                <a14:hiddenLine xmlns:a14="http://schemas.microsoft.com/office/drawing/2010/main" xmlns="" w="9525">
                   <a:solidFill>
                     <a:srgbClr val="000000"/>
                   </a:solidFill>
@@ -2871,7 +2867,7 @@
             </a:ln>
             <a:extLst>
               <a:ext uri="{91240B29-F687-4f45-9708-019B960494DF}">
-                <a14:hiddenLine xmlns="" xmlns:a14="http://schemas.microsoft.com/office/drawing/2010/main" w="9525">
+                <a14:hiddenLine xmlns:a14="http://schemas.microsoft.com/office/drawing/2010/main" xmlns="" w="9525">
                   <a:solidFill>
                     <a:srgbClr val="000000"/>
                   </a:solidFill>
@@ -2939,7 +2935,7 @@
             </a:ln>
             <a:extLst>
               <a:ext uri="{91240B29-F687-4f45-9708-019B960494DF}">
-                <a14:hiddenLine xmlns="" xmlns:a14="http://schemas.microsoft.com/office/drawing/2010/main" w="9525">
+                <a14:hiddenLine xmlns:a14="http://schemas.microsoft.com/office/drawing/2010/main" xmlns="" w="9525">
                   <a:solidFill>
                     <a:srgbClr val="000000"/>
                   </a:solidFill>
@@ -3029,7 +3025,7 @@
             </a:ln>
             <a:extLst>
               <a:ext uri="{91240B29-F687-4f45-9708-019B960494DF}">
-                <a14:hiddenLine xmlns="" xmlns:a14="http://schemas.microsoft.com/office/drawing/2010/main" w="9525">
+                <a14:hiddenLine xmlns:a14="http://schemas.microsoft.com/office/drawing/2010/main" xmlns="" w="9525">
                   <a:solidFill>
                     <a:srgbClr val="000000"/>
                   </a:solidFill>
@@ -3097,7 +3093,7 @@
             </a:ln>
             <a:extLst>
               <a:ext uri="{91240B29-F687-4f45-9708-019B960494DF}">
-                <a14:hiddenLine xmlns="" xmlns:a14="http://schemas.microsoft.com/office/drawing/2010/main" w="9525">
+                <a14:hiddenLine xmlns:a14="http://schemas.microsoft.com/office/drawing/2010/main" xmlns="" w="9525">
                   <a:solidFill>
                     <a:srgbClr val="000000"/>
                   </a:solidFill>
@@ -3187,7 +3183,7 @@
             </a:ln>
             <a:extLst>
               <a:ext uri="{91240B29-F687-4f45-9708-019B960494DF}">
-                <a14:hiddenLine xmlns="" xmlns:a14="http://schemas.microsoft.com/office/drawing/2010/main" w="9525">
+                <a14:hiddenLine xmlns:a14="http://schemas.microsoft.com/office/drawing/2010/main" xmlns="" w="9525">
                   <a:solidFill>
                     <a:srgbClr val="000000"/>
                   </a:solidFill>
@@ -3221,7 +3217,7 @@
             </a:ln>
             <a:extLst>
               <a:ext uri="{91240B29-F687-4f45-9708-019B960494DF}">
-                <a14:hiddenLine xmlns="" xmlns:a14="http://schemas.microsoft.com/office/drawing/2010/main" w="9525">
+                <a14:hiddenLine xmlns:a14="http://schemas.microsoft.com/office/drawing/2010/main" xmlns="" w="9525">
                   <a:solidFill>
                     <a:srgbClr val="000000"/>
                   </a:solidFill>
@@ -3311,7 +3307,7 @@
             </a:ln>
             <a:extLst>
               <a:ext uri="{91240B29-F687-4f45-9708-019B960494DF}">
-                <a14:hiddenLine xmlns="" xmlns:a14="http://schemas.microsoft.com/office/drawing/2010/main" w="9525">
+                <a14:hiddenLine xmlns:a14="http://schemas.microsoft.com/office/drawing/2010/main" xmlns="" w="9525">
                   <a:solidFill>
                     <a:srgbClr val="000000"/>
                   </a:solidFill>
@@ -3373,7 +3369,7 @@
             </a:ln>
             <a:extLst>
               <a:ext uri="{91240B29-F687-4f45-9708-019B960494DF}">
-                <a14:hiddenLine xmlns="" xmlns:a14="http://schemas.microsoft.com/office/drawing/2010/main" w="9525">
+                <a14:hiddenLine xmlns:a14="http://schemas.microsoft.com/office/drawing/2010/main" xmlns="" w="9525">
                   <a:solidFill>
                     <a:srgbClr val="000000"/>
                   </a:solidFill>
@@ -3435,7 +3431,7 @@
             </a:ln>
             <a:extLst>
               <a:ext uri="{91240B29-F687-4f45-9708-019B960494DF}">
-                <a14:hiddenLine xmlns="" xmlns:a14="http://schemas.microsoft.com/office/drawing/2010/main" w="9525">
+                <a14:hiddenLine xmlns:a14="http://schemas.microsoft.com/office/drawing/2010/main" xmlns="" w="9525">
                   <a:solidFill>
                     <a:srgbClr val="000000"/>
                   </a:solidFill>
@@ -3525,7 +3521,7 @@
             </a:ln>
             <a:extLst>
               <a:ext uri="{91240B29-F687-4f45-9708-019B960494DF}">
-                <a14:hiddenLine xmlns="" xmlns:a14="http://schemas.microsoft.com/office/drawing/2010/main" w="9525">
+                <a14:hiddenLine xmlns:a14="http://schemas.microsoft.com/office/drawing/2010/main" xmlns="" w="9525">
                   <a:solidFill>
                     <a:srgbClr val="000000"/>
                   </a:solidFill>
@@ -3593,7 +3589,7 @@
             </a:ln>
             <a:extLst>
               <a:ext uri="{91240B29-F687-4f45-9708-019B960494DF}">
-                <a14:hiddenLine xmlns="" xmlns:a14="http://schemas.microsoft.com/office/drawing/2010/main" w="9525">
+                <a14:hiddenLine xmlns:a14="http://schemas.microsoft.com/office/drawing/2010/main" xmlns="" w="9525">
                   <a:solidFill>
                     <a:srgbClr val="000000"/>
                   </a:solidFill>
@@ -3655,7 +3651,7 @@
             </a:ln>
             <a:extLst>
               <a:ext uri="{91240B29-F687-4f45-9708-019B960494DF}">
-                <a14:hiddenLine xmlns="" xmlns:a14="http://schemas.microsoft.com/office/drawing/2010/main" w="9525">
+                <a14:hiddenLine xmlns:a14="http://schemas.microsoft.com/office/drawing/2010/main" xmlns="" w="9525">
                   <a:solidFill>
                     <a:srgbClr val="000000"/>
                   </a:solidFill>
@@ -3745,7 +3741,7 @@
             </a:ln>
             <a:extLst>
               <a:ext uri="{91240B29-F687-4f45-9708-019B960494DF}">
-                <a14:hiddenLine xmlns="" xmlns:a14="http://schemas.microsoft.com/office/drawing/2010/main" w="9525">
+                <a14:hiddenLine xmlns:a14="http://schemas.microsoft.com/office/drawing/2010/main" xmlns="" w="9525">
                   <a:solidFill>
                     <a:srgbClr val="000000"/>
                   </a:solidFill>
@@ -3807,7 +3803,7 @@
             </a:ln>
             <a:extLst>
               <a:ext uri="{91240B29-F687-4f45-9708-019B960494DF}">
-                <a14:hiddenLine xmlns="" xmlns:a14="http://schemas.microsoft.com/office/drawing/2010/main" w="9525">
+                <a14:hiddenLine xmlns:a14="http://schemas.microsoft.com/office/drawing/2010/main" xmlns="" w="9525">
                   <a:solidFill>
                     <a:srgbClr val="000000"/>
                   </a:solidFill>
@@ -3897,7 +3893,7 @@
             </a:ln>
             <a:extLst>
               <a:ext uri="{91240B29-F687-4f45-9708-019B960494DF}">
-                <a14:hiddenLine xmlns="" xmlns:a14="http://schemas.microsoft.com/office/drawing/2010/main" w="9525">
+                <a14:hiddenLine xmlns:a14="http://schemas.microsoft.com/office/drawing/2010/main" xmlns="" w="9525">
                   <a:solidFill>
                     <a:srgbClr val="000000"/>
                   </a:solidFill>
@@ -3959,7 +3955,7 @@
             </a:ln>
             <a:extLst>
               <a:ext uri="{91240B29-F687-4f45-9708-019B960494DF}">
-                <a14:hiddenLine xmlns="" xmlns:a14="http://schemas.microsoft.com/office/drawing/2010/main" w="9525">
+                <a14:hiddenLine xmlns:a14="http://schemas.microsoft.com/office/drawing/2010/main" xmlns="" w="9525">
                   <a:solidFill>
                     <a:srgbClr val="000000"/>
                   </a:solidFill>
@@ -4049,7 +4045,7 @@
             </a:ln>
             <a:extLst>
               <a:ext uri="{91240B29-F687-4f45-9708-019B960494DF}">
-                <a14:hiddenLine xmlns="" xmlns:a14="http://schemas.microsoft.com/office/drawing/2010/main" w="9525">
+                <a14:hiddenLine xmlns:a14="http://schemas.microsoft.com/office/drawing/2010/main" xmlns="" w="9525">
                   <a:solidFill>
                     <a:srgbClr val="000000"/>
                   </a:solidFill>
@@ -4083,7 +4079,7 @@
             </a:ln>
             <a:extLst>
               <a:ext uri="{91240B29-F687-4f45-9708-019B960494DF}">
-                <a14:hiddenLine xmlns="" xmlns:a14="http://schemas.microsoft.com/office/drawing/2010/main" w="9525">
+                <a14:hiddenLine xmlns:a14="http://schemas.microsoft.com/office/drawing/2010/main" xmlns="" w="9525">
                   <a:solidFill>
                     <a:srgbClr val="000000"/>
                   </a:solidFill>
@@ -4148,7 +4144,7 @@
             </a:ln>
             <a:extLst>
               <a:ext uri="{91240B29-F687-4f45-9708-019B960494DF}">
-                <a14:hiddenLine xmlns="" xmlns:a14="http://schemas.microsoft.com/office/drawing/2010/main" w="9525">
+                <a14:hiddenLine xmlns:a14="http://schemas.microsoft.com/office/drawing/2010/main" xmlns="" w="9525">
                   <a:solidFill>
                     <a:srgbClr val="000000"/>
                   </a:solidFill>
@@ -4238,7 +4234,7 @@
             </a:ln>
             <a:extLst>
               <a:ext uri="{91240B29-F687-4f45-9708-019B960494DF}">
-                <a14:hiddenLine xmlns="" xmlns:a14="http://schemas.microsoft.com/office/drawing/2010/main" w="9525">
+                <a14:hiddenLine xmlns:a14="http://schemas.microsoft.com/office/drawing/2010/main" xmlns="" w="9525">
                   <a:solidFill>
                     <a:srgbClr val="000000"/>
                   </a:solidFill>
@@ -4300,7 +4296,7 @@
             </a:ln>
             <a:extLst>
               <a:ext uri="{91240B29-F687-4f45-9708-019B960494DF}">
-                <a14:hiddenLine xmlns="" xmlns:a14="http://schemas.microsoft.com/office/drawing/2010/main" w="9525">
+                <a14:hiddenLine xmlns:a14="http://schemas.microsoft.com/office/drawing/2010/main" xmlns="" w="9525">
                   <a:solidFill>
                     <a:srgbClr val="000000"/>
                   </a:solidFill>
@@ -4390,7 +4386,7 @@
             </a:ln>
             <a:extLst>
               <a:ext uri="{91240B29-F687-4f45-9708-019B960494DF}">
-                <a14:hiddenLine xmlns="" xmlns:a14="http://schemas.microsoft.com/office/drawing/2010/main" w="9525">
+                <a14:hiddenLine xmlns:a14="http://schemas.microsoft.com/office/drawing/2010/main" xmlns="" w="9525">
                   <a:solidFill>
                     <a:srgbClr val="000000"/>
                   </a:solidFill>
@@ -4480,7 +4476,7 @@
             </a:ln>
             <a:extLst>
               <a:ext uri="{91240B29-F687-4f45-9708-019B960494DF}">
-                <a14:hiddenLine xmlns="" xmlns:a14="http://schemas.microsoft.com/office/drawing/2010/main" w="9525">
+                <a14:hiddenLine xmlns:a14="http://schemas.microsoft.com/office/drawing/2010/main" xmlns="" w="9525">
                   <a:solidFill>
                     <a:srgbClr val="000000"/>
                   </a:solidFill>
@@ -4545,7 +4541,7 @@
             </a:ln>
             <a:extLst>
               <a:ext uri="{91240B29-F687-4f45-9708-019B960494DF}">
-                <a14:hiddenLine xmlns="" xmlns:a14="http://schemas.microsoft.com/office/drawing/2010/main" w="9525">
+                <a14:hiddenLine xmlns:a14="http://schemas.microsoft.com/office/drawing/2010/main" xmlns="" w="9525">
                   <a:solidFill>
                     <a:srgbClr val="000000"/>
                   </a:solidFill>
@@ -4607,7 +4603,7 @@
             </a:ln>
             <a:extLst>
               <a:ext uri="{91240B29-F687-4f45-9708-019B960494DF}">
-                <a14:hiddenLine xmlns="" xmlns:a14="http://schemas.microsoft.com/office/drawing/2010/main" w="9525">
+                <a14:hiddenLine xmlns:a14="http://schemas.microsoft.com/office/drawing/2010/main" xmlns="" w="9525">
                   <a:solidFill>
                     <a:srgbClr val="000000"/>
                   </a:solidFill>
@@ -4697,7 +4693,7 @@
             </a:ln>
             <a:extLst>
               <a:ext uri="{91240B29-F687-4f45-9708-019B960494DF}">
-                <a14:hiddenLine xmlns="" xmlns:a14="http://schemas.microsoft.com/office/drawing/2010/main" w="9525">
+                <a14:hiddenLine xmlns:a14="http://schemas.microsoft.com/office/drawing/2010/main" xmlns="" w="9525">
                   <a:solidFill>
                     <a:srgbClr val="000000"/>
                   </a:solidFill>
@@ -4787,7 +4783,7 @@
             </a:ln>
             <a:extLst>
               <a:ext uri="{91240B29-F687-4f45-9708-019B960494DF}">
-                <a14:hiddenLine xmlns="" xmlns:a14="http://schemas.microsoft.com/office/drawing/2010/main" w="9525">
+                <a14:hiddenLine xmlns:a14="http://schemas.microsoft.com/office/drawing/2010/main" xmlns="" w="9525">
                   <a:solidFill>
                     <a:srgbClr val="000000"/>
                   </a:solidFill>
@@ -4849,7 +4845,7 @@
             </a:ln>
             <a:extLst>
               <a:ext uri="{91240B29-F687-4f45-9708-019B960494DF}">
-                <a14:hiddenLine xmlns="" xmlns:a14="http://schemas.microsoft.com/office/drawing/2010/main" w="9525">
+                <a14:hiddenLine xmlns:a14="http://schemas.microsoft.com/office/drawing/2010/main" xmlns="" w="9525">
                   <a:solidFill>
                     <a:srgbClr val="000000"/>
                   </a:solidFill>
@@ -4969,7 +4965,7 @@
             </a:ln>
             <a:extLst>
               <a:ext uri="{91240B29-F687-4f45-9708-019B960494DF}">
-                <a14:hiddenLine xmlns="" xmlns:a14="http://schemas.microsoft.com/office/drawing/2010/main" w="9525">
+                <a14:hiddenLine xmlns:a14="http://schemas.microsoft.com/office/drawing/2010/main" xmlns="" w="9525">
                   <a:solidFill>
                     <a:srgbClr val="000000"/>
                   </a:solidFill>
@@ -5037,7 +5033,7 @@
             </a:ln>
             <a:extLst>
               <a:ext uri="{91240B29-F687-4f45-9708-019B960494DF}">
-                <a14:hiddenLine xmlns="" xmlns:a14="http://schemas.microsoft.com/office/drawing/2010/main" w="9525">
+                <a14:hiddenLine xmlns:a14="http://schemas.microsoft.com/office/drawing/2010/main" xmlns="" w="9525">
                   <a:solidFill>
                     <a:srgbClr val="000000"/>
                   </a:solidFill>
@@ -5127,7 +5123,7 @@
             </a:ln>
             <a:extLst>
               <a:ext uri="{91240B29-F687-4f45-9708-019B960494DF}">
-                <a14:hiddenLine xmlns="" xmlns:a14="http://schemas.microsoft.com/office/drawing/2010/main" w="9525">
+                <a14:hiddenLine xmlns:a14="http://schemas.microsoft.com/office/drawing/2010/main" xmlns="" w="9525">
                   <a:solidFill>
                     <a:srgbClr val="000000"/>
                   </a:solidFill>
@@ -9856,7 +9852,7 @@
           <a:noFill/>
           <a:extLst>
             <a:ext uri="{909E8E84-426E-40dd-AFC4-6F175D3DCCD1}">
-              <a14:hiddenFill xmlns="" xmlns:a14="http://schemas.microsoft.com/office/drawing/2010/main">
+              <a14:hiddenFill xmlns:a14="http://schemas.microsoft.com/office/drawing/2010/main" xmlns="">
                 <a:solidFill>
                   <a:srgbClr val="FFFFFF"/>
                 </a:solidFill>
@@ -9930,7 +9926,7 @@
               </a:ln>
               <a:extLst>
                 <a:ext uri="{91240B29-F687-4f45-9708-019B960494DF}">
-                  <a14:hiddenLine xmlns="" xmlns:a14="http://schemas.microsoft.com/office/drawing/2010/main" w="9525">
+                  <a14:hiddenLine xmlns:a14="http://schemas.microsoft.com/office/drawing/2010/main" xmlns="" w="9525">
                     <a:solidFill>
                       <a:srgbClr val="000000"/>
                     </a:solidFill>
@@ -10020,7 +10016,7 @@
               </a:ln>
               <a:extLst>
                 <a:ext uri="{91240B29-F687-4f45-9708-019B960494DF}">
-                  <a14:hiddenLine xmlns="" xmlns:a14="http://schemas.microsoft.com/office/drawing/2010/main" w="9525">
+                  <a14:hiddenLine xmlns:a14="http://schemas.microsoft.com/office/drawing/2010/main" xmlns="" w="9525">
                     <a:solidFill>
                       <a:srgbClr val="000000"/>
                     </a:solidFill>
@@ -10110,7 +10106,7 @@
               </a:ln>
               <a:extLst>
                 <a:ext uri="{91240B29-F687-4f45-9708-019B960494DF}">
-                  <a14:hiddenLine xmlns="" xmlns:a14="http://schemas.microsoft.com/office/drawing/2010/main" w="9525">
+                  <a14:hiddenLine xmlns:a14="http://schemas.microsoft.com/office/drawing/2010/main" xmlns="" w="9525">
                     <a:solidFill>
                       <a:srgbClr val="000000"/>
                     </a:solidFill>
@@ -10172,7 +10168,7 @@
               </a:ln>
               <a:extLst>
                 <a:ext uri="{91240B29-F687-4f45-9708-019B960494DF}">
-                  <a14:hiddenLine xmlns="" xmlns:a14="http://schemas.microsoft.com/office/drawing/2010/main" w="9525">
+                  <a14:hiddenLine xmlns:a14="http://schemas.microsoft.com/office/drawing/2010/main" xmlns="" w="9525">
                     <a:solidFill>
                       <a:srgbClr val="000000"/>
                     </a:solidFill>
@@ -10262,7 +10258,7 @@
               </a:ln>
               <a:extLst>
                 <a:ext uri="{91240B29-F687-4f45-9708-019B960494DF}">
-                  <a14:hiddenLine xmlns="" xmlns:a14="http://schemas.microsoft.com/office/drawing/2010/main" w="9525">
+                  <a14:hiddenLine xmlns:a14="http://schemas.microsoft.com/office/drawing/2010/main" xmlns="" w="9525">
                     <a:solidFill>
                       <a:srgbClr val="000000"/>
                     </a:solidFill>
@@ -10324,7 +10320,7 @@
               </a:ln>
               <a:extLst>
                 <a:ext uri="{91240B29-F687-4f45-9708-019B960494DF}">
-                  <a14:hiddenLine xmlns="" xmlns:a14="http://schemas.microsoft.com/office/drawing/2010/main" w="9525">
+                  <a14:hiddenLine xmlns:a14="http://schemas.microsoft.com/office/drawing/2010/main" xmlns="" w="9525">
                     <a:solidFill>
                       <a:srgbClr val="000000"/>
                     </a:solidFill>
@@ -10386,7 +10382,7 @@
               </a:ln>
               <a:extLst>
                 <a:ext uri="{91240B29-F687-4f45-9708-019B960494DF}">
-                  <a14:hiddenLine xmlns="" xmlns:a14="http://schemas.microsoft.com/office/drawing/2010/main" w="9525">
+                  <a14:hiddenLine xmlns:a14="http://schemas.microsoft.com/office/drawing/2010/main" xmlns="" w="9525">
                     <a:solidFill>
                       <a:srgbClr val="000000"/>
                     </a:solidFill>
@@ -10476,7 +10472,7 @@
               </a:ln>
               <a:extLst>
                 <a:ext uri="{91240B29-F687-4f45-9708-019B960494DF}">
-                  <a14:hiddenLine xmlns="" xmlns:a14="http://schemas.microsoft.com/office/drawing/2010/main" w="9525">
+                  <a14:hiddenLine xmlns:a14="http://schemas.microsoft.com/office/drawing/2010/main" xmlns="" w="9525">
                     <a:solidFill>
                       <a:srgbClr val="000000"/>
                     </a:solidFill>
@@ -10566,7 +10562,7 @@
               </a:ln>
               <a:extLst>
                 <a:ext uri="{91240B29-F687-4f45-9708-019B960494DF}">
-                  <a14:hiddenLine xmlns="" xmlns:a14="http://schemas.microsoft.com/office/drawing/2010/main" w="9525">
+                  <a14:hiddenLine xmlns:a14="http://schemas.microsoft.com/office/drawing/2010/main" xmlns="" w="9525">
                     <a:solidFill>
                       <a:srgbClr val="000000"/>
                     </a:solidFill>
@@ -10628,7 +10624,7 @@
               </a:ln>
               <a:extLst>
                 <a:ext uri="{91240B29-F687-4f45-9708-019B960494DF}">
-                  <a14:hiddenLine xmlns="" xmlns:a14="http://schemas.microsoft.com/office/drawing/2010/main" w="9525">
+                  <a14:hiddenLine xmlns:a14="http://schemas.microsoft.com/office/drawing/2010/main" xmlns="" w="9525">
                     <a:solidFill>
                       <a:srgbClr val="000000"/>
                     </a:solidFill>
@@ -10738,7 +10734,7 @@
               </a:ln>
               <a:extLst>
                 <a:ext uri="{91240B29-F687-4f45-9708-019B960494DF}">
-                  <a14:hiddenLine xmlns="" xmlns:a14="http://schemas.microsoft.com/office/drawing/2010/main" w="9525">
+                  <a14:hiddenLine xmlns:a14="http://schemas.microsoft.com/office/drawing/2010/main" xmlns="" w="9525">
                     <a:solidFill>
                       <a:srgbClr val="000000"/>
                     </a:solidFill>
@@ -10822,7 +10818,7 @@
               </a:ln>
               <a:extLst>
                 <a:ext uri="{91240B29-F687-4f45-9708-019B960494DF}">
-                  <a14:hiddenLine xmlns="" xmlns:a14="http://schemas.microsoft.com/office/drawing/2010/main" w="9525">
+                  <a14:hiddenLine xmlns:a14="http://schemas.microsoft.com/office/drawing/2010/main" xmlns="" w="9525">
                     <a:solidFill>
                       <a:srgbClr val="000000"/>
                     </a:solidFill>
@@ -10884,7 +10880,7 @@
               </a:ln>
               <a:extLst>
                 <a:ext uri="{91240B29-F687-4f45-9708-019B960494DF}">
-                  <a14:hiddenLine xmlns="" xmlns:a14="http://schemas.microsoft.com/office/drawing/2010/main" w="9525">
+                  <a14:hiddenLine xmlns:a14="http://schemas.microsoft.com/office/drawing/2010/main" xmlns="" w="9525">
                     <a:solidFill>
                       <a:srgbClr val="000000"/>
                     </a:solidFill>
@@ -10946,7 +10942,7 @@
               </a:ln>
               <a:extLst>
                 <a:ext uri="{91240B29-F687-4f45-9708-019B960494DF}">
-                  <a14:hiddenLine xmlns="" xmlns:a14="http://schemas.microsoft.com/office/drawing/2010/main" w="9525">
+                  <a14:hiddenLine xmlns:a14="http://schemas.microsoft.com/office/drawing/2010/main" xmlns="" w="9525">
                     <a:solidFill>
                       <a:srgbClr val="000000"/>
                     </a:solidFill>
@@ -11036,7 +11032,7 @@
               </a:ln>
               <a:extLst>
                 <a:ext uri="{91240B29-F687-4f45-9708-019B960494DF}">
-                  <a14:hiddenLine xmlns="" xmlns:a14="http://schemas.microsoft.com/office/drawing/2010/main" w="9525">
+                  <a14:hiddenLine xmlns:a14="http://schemas.microsoft.com/office/drawing/2010/main" xmlns="" w="9525">
                     <a:solidFill>
                       <a:srgbClr val="000000"/>
                     </a:solidFill>
@@ -11070,7 +11066,7 @@
               </a:ln>
               <a:extLst>
                 <a:ext uri="{91240B29-F687-4f45-9708-019B960494DF}">
-                  <a14:hiddenLine xmlns="" xmlns:a14="http://schemas.microsoft.com/office/drawing/2010/main" w="9525">
+                  <a14:hiddenLine xmlns:a14="http://schemas.microsoft.com/office/drawing/2010/main" xmlns="" w="9525">
                     <a:solidFill>
                       <a:srgbClr val="000000"/>
                     </a:solidFill>
@@ -11135,7 +11131,7 @@
               </a:ln>
               <a:extLst>
                 <a:ext uri="{91240B29-F687-4f45-9708-019B960494DF}">
-                  <a14:hiddenLine xmlns="" xmlns:a14="http://schemas.microsoft.com/office/drawing/2010/main" w="9525">
+                  <a14:hiddenLine xmlns:a14="http://schemas.microsoft.com/office/drawing/2010/main" xmlns="" w="9525">
                     <a:solidFill>
                       <a:srgbClr val="000000"/>
                     </a:solidFill>
@@ -11225,7 +11221,7 @@
               </a:ln>
               <a:extLst>
                 <a:ext uri="{91240B29-F687-4f45-9708-019B960494DF}">
-                  <a14:hiddenLine xmlns="" xmlns:a14="http://schemas.microsoft.com/office/drawing/2010/main" w="9525">
+                  <a14:hiddenLine xmlns:a14="http://schemas.microsoft.com/office/drawing/2010/main" xmlns="" w="9525">
                     <a:solidFill>
                       <a:srgbClr val="000000"/>
                     </a:solidFill>
@@ -11287,7 +11283,7 @@
               </a:ln>
               <a:extLst>
                 <a:ext uri="{91240B29-F687-4f45-9708-019B960494DF}">
-                  <a14:hiddenLine xmlns="" xmlns:a14="http://schemas.microsoft.com/office/drawing/2010/main" w="9525">
+                  <a14:hiddenLine xmlns:a14="http://schemas.microsoft.com/office/drawing/2010/main" xmlns="" w="9525">
                     <a:solidFill>
                       <a:srgbClr val="000000"/>
                     </a:solidFill>
@@ -11377,7 +11373,7 @@
               </a:ln>
               <a:extLst>
                 <a:ext uri="{91240B29-F687-4f45-9708-019B960494DF}">
-                  <a14:hiddenLine xmlns="" xmlns:a14="http://schemas.microsoft.com/office/drawing/2010/main" w="9525">
+                  <a14:hiddenLine xmlns:a14="http://schemas.microsoft.com/office/drawing/2010/main" xmlns="" w="9525">
                     <a:solidFill>
                       <a:srgbClr val="000000"/>
                     </a:solidFill>
@@ -11442,7 +11438,7 @@
               </a:ln>
               <a:extLst>
                 <a:ext uri="{91240B29-F687-4f45-9708-019B960494DF}">
-                  <a14:hiddenLine xmlns="" xmlns:a14="http://schemas.microsoft.com/office/drawing/2010/main" w="9525">
+                  <a14:hiddenLine xmlns:a14="http://schemas.microsoft.com/office/drawing/2010/main" xmlns="" w="9525">
                     <a:solidFill>
                       <a:srgbClr val="000000"/>
                     </a:solidFill>
@@ -11504,7 +11500,7 @@
               </a:ln>
               <a:extLst>
                 <a:ext uri="{91240B29-F687-4f45-9708-019B960494DF}">
-                  <a14:hiddenLine xmlns="" xmlns:a14="http://schemas.microsoft.com/office/drawing/2010/main" w="9525">
+                  <a14:hiddenLine xmlns:a14="http://schemas.microsoft.com/office/drawing/2010/main" xmlns="" w="9525">
                     <a:solidFill>
                       <a:srgbClr val="000000"/>
                     </a:solidFill>
@@ -11594,7 +11590,7 @@
               </a:ln>
               <a:extLst>
                 <a:ext uri="{91240B29-F687-4f45-9708-019B960494DF}">
-                  <a14:hiddenLine xmlns="" xmlns:a14="http://schemas.microsoft.com/office/drawing/2010/main" w="9525">
+                  <a14:hiddenLine xmlns:a14="http://schemas.microsoft.com/office/drawing/2010/main" xmlns="" w="9525">
                     <a:solidFill>
                       <a:srgbClr val="000000"/>
                     </a:solidFill>
@@ -11684,7 +11680,7 @@
               </a:ln>
               <a:extLst>
                 <a:ext uri="{91240B29-F687-4f45-9708-019B960494DF}">
-                  <a14:hiddenLine xmlns="" xmlns:a14="http://schemas.microsoft.com/office/drawing/2010/main" w="9525">
+                  <a14:hiddenLine xmlns:a14="http://schemas.microsoft.com/office/drawing/2010/main" xmlns="" w="9525">
                     <a:solidFill>
                       <a:srgbClr val="000000"/>
                     </a:solidFill>
@@ -11749,7 +11745,7 @@
               </a:ln>
               <a:extLst>
                 <a:ext uri="{91240B29-F687-4f45-9708-019B960494DF}">
-                  <a14:hiddenLine xmlns="" xmlns:a14="http://schemas.microsoft.com/office/drawing/2010/main" w="9525">
+                  <a14:hiddenLine xmlns:a14="http://schemas.microsoft.com/office/drawing/2010/main" xmlns="" w="9525">
                     <a:solidFill>
                       <a:srgbClr val="000000"/>
                     </a:solidFill>
@@ -11869,7 +11865,7 @@
               </a:ln>
               <a:extLst>
                 <a:ext uri="{91240B29-F687-4f45-9708-019B960494DF}">
-                  <a14:hiddenLine xmlns="" xmlns:a14="http://schemas.microsoft.com/office/drawing/2010/main" w="9525">
+                  <a14:hiddenLine xmlns:a14="http://schemas.microsoft.com/office/drawing/2010/main" xmlns="" w="9525">
                     <a:solidFill>
                       <a:srgbClr val="000000"/>
                     </a:solidFill>
@@ -11950,7 +11946,7 @@
               </a:ln>
               <a:extLst>
                 <a:ext uri="{91240B29-F687-4f45-9708-019B960494DF}">
-                  <a14:hiddenLine xmlns="" xmlns:a14="http://schemas.microsoft.com/office/drawing/2010/main" w="9525">
+                  <a14:hiddenLine xmlns:a14="http://schemas.microsoft.com/office/drawing/2010/main" xmlns="" w="9525">
                     <a:solidFill>
                       <a:srgbClr val="000000"/>
                     </a:solidFill>
@@ -12065,7 +12061,7 @@
               </a:ln>
               <a:extLst>
                 <a:ext uri="{91240B29-F687-4f45-9708-019B960494DF}">
-                  <a14:hiddenLine xmlns="" xmlns:a14="http://schemas.microsoft.com/office/drawing/2010/main" w="9525">
+                  <a14:hiddenLine xmlns:a14="http://schemas.microsoft.com/office/drawing/2010/main" xmlns="" w="9525">
                     <a:solidFill>
                       <a:srgbClr val="000000"/>
                     </a:solidFill>
@@ -12155,7 +12151,7 @@
               </a:ln>
               <a:extLst>
                 <a:ext uri="{91240B29-F687-4f45-9708-019B960494DF}">
-                  <a14:hiddenLine xmlns="" xmlns:a14="http://schemas.microsoft.com/office/drawing/2010/main" w="9525">
+                  <a14:hiddenLine xmlns:a14="http://schemas.microsoft.com/office/drawing/2010/main" xmlns="" w="9525">
                     <a:solidFill>
                       <a:srgbClr val="000000"/>
                     </a:solidFill>
@@ -12220,7 +12216,7 @@
               </a:ln>
               <a:extLst>
                 <a:ext uri="{91240B29-F687-4f45-9708-019B960494DF}">
-                  <a14:hiddenLine xmlns="" xmlns:a14="http://schemas.microsoft.com/office/drawing/2010/main" w="9525">
+                  <a14:hiddenLine xmlns:a14="http://schemas.microsoft.com/office/drawing/2010/main" xmlns="" w="9525">
                     <a:solidFill>
                       <a:srgbClr val="000000"/>
                     </a:solidFill>
@@ -12310,7 +12306,7 @@
               </a:ln>
               <a:extLst>
                 <a:ext uri="{91240B29-F687-4f45-9708-019B960494DF}">
-                  <a14:hiddenLine xmlns="" xmlns:a14="http://schemas.microsoft.com/office/drawing/2010/main" w="9525">
+                  <a14:hiddenLine xmlns:a14="http://schemas.microsoft.com/office/drawing/2010/main" xmlns="" w="9525">
                     <a:solidFill>
                       <a:srgbClr val="000000"/>
                     </a:solidFill>
@@ -12378,7 +12374,7 @@
               </a:ln>
               <a:extLst>
                 <a:ext uri="{91240B29-F687-4f45-9708-019B960494DF}">
-                  <a14:hiddenLine xmlns="" xmlns:a14="http://schemas.microsoft.com/office/drawing/2010/main" w="9525">
+                  <a14:hiddenLine xmlns:a14="http://schemas.microsoft.com/office/drawing/2010/main" xmlns="" w="9525">
                     <a:solidFill>
                       <a:srgbClr val="000000"/>
                     </a:solidFill>
@@ -12468,7 +12464,7 @@
               </a:ln>
               <a:extLst>
                 <a:ext uri="{91240B29-F687-4f45-9708-019B960494DF}">
-                  <a14:hiddenLine xmlns="" xmlns:a14="http://schemas.microsoft.com/office/drawing/2010/main" w="9525">
+                  <a14:hiddenLine xmlns:a14="http://schemas.microsoft.com/office/drawing/2010/main" xmlns="" w="9525">
                     <a:solidFill>
                       <a:srgbClr val="000000"/>
                     </a:solidFill>
@@ -12536,7 +12532,7 @@
               </a:ln>
               <a:extLst>
                 <a:ext uri="{91240B29-F687-4f45-9708-019B960494DF}">
-                  <a14:hiddenLine xmlns="" xmlns:a14="http://schemas.microsoft.com/office/drawing/2010/main" w="9525">
+                  <a14:hiddenLine xmlns:a14="http://schemas.microsoft.com/office/drawing/2010/main" xmlns="" w="9525">
                     <a:solidFill>
                       <a:srgbClr val="000000"/>
                     </a:solidFill>
@@ -12626,7 +12622,7 @@
               </a:ln>
               <a:extLst>
                 <a:ext uri="{91240B29-F687-4f45-9708-019B960494DF}">
-                  <a14:hiddenLine xmlns="" xmlns:a14="http://schemas.microsoft.com/office/drawing/2010/main" w="9525">
+                  <a14:hiddenLine xmlns:a14="http://schemas.microsoft.com/office/drawing/2010/main" xmlns="" w="9525">
                     <a:solidFill>
                       <a:srgbClr val="000000"/>
                     </a:solidFill>
@@ -12660,7 +12656,7 @@
               </a:ln>
               <a:extLst>
                 <a:ext uri="{91240B29-F687-4f45-9708-019B960494DF}">
-                  <a14:hiddenLine xmlns="" xmlns:a14="http://schemas.microsoft.com/office/drawing/2010/main" w="9525">
+                  <a14:hiddenLine xmlns:a14="http://schemas.microsoft.com/office/drawing/2010/main" xmlns="" w="9525">
                     <a:solidFill>
                       <a:srgbClr val="000000"/>
                     </a:solidFill>
@@ -13294,13 +13290,6 @@
   <p:clrMapOvr>
     <a:masterClrMapping/>
   </p:clrMapOvr>
-  <p:timing>
-    <p:tnLst>
-      <p:par>
-        <p:cTn id="1" dur="indefinite" restart="never" nodeType="tmRoot"/>
-      </p:par>
-    </p:tnLst>
-  </p:timing>
 </p:sld>
 </file>
 
@@ -13378,35 +13367,19 @@
           <a:lstStyle/>
           <a:p>
             <a:r>
-              <a:rPr lang="en-US" dirty="0" smtClean="0"/>
-              <a:t>In software engineering the template method pattern </a:t>
+              <a:rPr lang="en-US" dirty="0"/>
+              <a:t>In software engineering the template method pattern is a behavioral design pattern that defines the program skeleton.</a:t>
             </a:r>
+          </a:p>
+          <a:p>
             <a:r>
               <a:rPr lang="en-US" dirty="0"/>
-              <a:t>is </a:t>
+              <a:t>Used to create a GROUP of subclasses that have EXECUTED SIMILAR group of methods</a:t>
             </a:r>
-            <a:r>
-              <a:rPr lang="en-US" dirty="0" smtClean="0"/>
-              <a:t>a behavioral </a:t>
-            </a:r>
+          </a:p>
+          <a:p>
             <a:r>
               <a:rPr lang="en-US" dirty="0"/>
-              <a:t>design pattern that defines the program </a:t>
-            </a:r>
-            <a:r>
-              <a:rPr lang="en-US" dirty="0" smtClean="0"/>
-              <a:t>skeleton.</a:t>
-            </a:r>
-          </a:p>
-          <a:p>
-            <a:r>
-              <a:rPr lang="en-US" dirty="0" smtClean="0"/>
-              <a:t>Used to create a GROUP of subclasses that have EXCUTED SIMLUAR group of methods</a:t>
-            </a:r>
-          </a:p>
-          <a:p>
-            <a:r>
-              <a:rPr lang="en-US" dirty="0" smtClean="0"/>
               <a:t>Serious methods calls that every subclass object will call</a:t>
             </a:r>
           </a:p>
@@ -13425,13 +13398,6 @@
   <p:clrMapOvr>
     <a:masterClrMapping/>
   </p:clrMapOvr>
-  <p:timing>
-    <p:tnLst>
-      <p:par>
-        <p:cTn id="1" dur="indefinite" restart="never" nodeType="tmRoot"/>
-      </p:par>
-    </p:tnLst>
-  </p:timing>
 </p:sld>
 </file>
 
@@ -13916,13 +13882,6 @@
   <p:clrMapOvr>
     <a:masterClrMapping/>
   </p:clrMapOvr>
-  <p:timing>
-    <p:tnLst>
-      <p:par>
-        <p:cTn id="1" dur="indefinite" restart="never" nodeType="tmRoot"/>
-      </p:par>
-    </p:tnLst>
-  </p:timing>
 </p:sld>
 </file>
 
@@ -13959,10 +13918,9 @@
           <a:lstStyle/>
           <a:p>
             <a:r>
-              <a:rPr lang="en-US" dirty="0" smtClean="0"/>
+              <a:rPr lang="en-US" dirty="0"/>
               <a:t>Code</a:t>
             </a:r>
-            <a:endParaRPr lang="en-US" dirty="0"/>
           </a:p>
         </p:txBody>
       </p:sp>
@@ -14002,13 +13960,6 @@
   <p:clrMapOvr>
     <a:masterClrMapping/>
   </p:clrMapOvr>
-  <p:timing>
-    <p:tnLst>
-      <p:par>
-        <p:cTn id="1" dur="indefinite" restart="never" nodeType="tmRoot"/>
-      </p:par>
-    </p:tnLst>
-  </p:timing>
 </p:sld>
 </file>
 
@@ -14079,32 +14030,24 @@
           <a:lstStyle/>
           <a:p>
             <a:r>
-              <a:rPr lang="en-US" dirty="0" smtClean="0"/>
+              <a:rPr lang="en-US" dirty="0"/>
               <a:t>The subclass objects can’t override some of the template method calls?</a:t>
             </a:r>
           </a:p>
           <a:p>
             <a:r>
-              <a:rPr lang="en-US" dirty="0" smtClean="0"/>
+              <a:rPr lang="en-US" dirty="0"/>
               <a:t>The template method cannot be define in the abstract class?</a:t>
             </a:r>
           </a:p>
           <a:p>
             <a:r>
               <a:rPr lang="en-US" dirty="0"/>
-              <a:t>Why </a:t>
+              <a:t>Why we don’t need template method if the subclasses will not be calling similar calls?</a:t>
             </a:r>
-            <a:r>
-              <a:rPr lang="en-US" dirty="0" smtClean="0"/>
-              <a:t>we </a:t>
-            </a:r>
-            <a:r>
-              <a:rPr lang="en-US" dirty="0"/>
-              <a:t>don’t need template method if the subclasses will not be calling similar calls?</a:t>
-            </a:r>
-          </a:p>
-          <a:p>
-            <a:endParaRPr lang="en-US" dirty="0" smtClean="0"/>
+          </a:p>
+          <a:p>
+            <a:endParaRPr lang="en-US" dirty="0"/>
           </a:p>
           <a:p>
             <a:endParaRPr lang="en-US" dirty="0"/>
@@ -14368,28 +14311,16 @@
           <a:lstStyle/>
           <a:p>
             <a:r>
-              <a:rPr lang="en-US" dirty="0" smtClean="0">
+              <a:rPr lang="en-US" dirty="0">
                 <a:hlinkClick r:id="rId3"/>
               </a:rPr>
-              <a:t>Template Design Pattern By: Derek </a:t>
+              <a:t>Template Design Pattern By: Derek Banas @newthinktank.com</a:t>
             </a:r>
+            <a:endParaRPr lang="en-US" dirty="0"/>
+          </a:p>
+          <a:p>
             <a:r>
-              <a:rPr lang="en-US" dirty="0" err="1" smtClean="0">
-                <a:hlinkClick r:id="rId3"/>
-              </a:rPr>
-              <a:t>Banas</a:t>
-            </a:r>
-            <a:r>
-              <a:rPr lang="en-US" smtClean="0">
-                <a:hlinkClick r:id="rId3"/>
-              </a:rPr>
-              <a:t> @newthinktank.com</a:t>
-            </a:r>
-            <a:endParaRPr lang="en-US" dirty="0" smtClean="0"/>
-          </a:p>
-          <a:p>
-            <a:r>
-              <a:rPr lang="en-US" dirty="0" smtClean="0">
+              <a:rPr lang="en-US" dirty="0">
                 <a:hlinkClick r:id="rId4"/>
               </a:rPr>
               <a:t>Template Method Pattern Wiki</a:t>
@@ -14408,13 +14339,6 @@
   <p:clrMapOvr>
     <a:masterClrMapping/>
   </p:clrMapOvr>
-  <p:timing>
-    <p:tnLst>
-      <p:par>
-        <p:cTn id="1" dur="indefinite" restart="never" nodeType="tmRoot"/>
-      </p:par>
-    </p:tnLst>
-  </p:timing>
 </p:sld>
 </file>
 

--- a/Design Patterns/Template Design Pattern.pptx
+++ b/Design Patterns/Template Design Pattern.pptx
@@ -1038,7 +1038,7 @@
           <a:noFill/>
           <a:extLst>
             <a:ext uri="{909E8E84-426E-40dd-AFC4-6F175D3DCCD1}">
-              <a14:hiddenFill xmlns:a14="http://schemas.microsoft.com/office/drawing/2010/main" xmlns="">
+              <a14:hiddenFill xmlns="" xmlns:a14="http://schemas.microsoft.com/office/drawing/2010/main">
                 <a:solidFill>
                   <a:srgbClr val="FFFFFF"/>
                 </a:solidFill>
@@ -1097,7 +1097,7 @@
             </a:ln>
             <a:extLst>
               <a:ext uri="{91240B29-F687-4f45-9708-019B960494DF}">
-                <a14:hiddenLine xmlns:a14="http://schemas.microsoft.com/office/drawing/2010/main" xmlns="" w="9525">
+                <a14:hiddenLine xmlns="" xmlns:a14="http://schemas.microsoft.com/office/drawing/2010/main" w="9525">
                   <a:solidFill>
                     <a:srgbClr val="000000"/>
                   </a:solidFill>
@@ -1187,7 +1187,7 @@
             </a:ln>
             <a:extLst>
               <a:ext uri="{91240B29-F687-4f45-9708-019B960494DF}">
-                <a14:hiddenLine xmlns:a14="http://schemas.microsoft.com/office/drawing/2010/main" xmlns="" w="9525">
+                <a14:hiddenLine xmlns="" xmlns:a14="http://schemas.microsoft.com/office/drawing/2010/main" w="9525">
                   <a:solidFill>
                     <a:srgbClr val="000000"/>
                   </a:solidFill>
@@ -1277,7 +1277,7 @@
             </a:ln>
             <a:extLst>
               <a:ext uri="{91240B29-F687-4f45-9708-019B960494DF}">
-                <a14:hiddenLine xmlns:a14="http://schemas.microsoft.com/office/drawing/2010/main" xmlns="" w="9525">
+                <a14:hiddenLine xmlns="" xmlns:a14="http://schemas.microsoft.com/office/drawing/2010/main" w="9525">
                   <a:solidFill>
                     <a:srgbClr val="000000"/>
                   </a:solidFill>
@@ -1311,7 +1311,7 @@
             </a:ln>
             <a:extLst>
               <a:ext uri="{91240B29-F687-4f45-9708-019B960494DF}">
-                <a14:hiddenLine xmlns:a14="http://schemas.microsoft.com/office/drawing/2010/main" xmlns="" w="9525">
+                <a14:hiddenLine xmlns="" xmlns:a14="http://schemas.microsoft.com/office/drawing/2010/main" w="9525">
                   <a:solidFill>
                     <a:srgbClr val="000000"/>
                   </a:solidFill>
@@ -1401,7 +1401,7 @@
             </a:ln>
             <a:extLst>
               <a:ext uri="{91240B29-F687-4f45-9708-019B960494DF}">
-                <a14:hiddenLine xmlns:a14="http://schemas.microsoft.com/office/drawing/2010/main" xmlns="" w="9525">
+                <a14:hiddenLine xmlns="" xmlns:a14="http://schemas.microsoft.com/office/drawing/2010/main" w="9525">
                   <a:solidFill>
                     <a:srgbClr val="000000"/>
                   </a:solidFill>
@@ -1463,7 +1463,7 @@
             </a:ln>
             <a:extLst>
               <a:ext uri="{91240B29-F687-4f45-9708-019B960494DF}">
-                <a14:hiddenLine xmlns:a14="http://schemas.microsoft.com/office/drawing/2010/main" xmlns="" w="9525">
+                <a14:hiddenLine xmlns="" xmlns:a14="http://schemas.microsoft.com/office/drawing/2010/main" w="9525">
                   <a:solidFill>
                     <a:srgbClr val="000000"/>
                   </a:solidFill>
@@ -1525,7 +1525,7 @@
             </a:ln>
             <a:extLst>
               <a:ext uri="{91240B29-F687-4f45-9708-019B960494DF}">
-                <a14:hiddenLine xmlns:a14="http://schemas.microsoft.com/office/drawing/2010/main" xmlns="" w="9525">
+                <a14:hiddenLine xmlns="" xmlns:a14="http://schemas.microsoft.com/office/drawing/2010/main" w="9525">
                   <a:solidFill>
                     <a:srgbClr val="000000"/>
                   </a:solidFill>
@@ -1615,7 +1615,7 @@
             </a:ln>
             <a:extLst>
               <a:ext uri="{91240B29-F687-4f45-9708-019B960494DF}">
-                <a14:hiddenLine xmlns:a14="http://schemas.microsoft.com/office/drawing/2010/main" xmlns="" w="9525">
+                <a14:hiddenLine xmlns="" xmlns:a14="http://schemas.microsoft.com/office/drawing/2010/main" w="9525">
                   <a:solidFill>
                     <a:srgbClr val="000000"/>
                   </a:solidFill>
@@ -1677,7 +1677,7 @@
             </a:ln>
             <a:extLst>
               <a:ext uri="{91240B29-F687-4f45-9708-019B960494DF}">
-                <a14:hiddenLine xmlns:a14="http://schemas.microsoft.com/office/drawing/2010/main" xmlns="" w="9525">
+                <a14:hiddenLine xmlns="" xmlns:a14="http://schemas.microsoft.com/office/drawing/2010/main" w="9525">
                   <a:solidFill>
                     <a:srgbClr val="000000"/>
                   </a:solidFill>
@@ -1739,7 +1739,7 @@
             </a:ln>
             <a:extLst>
               <a:ext uri="{91240B29-F687-4f45-9708-019B960494DF}">
-                <a14:hiddenLine xmlns:a14="http://schemas.microsoft.com/office/drawing/2010/main" xmlns="" w="9525">
+                <a14:hiddenLine xmlns="" xmlns:a14="http://schemas.microsoft.com/office/drawing/2010/main" w="9525">
                   <a:solidFill>
                     <a:srgbClr val="000000"/>
                   </a:solidFill>
@@ -1829,7 +1829,7 @@
             </a:ln>
             <a:extLst>
               <a:ext uri="{91240B29-F687-4f45-9708-019B960494DF}">
-                <a14:hiddenLine xmlns:a14="http://schemas.microsoft.com/office/drawing/2010/main" xmlns="" w="9525">
+                <a14:hiddenLine xmlns="" xmlns:a14="http://schemas.microsoft.com/office/drawing/2010/main" w="9525">
                   <a:solidFill>
                     <a:srgbClr val="000000"/>
                   </a:solidFill>
@@ -1919,7 +1919,7 @@
             </a:ln>
             <a:extLst>
               <a:ext uri="{91240B29-F687-4f45-9708-019B960494DF}">
-                <a14:hiddenLine xmlns:a14="http://schemas.microsoft.com/office/drawing/2010/main" xmlns="" w="9525">
+                <a14:hiddenLine xmlns="" xmlns:a14="http://schemas.microsoft.com/office/drawing/2010/main" w="9525">
                   <a:solidFill>
                     <a:srgbClr val="000000"/>
                   </a:solidFill>
@@ -1981,7 +1981,7 @@
             </a:ln>
             <a:extLst>
               <a:ext uri="{91240B29-F687-4f45-9708-019B960494DF}">
-                <a14:hiddenLine xmlns:a14="http://schemas.microsoft.com/office/drawing/2010/main" xmlns="" w="9525">
+                <a14:hiddenLine xmlns="" xmlns:a14="http://schemas.microsoft.com/office/drawing/2010/main" w="9525">
                   <a:solidFill>
                     <a:srgbClr val="000000"/>
                   </a:solidFill>
@@ -2091,7 +2091,7 @@
             </a:ln>
             <a:extLst>
               <a:ext uri="{91240B29-F687-4f45-9708-019B960494DF}">
-                <a14:hiddenLine xmlns:a14="http://schemas.microsoft.com/office/drawing/2010/main" xmlns="" w="9525">
+                <a14:hiddenLine xmlns="" xmlns:a14="http://schemas.microsoft.com/office/drawing/2010/main" w="9525">
                   <a:solidFill>
                     <a:srgbClr val="000000"/>
                   </a:solidFill>
@@ -2153,7 +2153,7 @@
             </a:ln>
             <a:extLst>
               <a:ext uri="{91240B29-F687-4f45-9708-019B960494DF}">
-                <a14:hiddenLine xmlns:a14="http://schemas.microsoft.com/office/drawing/2010/main" xmlns="" w="9525">
+                <a14:hiddenLine xmlns="" xmlns:a14="http://schemas.microsoft.com/office/drawing/2010/main" w="9525">
                   <a:solidFill>
                     <a:srgbClr val="000000"/>
                   </a:solidFill>
@@ -2243,7 +2243,7 @@
             </a:ln>
             <a:extLst>
               <a:ext uri="{91240B29-F687-4f45-9708-019B960494DF}">
-                <a14:hiddenLine xmlns:a14="http://schemas.microsoft.com/office/drawing/2010/main" xmlns="" w="9525">
+                <a14:hiddenLine xmlns="" xmlns:a14="http://schemas.microsoft.com/office/drawing/2010/main" w="9525">
                   <a:solidFill>
                     <a:srgbClr val="000000"/>
                   </a:solidFill>
@@ -2333,7 +2333,7 @@
             </a:ln>
             <a:extLst>
               <a:ext uri="{91240B29-F687-4f45-9708-019B960494DF}">
-                <a14:hiddenLine xmlns:a14="http://schemas.microsoft.com/office/drawing/2010/main" xmlns="" w="9525">
+                <a14:hiddenLine xmlns="" xmlns:a14="http://schemas.microsoft.com/office/drawing/2010/main" w="9525">
                   <a:solidFill>
                     <a:srgbClr val="000000"/>
                   </a:solidFill>
@@ -2395,7 +2395,7 @@
             </a:ln>
             <a:extLst>
               <a:ext uri="{91240B29-F687-4f45-9708-019B960494DF}">
-                <a14:hiddenLine xmlns:a14="http://schemas.microsoft.com/office/drawing/2010/main" xmlns="" w="9525">
+                <a14:hiddenLine xmlns="" xmlns:a14="http://schemas.microsoft.com/office/drawing/2010/main" w="9525">
                   <a:solidFill>
                     <a:srgbClr val="000000"/>
                   </a:solidFill>
@@ -2485,7 +2485,7 @@
             </a:ln>
             <a:extLst>
               <a:ext uri="{91240B29-F687-4f45-9708-019B960494DF}">
-                <a14:hiddenLine xmlns:a14="http://schemas.microsoft.com/office/drawing/2010/main" xmlns="" w="9525">
+                <a14:hiddenLine xmlns="" xmlns:a14="http://schemas.microsoft.com/office/drawing/2010/main" w="9525">
                   <a:solidFill>
                     <a:srgbClr val="000000"/>
                   </a:solidFill>
@@ -2575,7 +2575,7 @@
             </a:ln>
             <a:extLst>
               <a:ext uri="{91240B29-F687-4f45-9708-019B960494DF}">
-                <a14:hiddenLine xmlns:a14="http://schemas.microsoft.com/office/drawing/2010/main" xmlns="" w="9525">
+                <a14:hiddenLine xmlns="" xmlns:a14="http://schemas.microsoft.com/office/drawing/2010/main" w="9525">
                   <a:solidFill>
                     <a:srgbClr val="000000"/>
                   </a:solidFill>
@@ -2631,7 +2631,7 @@
             </a:ln>
             <a:extLst>
               <a:ext uri="{91240B29-F687-4f45-9708-019B960494DF}">
-                <a14:hiddenLine xmlns:a14="http://schemas.microsoft.com/office/drawing/2010/main" xmlns="" w="9525">
+                <a14:hiddenLine xmlns="" xmlns:a14="http://schemas.microsoft.com/office/drawing/2010/main" w="9525">
                   <a:solidFill>
                     <a:srgbClr val="000000"/>
                   </a:solidFill>
@@ -2721,7 +2721,7 @@
             </a:ln>
             <a:extLst>
               <a:ext uri="{91240B29-F687-4f45-9708-019B960494DF}">
-                <a14:hiddenLine xmlns:a14="http://schemas.microsoft.com/office/drawing/2010/main" xmlns="" w="9525">
+                <a14:hiddenLine xmlns="" xmlns:a14="http://schemas.microsoft.com/office/drawing/2010/main" w="9525">
                   <a:solidFill>
                     <a:srgbClr val="000000"/>
                   </a:solidFill>
@@ -2777,7 +2777,7 @@
             </a:ln>
             <a:extLst>
               <a:ext uri="{91240B29-F687-4f45-9708-019B960494DF}">
-                <a14:hiddenLine xmlns:a14="http://schemas.microsoft.com/office/drawing/2010/main" xmlns="" w="9525">
+                <a14:hiddenLine xmlns="" xmlns:a14="http://schemas.microsoft.com/office/drawing/2010/main" w="9525">
                   <a:solidFill>
                     <a:srgbClr val="000000"/>
                   </a:solidFill>
@@ -2867,7 +2867,7 @@
             </a:ln>
             <a:extLst>
               <a:ext uri="{91240B29-F687-4f45-9708-019B960494DF}">
-                <a14:hiddenLine xmlns:a14="http://schemas.microsoft.com/office/drawing/2010/main" xmlns="" w="9525">
+                <a14:hiddenLine xmlns="" xmlns:a14="http://schemas.microsoft.com/office/drawing/2010/main" w="9525">
                   <a:solidFill>
                     <a:srgbClr val="000000"/>
                   </a:solidFill>
@@ -2935,7 +2935,7 @@
             </a:ln>
             <a:extLst>
               <a:ext uri="{91240B29-F687-4f45-9708-019B960494DF}">
-                <a14:hiddenLine xmlns:a14="http://schemas.microsoft.com/office/drawing/2010/main" xmlns="" w="9525">
+                <a14:hiddenLine xmlns="" xmlns:a14="http://schemas.microsoft.com/office/drawing/2010/main" w="9525">
                   <a:solidFill>
                     <a:srgbClr val="000000"/>
                   </a:solidFill>
@@ -3025,7 +3025,7 @@
             </a:ln>
             <a:extLst>
               <a:ext uri="{91240B29-F687-4f45-9708-019B960494DF}">
-                <a14:hiddenLine xmlns:a14="http://schemas.microsoft.com/office/drawing/2010/main" xmlns="" w="9525">
+                <a14:hiddenLine xmlns="" xmlns:a14="http://schemas.microsoft.com/office/drawing/2010/main" w="9525">
                   <a:solidFill>
                     <a:srgbClr val="000000"/>
                   </a:solidFill>
@@ -3093,7 +3093,7 @@
             </a:ln>
             <a:extLst>
               <a:ext uri="{91240B29-F687-4f45-9708-019B960494DF}">
-                <a14:hiddenLine xmlns:a14="http://schemas.microsoft.com/office/drawing/2010/main" xmlns="" w="9525">
+                <a14:hiddenLine xmlns="" xmlns:a14="http://schemas.microsoft.com/office/drawing/2010/main" w="9525">
                   <a:solidFill>
                     <a:srgbClr val="000000"/>
                   </a:solidFill>
@@ -3183,7 +3183,7 @@
             </a:ln>
             <a:extLst>
               <a:ext uri="{91240B29-F687-4f45-9708-019B960494DF}">
-                <a14:hiddenLine xmlns:a14="http://schemas.microsoft.com/office/drawing/2010/main" xmlns="" w="9525">
+                <a14:hiddenLine xmlns="" xmlns:a14="http://schemas.microsoft.com/office/drawing/2010/main" w="9525">
                   <a:solidFill>
                     <a:srgbClr val="000000"/>
                   </a:solidFill>
@@ -3217,7 +3217,7 @@
             </a:ln>
             <a:extLst>
               <a:ext uri="{91240B29-F687-4f45-9708-019B960494DF}">
-                <a14:hiddenLine xmlns:a14="http://schemas.microsoft.com/office/drawing/2010/main" xmlns="" w="9525">
+                <a14:hiddenLine xmlns="" xmlns:a14="http://schemas.microsoft.com/office/drawing/2010/main" w="9525">
                   <a:solidFill>
                     <a:srgbClr val="000000"/>
                   </a:solidFill>
@@ -3307,7 +3307,7 @@
             </a:ln>
             <a:extLst>
               <a:ext uri="{91240B29-F687-4f45-9708-019B960494DF}">
-                <a14:hiddenLine xmlns:a14="http://schemas.microsoft.com/office/drawing/2010/main" xmlns="" w="9525">
+                <a14:hiddenLine xmlns="" xmlns:a14="http://schemas.microsoft.com/office/drawing/2010/main" w="9525">
                   <a:solidFill>
                     <a:srgbClr val="000000"/>
                   </a:solidFill>
@@ -3369,7 +3369,7 @@
             </a:ln>
             <a:extLst>
               <a:ext uri="{91240B29-F687-4f45-9708-019B960494DF}">
-                <a14:hiddenLine xmlns:a14="http://schemas.microsoft.com/office/drawing/2010/main" xmlns="" w="9525">
+                <a14:hiddenLine xmlns="" xmlns:a14="http://schemas.microsoft.com/office/drawing/2010/main" w="9525">
                   <a:solidFill>
                     <a:srgbClr val="000000"/>
                   </a:solidFill>
@@ -3431,7 +3431,7 @@
             </a:ln>
             <a:extLst>
               <a:ext uri="{91240B29-F687-4f45-9708-019B960494DF}">
-                <a14:hiddenLine xmlns:a14="http://schemas.microsoft.com/office/drawing/2010/main" xmlns="" w="9525">
+                <a14:hiddenLine xmlns="" xmlns:a14="http://schemas.microsoft.com/office/drawing/2010/main" w="9525">
                   <a:solidFill>
                     <a:srgbClr val="000000"/>
                   </a:solidFill>
@@ -3521,7 +3521,7 @@
             </a:ln>
             <a:extLst>
               <a:ext uri="{91240B29-F687-4f45-9708-019B960494DF}">
-                <a14:hiddenLine xmlns:a14="http://schemas.microsoft.com/office/drawing/2010/main" xmlns="" w="9525">
+                <a14:hiddenLine xmlns="" xmlns:a14="http://schemas.microsoft.com/office/drawing/2010/main" w="9525">
                   <a:solidFill>
                     <a:srgbClr val="000000"/>
                   </a:solidFill>
@@ -3589,7 +3589,7 @@
             </a:ln>
             <a:extLst>
               <a:ext uri="{91240B29-F687-4f45-9708-019B960494DF}">
-                <a14:hiddenLine xmlns:a14="http://schemas.microsoft.com/office/drawing/2010/main" xmlns="" w="9525">
+                <a14:hiddenLine xmlns="" xmlns:a14="http://schemas.microsoft.com/office/drawing/2010/main" w="9525">
                   <a:solidFill>
                     <a:srgbClr val="000000"/>
                   </a:solidFill>
@@ -3651,7 +3651,7 @@
             </a:ln>
             <a:extLst>
               <a:ext uri="{91240B29-F687-4f45-9708-019B960494DF}">
-                <a14:hiddenLine xmlns:a14="http://schemas.microsoft.com/office/drawing/2010/main" xmlns="" w="9525">
+                <a14:hiddenLine xmlns="" xmlns:a14="http://schemas.microsoft.com/office/drawing/2010/main" w="9525">
                   <a:solidFill>
                     <a:srgbClr val="000000"/>
                   </a:solidFill>
@@ -3741,7 +3741,7 @@
             </a:ln>
             <a:extLst>
               <a:ext uri="{91240B29-F687-4f45-9708-019B960494DF}">
-                <a14:hiddenLine xmlns:a14="http://schemas.microsoft.com/office/drawing/2010/main" xmlns="" w="9525">
+                <a14:hiddenLine xmlns="" xmlns:a14="http://schemas.microsoft.com/office/drawing/2010/main" w="9525">
                   <a:solidFill>
                     <a:srgbClr val="000000"/>
                   </a:solidFill>
@@ -3803,7 +3803,7 @@
             </a:ln>
             <a:extLst>
               <a:ext uri="{91240B29-F687-4f45-9708-019B960494DF}">
-                <a14:hiddenLine xmlns:a14="http://schemas.microsoft.com/office/drawing/2010/main" xmlns="" w="9525">
+                <a14:hiddenLine xmlns="" xmlns:a14="http://schemas.microsoft.com/office/drawing/2010/main" w="9525">
                   <a:solidFill>
                     <a:srgbClr val="000000"/>
                   </a:solidFill>
@@ -3893,7 +3893,7 @@
             </a:ln>
             <a:extLst>
               <a:ext uri="{91240B29-F687-4f45-9708-019B960494DF}">
-                <a14:hiddenLine xmlns:a14="http://schemas.microsoft.com/office/drawing/2010/main" xmlns="" w="9525">
+                <a14:hiddenLine xmlns="" xmlns:a14="http://schemas.microsoft.com/office/drawing/2010/main" w="9525">
                   <a:solidFill>
                     <a:srgbClr val="000000"/>
                   </a:solidFill>
@@ -3955,7 +3955,7 @@
             </a:ln>
             <a:extLst>
               <a:ext uri="{91240B29-F687-4f45-9708-019B960494DF}">
-                <a14:hiddenLine xmlns:a14="http://schemas.microsoft.com/office/drawing/2010/main" xmlns="" w="9525">
+                <a14:hiddenLine xmlns="" xmlns:a14="http://schemas.microsoft.com/office/drawing/2010/main" w="9525">
                   <a:solidFill>
                     <a:srgbClr val="000000"/>
                   </a:solidFill>
@@ -4045,7 +4045,7 @@
             </a:ln>
             <a:extLst>
               <a:ext uri="{91240B29-F687-4f45-9708-019B960494DF}">
-                <a14:hiddenLine xmlns:a14="http://schemas.microsoft.com/office/drawing/2010/main" xmlns="" w="9525">
+                <a14:hiddenLine xmlns="" xmlns:a14="http://schemas.microsoft.com/office/drawing/2010/main" w="9525">
                   <a:solidFill>
                     <a:srgbClr val="000000"/>
                   </a:solidFill>
@@ -4079,7 +4079,7 @@
             </a:ln>
             <a:extLst>
               <a:ext uri="{91240B29-F687-4f45-9708-019B960494DF}">
-                <a14:hiddenLine xmlns:a14="http://schemas.microsoft.com/office/drawing/2010/main" xmlns="" w="9525">
+                <a14:hiddenLine xmlns="" xmlns:a14="http://schemas.microsoft.com/office/drawing/2010/main" w="9525">
                   <a:solidFill>
                     <a:srgbClr val="000000"/>
                   </a:solidFill>
@@ -4144,7 +4144,7 @@
             </a:ln>
             <a:extLst>
               <a:ext uri="{91240B29-F687-4f45-9708-019B960494DF}">
-                <a14:hiddenLine xmlns:a14="http://schemas.microsoft.com/office/drawing/2010/main" xmlns="" w="9525">
+                <a14:hiddenLine xmlns="" xmlns:a14="http://schemas.microsoft.com/office/drawing/2010/main" w="9525">
                   <a:solidFill>
                     <a:srgbClr val="000000"/>
                   </a:solidFill>
@@ -4234,7 +4234,7 @@
             </a:ln>
             <a:extLst>
               <a:ext uri="{91240B29-F687-4f45-9708-019B960494DF}">
-                <a14:hiddenLine xmlns:a14="http://schemas.microsoft.com/office/drawing/2010/main" xmlns="" w="9525">
+                <a14:hiddenLine xmlns="" xmlns:a14="http://schemas.microsoft.com/office/drawing/2010/main" w="9525">
                   <a:solidFill>
                     <a:srgbClr val="000000"/>
                   </a:solidFill>
@@ -4296,7 +4296,7 @@
             </a:ln>
             <a:extLst>
               <a:ext uri="{91240B29-F687-4f45-9708-019B960494DF}">
-                <a14:hiddenLine xmlns:a14="http://schemas.microsoft.com/office/drawing/2010/main" xmlns="" w="9525">
+                <a14:hiddenLine xmlns="" xmlns:a14="http://schemas.microsoft.com/office/drawing/2010/main" w="9525">
                   <a:solidFill>
                     <a:srgbClr val="000000"/>
                   </a:solidFill>
@@ -4386,7 +4386,7 @@
             </a:ln>
             <a:extLst>
               <a:ext uri="{91240B29-F687-4f45-9708-019B960494DF}">
-                <a14:hiddenLine xmlns:a14="http://schemas.microsoft.com/office/drawing/2010/main" xmlns="" w="9525">
+                <a14:hiddenLine xmlns="" xmlns:a14="http://schemas.microsoft.com/office/drawing/2010/main" w="9525">
                   <a:solidFill>
                     <a:srgbClr val="000000"/>
                   </a:solidFill>
@@ -4476,7 +4476,7 @@
             </a:ln>
             <a:extLst>
               <a:ext uri="{91240B29-F687-4f45-9708-019B960494DF}">
-                <a14:hiddenLine xmlns:a14="http://schemas.microsoft.com/office/drawing/2010/main" xmlns="" w="9525">
+                <a14:hiddenLine xmlns="" xmlns:a14="http://schemas.microsoft.com/office/drawing/2010/main" w="9525">
                   <a:solidFill>
                     <a:srgbClr val="000000"/>
                   </a:solidFill>
@@ -4541,7 +4541,7 @@
             </a:ln>
             <a:extLst>
               <a:ext uri="{91240B29-F687-4f45-9708-019B960494DF}">
-                <a14:hiddenLine xmlns:a14="http://schemas.microsoft.com/office/drawing/2010/main" xmlns="" w="9525">
+                <a14:hiddenLine xmlns="" xmlns:a14="http://schemas.microsoft.com/office/drawing/2010/main" w="9525">
                   <a:solidFill>
                     <a:srgbClr val="000000"/>
                   </a:solidFill>
@@ -4603,7 +4603,7 @@
             </a:ln>
             <a:extLst>
               <a:ext uri="{91240B29-F687-4f45-9708-019B960494DF}">
-                <a14:hiddenLine xmlns:a14="http://schemas.microsoft.com/office/drawing/2010/main" xmlns="" w="9525">
+                <a14:hiddenLine xmlns="" xmlns:a14="http://schemas.microsoft.com/office/drawing/2010/main" w="9525">
                   <a:solidFill>
                     <a:srgbClr val="000000"/>
                   </a:solidFill>
@@ -4693,7 +4693,7 @@
             </a:ln>
             <a:extLst>
               <a:ext uri="{91240B29-F687-4f45-9708-019B960494DF}">
-                <a14:hiddenLine xmlns:a14="http://schemas.microsoft.com/office/drawing/2010/main" xmlns="" w="9525">
+                <a14:hiddenLine xmlns="" xmlns:a14="http://schemas.microsoft.com/office/drawing/2010/main" w="9525">
                   <a:solidFill>
                     <a:srgbClr val="000000"/>
                   </a:solidFill>
@@ -4783,7 +4783,7 @@
             </a:ln>
             <a:extLst>
               <a:ext uri="{91240B29-F687-4f45-9708-019B960494DF}">
-                <a14:hiddenLine xmlns:a14="http://schemas.microsoft.com/office/drawing/2010/main" xmlns="" w="9525">
+                <a14:hiddenLine xmlns="" xmlns:a14="http://schemas.microsoft.com/office/drawing/2010/main" w="9525">
                   <a:solidFill>
                     <a:srgbClr val="000000"/>
                   </a:solidFill>
@@ -4845,7 +4845,7 @@
             </a:ln>
             <a:extLst>
               <a:ext uri="{91240B29-F687-4f45-9708-019B960494DF}">
-                <a14:hiddenLine xmlns:a14="http://schemas.microsoft.com/office/drawing/2010/main" xmlns="" w="9525">
+                <a14:hiddenLine xmlns="" xmlns:a14="http://schemas.microsoft.com/office/drawing/2010/main" w="9525">
                   <a:solidFill>
                     <a:srgbClr val="000000"/>
                   </a:solidFill>
@@ -4965,7 +4965,7 @@
             </a:ln>
             <a:extLst>
               <a:ext uri="{91240B29-F687-4f45-9708-019B960494DF}">
-                <a14:hiddenLine xmlns:a14="http://schemas.microsoft.com/office/drawing/2010/main" xmlns="" w="9525">
+                <a14:hiddenLine xmlns="" xmlns:a14="http://schemas.microsoft.com/office/drawing/2010/main" w="9525">
                   <a:solidFill>
                     <a:srgbClr val="000000"/>
                   </a:solidFill>
@@ -5033,7 +5033,7 @@
             </a:ln>
             <a:extLst>
               <a:ext uri="{91240B29-F687-4f45-9708-019B960494DF}">
-                <a14:hiddenLine xmlns:a14="http://schemas.microsoft.com/office/drawing/2010/main" xmlns="" w="9525">
+                <a14:hiddenLine xmlns="" xmlns:a14="http://schemas.microsoft.com/office/drawing/2010/main" w="9525">
                   <a:solidFill>
                     <a:srgbClr val="000000"/>
                   </a:solidFill>
@@ -5123,7 +5123,7 @@
             </a:ln>
             <a:extLst>
               <a:ext uri="{91240B29-F687-4f45-9708-019B960494DF}">
-                <a14:hiddenLine xmlns:a14="http://schemas.microsoft.com/office/drawing/2010/main" xmlns="" w="9525">
+                <a14:hiddenLine xmlns="" xmlns:a14="http://schemas.microsoft.com/office/drawing/2010/main" w="9525">
                   <a:solidFill>
                     <a:srgbClr val="000000"/>
                   </a:solidFill>
@@ -9852,7 +9852,7 @@
           <a:noFill/>
           <a:extLst>
             <a:ext uri="{909E8E84-426E-40dd-AFC4-6F175D3DCCD1}">
-              <a14:hiddenFill xmlns:a14="http://schemas.microsoft.com/office/drawing/2010/main" xmlns="">
+              <a14:hiddenFill xmlns="" xmlns:a14="http://schemas.microsoft.com/office/drawing/2010/main">
                 <a:solidFill>
                   <a:srgbClr val="FFFFFF"/>
                 </a:solidFill>
@@ -9926,7 +9926,7 @@
               </a:ln>
               <a:extLst>
                 <a:ext uri="{91240B29-F687-4f45-9708-019B960494DF}">
-                  <a14:hiddenLine xmlns:a14="http://schemas.microsoft.com/office/drawing/2010/main" xmlns="" w="9525">
+                  <a14:hiddenLine xmlns="" xmlns:a14="http://schemas.microsoft.com/office/drawing/2010/main" w="9525">
                     <a:solidFill>
                       <a:srgbClr val="000000"/>
                     </a:solidFill>
@@ -10016,7 +10016,7 @@
               </a:ln>
               <a:extLst>
                 <a:ext uri="{91240B29-F687-4f45-9708-019B960494DF}">
-                  <a14:hiddenLine xmlns:a14="http://schemas.microsoft.com/office/drawing/2010/main" xmlns="" w="9525">
+                  <a14:hiddenLine xmlns="" xmlns:a14="http://schemas.microsoft.com/office/drawing/2010/main" w="9525">
                     <a:solidFill>
                       <a:srgbClr val="000000"/>
                     </a:solidFill>
@@ -10106,7 +10106,7 @@
               </a:ln>
               <a:extLst>
                 <a:ext uri="{91240B29-F687-4f45-9708-019B960494DF}">
-                  <a14:hiddenLine xmlns:a14="http://schemas.microsoft.com/office/drawing/2010/main" xmlns="" w="9525">
+                  <a14:hiddenLine xmlns="" xmlns:a14="http://schemas.microsoft.com/office/drawing/2010/main" w="9525">
                     <a:solidFill>
                       <a:srgbClr val="000000"/>
                     </a:solidFill>
@@ -10168,7 +10168,7 @@
               </a:ln>
               <a:extLst>
                 <a:ext uri="{91240B29-F687-4f45-9708-019B960494DF}">
-                  <a14:hiddenLine xmlns:a14="http://schemas.microsoft.com/office/drawing/2010/main" xmlns="" w="9525">
+                  <a14:hiddenLine xmlns="" xmlns:a14="http://schemas.microsoft.com/office/drawing/2010/main" w="9525">
                     <a:solidFill>
                       <a:srgbClr val="000000"/>
                     </a:solidFill>
@@ -10258,7 +10258,7 @@
               </a:ln>
               <a:extLst>
                 <a:ext uri="{91240B29-F687-4f45-9708-019B960494DF}">
-                  <a14:hiddenLine xmlns:a14="http://schemas.microsoft.com/office/drawing/2010/main" xmlns="" w="9525">
+                  <a14:hiddenLine xmlns="" xmlns:a14="http://schemas.microsoft.com/office/drawing/2010/main" w="9525">
                     <a:solidFill>
                       <a:srgbClr val="000000"/>
                     </a:solidFill>
@@ -10320,7 +10320,7 @@
               </a:ln>
               <a:extLst>
                 <a:ext uri="{91240B29-F687-4f45-9708-019B960494DF}">
-                  <a14:hiddenLine xmlns:a14="http://schemas.microsoft.com/office/drawing/2010/main" xmlns="" w="9525">
+                  <a14:hiddenLine xmlns="" xmlns:a14="http://schemas.microsoft.com/office/drawing/2010/main" w="9525">
                     <a:solidFill>
                       <a:srgbClr val="000000"/>
                     </a:solidFill>
@@ -10382,7 +10382,7 @@
               </a:ln>
               <a:extLst>
                 <a:ext uri="{91240B29-F687-4f45-9708-019B960494DF}">
-                  <a14:hiddenLine xmlns:a14="http://schemas.microsoft.com/office/drawing/2010/main" xmlns="" w="9525">
+                  <a14:hiddenLine xmlns="" xmlns:a14="http://schemas.microsoft.com/office/drawing/2010/main" w="9525">
                     <a:solidFill>
                       <a:srgbClr val="000000"/>
                     </a:solidFill>
@@ -10472,7 +10472,7 @@
               </a:ln>
               <a:extLst>
                 <a:ext uri="{91240B29-F687-4f45-9708-019B960494DF}">
-                  <a14:hiddenLine xmlns:a14="http://schemas.microsoft.com/office/drawing/2010/main" xmlns="" w="9525">
+                  <a14:hiddenLine xmlns="" xmlns:a14="http://schemas.microsoft.com/office/drawing/2010/main" w="9525">
                     <a:solidFill>
                       <a:srgbClr val="000000"/>
                     </a:solidFill>
@@ -10562,7 +10562,7 @@
               </a:ln>
               <a:extLst>
                 <a:ext uri="{91240B29-F687-4f45-9708-019B960494DF}">
-                  <a14:hiddenLine xmlns:a14="http://schemas.microsoft.com/office/drawing/2010/main" xmlns="" w="9525">
+                  <a14:hiddenLine xmlns="" xmlns:a14="http://schemas.microsoft.com/office/drawing/2010/main" w="9525">
                     <a:solidFill>
                       <a:srgbClr val="000000"/>
                     </a:solidFill>
@@ -10624,7 +10624,7 @@
               </a:ln>
               <a:extLst>
                 <a:ext uri="{91240B29-F687-4f45-9708-019B960494DF}">
-                  <a14:hiddenLine xmlns:a14="http://schemas.microsoft.com/office/drawing/2010/main" xmlns="" w="9525">
+                  <a14:hiddenLine xmlns="" xmlns:a14="http://schemas.microsoft.com/office/drawing/2010/main" w="9525">
                     <a:solidFill>
                       <a:srgbClr val="000000"/>
                     </a:solidFill>
@@ -10734,7 +10734,7 @@
               </a:ln>
               <a:extLst>
                 <a:ext uri="{91240B29-F687-4f45-9708-019B960494DF}">
-                  <a14:hiddenLine xmlns:a14="http://schemas.microsoft.com/office/drawing/2010/main" xmlns="" w="9525">
+                  <a14:hiddenLine xmlns="" xmlns:a14="http://schemas.microsoft.com/office/drawing/2010/main" w="9525">
                     <a:solidFill>
                       <a:srgbClr val="000000"/>
                     </a:solidFill>
@@ -10818,7 +10818,7 @@
               </a:ln>
               <a:extLst>
                 <a:ext uri="{91240B29-F687-4f45-9708-019B960494DF}">
-                  <a14:hiddenLine xmlns:a14="http://schemas.microsoft.com/office/drawing/2010/main" xmlns="" w="9525">
+                  <a14:hiddenLine xmlns="" xmlns:a14="http://schemas.microsoft.com/office/drawing/2010/main" w="9525">
                     <a:solidFill>
                       <a:srgbClr val="000000"/>
                     </a:solidFill>
@@ -10880,7 +10880,7 @@
               </a:ln>
               <a:extLst>
                 <a:ext uri="{91240B29-F687-4f45-9708-019B960494DF}">
-                  <a14:hiddenLine xmlns:a14="http://schemas.microsoft.com/office/drawing/2010/main" xmlns="" w="9525">
+                  <a14:hiddenLine xmlns="" xmlns:a14="http://schemas.microsoft.com/office/drawing/2010/main" w="9525">
                     <a:solidFill>
                       <a:srgbClr val="000000"/>
                     </a:solidFill>
@@ -10942,7 +10942,7 @@
               </a:ln>
               <a:extLst>
                 <a:ext uri="{91240B29-F687-4f45-9708-019B960494DF}">
-                  <a14:hiddenLine xmlns:a14="http://schemas.microsoft.com/office/drawing/2010/main" xmlns="" w="9525">
+                  <a14:hiddenLine xmlns="" xmlns:a14="http://schemas.microsoft.com/office/drawing/2010/main" w="9525">
                     <a:solidFill>
                       <a:srgbClr val="000000"/>
                     </a:solidFill>
@@ -11032,7 +11032,7 @@
               </a:ln>
               <a:extLst>
                 <a:ext uri="{91240B29-F687-4f45-9708-019B960494DF}">
-                  <a14:hiddenLine xmlns:a14="http://schemas.microsoft.com/office/drawing/2010/main" xmlns="" w="9525">
+                  <a14:hiddenLine xmlns="" xmlns:a14="http://schemas.microsoft.com/office/drawing/2010/main" w="9525">
                     <a:solidFill>
                       <a:srgbClr val="000000"/>
                     </a:solidFill>
@@ -11066,7 +11066,7 @@
               </a:ln>
               <a:extLst>
                 <a:ext uri="{91240B29-F687-4f45-9708-019B960494DF}">
-                  <a14:hiddenLine xmlns:a14="http://schemas.microsoft.com/office/drawing/2010/main" xmlns="" w="9525">
+                  <a14:hiddenLine xmlns="" xmlns:a14="http://schemas.microsoft.com/office/drawing/2010/main" w="9525">
                     <a:solidFill>
                       <a:srgbClr val="000000"/>
                     </a:solidFill>
@@ -11131,7 +11131,7 @@
               </a:ln>
               <a:extLst>
                 <a:ext uri="{91240B29-F687-4f45-9708-019B960494DF}">
-                  <a14:hiddenLine xmlns:a14="http://schemas.microsoft.com/office/drawing/2010/main" xmlns="" w="9525">
+                  <a14:hiddenLine xmlns="" xmlns:a14="http://schemas.microsoft.com/office/drawing/2010/main" w="9525">
                     <a:solidFill>
                       <a:srgbClr val="000000"/>
                     </a:solidFill>
@@ -11221,7 +11221,7 @@
               </a:ln>
               <a:extLst>
                 <a:ext uri="{91240B29-F687-4f45-9708-019B960494DF}">
-                  <a14:hiddenLine xmlns:a14="http://schemas.microsoft.com/office/drawing/2010/main" xmlns="" w="9525">
+                  <a14:hiddenLine xmlns="" xmlns:a14="http://schemas.microsoft.com/office/drawing/2010/main" w="9525">
                     <a:solidFill>
                       <a:srgbClr val="000000"/>
                     </a:solidFill>
@@ -11283,7 +11283,7 @@
               </a:ln>
               <a:extLst>
                 <a:ext uri="{91240B29-F687-4f45-9708-019B960494DF}">
-                  <a14:hiddenLine xmlns:a14="http://schemas.microsoft.com/office/drawing/2010/main" xmlns="" w="9525">
+                  <a14:hiddenLine xmlns="" xmlns:a14="http://schemas.microsoft.com/office/drawing/2010/main" w="9525">
                     <a:solidFill>
                       <a:srgbClr val="000000"/>
                     </a:solidFill>
@@ -11373,7 +11373,7 @@
               </a:ln>
               <a:extLst>
                 <a:ext uri="{91240B29-F687-4f45-9708-019B960494DF}">
-                  <a14:hiddenLine xmlns:a14="http://schemas.microsoft.com/office/drawing/2010/main" xmlns="" w="9525">
+                  <a14:hiddenLine xmlns="" xmlns:a14="http://schemas.microsoft.com/office/drawing/2010/main" w="9525">
                     <a:solidFill>
                       <a:srgbClr val="000000"/>
                     </a:solidFill>
@@ -11438,7 +11438,7 @@
               </a:ln>
               <a:extLst>
                 <a:ext uri="{91240B29-F687-4f45-9708-019B960494DF}">
-                  <a14:hiddenLine xmlns:a14="http://schemas.microsoft.com/office/drawing/2010/main" xmlns="" w="9525">
+                  <a14:hiddenLine xmlns="" xmlns:a14="http://schemas.microsoft.com/office/drawing/2010/main" w="9525">
                     <a:solidFill>
                       <a:srgbClr val="000000"/>
                     </a:solidFill>
@@ -11500,7 +11500,7 @@
               </a:ln>
               <a:extLst>
                 <a:ext uri="{91240B29-F687-4f45-9708-019B960494DF}">
-                  <a14:hiddenLine xmlns:a14="http://schemas.microsoft.com/office/drawing/2010/main" xmlns="" w="9525">
+                  <a14:hiddenLine xmlns="" xmlns:a14="http://schemas.microsoft.com/office/drawing/2010/main" w="9525">
                     <a:solidFill>
                       <a:srgbClr val="000000"/>
                     </a:solidFill>
@@ -11590,7 +11590,7 @@
               </a:ln>
               <a:extLst>
                 <a:ext uri="{91240B29-F687-4f45-9708-019B960494DF}">
-                  <a14:hiddenLine xmlns:a14="http://schemas.microsoft.com/office/drawing/2010/main" xmlns="" w="9525">
+                  <a14:hiddenLine xmlns="" xmlns:a14="http://schemas.microsoft.com/office/drawing/2010/main" w="9525">
                     <a:solidFill>
                       <a:srgbClr val="000000"/>
                     </a:solidFill>
@@ -11680,7 +11680,7 @@
               </a:ln>
               <a:extLst>
                 <a:ext uri="{91240B29-F687-4f45-9708-019B960494DF}">
-                  <a14:hiddenLine xmlns:a14="http://schemas.microsoft.com/office/drawing/2010/main" xmlns="" w="9525">
+                  <a14:hiddenLine xmlns="" xmlns:a14="http://schemas.microsoft.com/office/drawing/2010/main" w="9525">
                     <a:solidFill>
                       <a:srgbClr val="000000"/>
                     </a:solidFill>
@@ -11745,7 +11745,7 @@
               </a:ln>
               <a:extLst>
                 <a:ext uri="{91240B29-F687-4f45-9708-019B960494DF}">
-                  <a14:hiddenLine xmlns:a14="http://schemas.microsoft.com/office/drawing/2010/main" xmlns="" w="9525">
+                  <a14:hiddenLine xmlns="" xmlns:a14="http://schemas.microsoft.com/office/drawing/2010/main" w="9525">
                     <a:solidFill>
                       <a:srgbClr val="000000"/>
                     </a:solidFill>
@@ -11865,7 +11865,7 @@
               </a:ln>
               <a:extLst>
                 <a:ext uri="{91240B29-F687-4f45-9708-019B960494DF}">
-                  <a14:hiddenLine xmlns:a14="http://schemas.microsoft.com/office/drawing/2010/main" xmlns="" w="9525">
+                  <a14:hiddenLine xmlns="" xmlns:a14="http://schemas.microsoft.com/office/drawing/2010/main" w="9525">
                     <a:solidFill>
                       <a:srgbClr val="000000"/>
                     </a:solidFill>
@@ -11946,7 +11946,7 @@
               </a:ln>
               <a:extLst>
                 <a:ext uri="{91240B29-F687-4f45-9708-019B960494DF}">
-                  <a14:hiddenLine xmlns:a14="http://schemas.microsoft.com/office/drawing/2010/main" xmlns="" w="9525">
+                  <a14:hiddenLine xmlns="" xmlns:a14="http://schemas.microsoft.com/office/drawing/2010/main" w="9525">
                     <a:solidFill>
                       <a:srgbClr val="000000"/>
                     </a:solidFill>
@@ -12061,7 +12061,7 @@
               </a:ln>
               <a:extLst>
                 <a:ext uri="{91240B29-F687-4f45-9708-019B960494DF}">
-                  <a14:hiddenLine xmlns:a14="http://schemas.microsoft.com/office/drawing/2010/main" xmlns="" w="9525">
+                  <a14:hiddenLine xmlns="" xmlns:a14="http://schemas.microsoft.com/office/drawing/2010/main" w="9525">
                     <a:solidFill>
                       <a:srgbClr val="000000"/>
                     </a:solidFill>
@@ -12151,7 +12151,7 @@
               </a:ln>
               <a:extLst>
                 <a:ext uri="{91240B29-F687-4f45-9708-019B960494DF}">
-                  <a14:hiddenLine xmlns:a14="http://schemas.microsoft.com/office/drawing/2010/main" xmlns="" w="9525">
+                  <a14:hiddenLine xmlns="" xmlns:a14="http://schemas.microsoft.com/office/drawing/2010/main" w="9525">
                     <a:solidFill>
                       <a:srgbClr val="000000"/>
                     </a:solidFill>
@@ -12216,7 +12216,7 @@
               </a:ln>
               <a:extLst>
                 <a:ext uri="{91240B29-F687-4f45-9708-019B960494DF}">
-                  <a14:hiddenLine xmlns:a14="http://schemas.microsoft.com/office/drawing/2010/main" xmlns="" w="9525">
+                  <a14:hiddenLine xmlns="" xmlns:a14="http://schemas.microsoft.com/office/drawing/2010/main" w="9525">
                     <a:solidFill>
                       <a:srgbClr val="000000"/>
                     </a:solidFill>
@@ -12306,7 +12306,7 @@
               </a:ln>
               <a:extLst>
                 <a:ext uri="{91240B29-F687-4f45-9708-019B960494DF}">
-                  <a14:hiddenLine xmlns:a14="http://schemas.microsoft.com/office/drawing/2010/main" xmlns="" w="9525">
+                  <a14:hiddenLine xmlns="" xmlns:a14="http://schemas.microsoft.com/office/drawing/2010/main" w="9525">
                     <a:solidFill>
                       <a:srgbClr val="000000"/>
                     </a:solidFill>
@@ -12374,7 +12374,7 @@
               </a:ln>
               <a:extLst>
                 <a:ext uri="{91240B29-F687-4f45-9708-019B960494DF}">
-                  <a14:hiddenLine xmlns:a14="http://schemas.microsoft.com/office/drawing/2010/main" xmlns="" w="9525">
+                  <a14:hiddenLine xmlns="" xmlns:a14="http://schemas.microsoft.com/office/drawing/2010/main" w="9525">
                     <a:solidFill>
                       <a:srgbClr val="000000"/>
                     </a:solidFill>
@@ -12464,7 +12464,7 @@
               </a:ln>
               <a:extLst>
                 <a:ext uri="{91240B29-F687-4f45-9708-019B960494DF}">
-                  <a14:hiddenLine xmlns:a14="http://schemas.microsoft.com/office/drawing/2010/main" xmlns="" w="9525">
+                  <a14:hiddenLine xmlns="" xmlns:a14="http://schemas.microsoft.com/office/drawing/2010/main" w="9525">
                     <a:solidFill>
                       <a:srgbClr val="000000"/>
                     </a:solidFill>
@@ -12532,7 +12532,7 @@
               </a:ln>
               <a:extLst>
                 <a:ext uri="{91240B29-F687-4f45-9708-019B960494DF}">
-                  <a14:hiddenLine xmlns:a14="http://schemas.microsoft.com/office/drawing/2010/main" xmlns="" w="9525">
+                  <a14:hiddenLine xmlns="" xmlns:a14="http://schemas.microsoft.com/office/drawing/2010/main" w="9525">
                     <a:solidFill>
                       <a:srgbClr val="000000"/>
                     </a:solidFill>
@@ -12622,7 +12622,7 @@
               </a:ln>
               <a:extLst>
                 <a:ext uri="{91240B29-F687-4f45-9708-019B960494DF}">
-                  <a14:hiddenLine xmlns:a14="http://schemas.microsoft.com/office/drawing/2010/main" xmlns="" w="9525">
+                  <a14:hiddenLine xmlns="" xmlns:a14="http://schemas.microsoft.com/office/drawing/2010/main" w="9525">
                     <a:solidFill>
                       <a:srgbClr val="000000"/>
                     </a:solidFill>
@@ -12656,7 +12656,7 @@
               </a:ln>
               <a:extLst>
                 <a:ext uri="{91240B29-F687-4f45-9708-019B960494DF}">
-                  <a14:hiddenLine xmlns:a14="http://schemas.microsoft.com/office/drawing/2010/main" xmlns="" w="9525">
+                  <a14:hiddenLine xmlns="" xmlns:a14="http://schemas.microsoft.com/office/drawing/2010/main" w="9525">
                     <a:solidFill>
                       <a:srgbClr val="000000"/>
                     </a:solidFill>
@@ -14031,19 +14031,19 @@
           <a:p>
             <a:r>
               <a:rPr lang="en-US" dirty="0"/>
-              <a:t>The subclass objects can’t override some of the template method calls?</a:t>
+              <a:t>Subclass objects can’t override some of the template method call.  (True/False)</a:t>
             </a:r>
           </a:p>
           <a:p>
             <a:r>
               <a:rPr lang="en-US" dirty="0"/>
-              <a:t>The template method cannot be define in the abstract class?</a:t>
+              <a:t>The template method cannot be define in the abstract class.           (True/False)</a:t>
             </a:r>
           </a:p>
           <a:p>
             <a:r>
               <a:rPr lang="en-US" dirty="0"/>
-              <a:t>Why we don’t need template method if the subclasses will not be calling similar calls?</a:t>
+              <a:t>Why don’t we need template method if the subclasses will not be making similar calls?</a:t>
             </a:r>
           </a:p>
           <a:p>
